--- a/발표자료/최종발표.pptx
+++ b/발표자료/최종발표.pptx
@@ -9,22 +9,21 @@
     <p:sldId id="257" r:id="rId3"/>
     <p:sldId id="259" r:id="rId4"/>
     <p:sldId id="260" r:id="rId5"/>
-    <p:sldId id="261" r:id="rId6"/>
-    <p:sldId id="262" r:id="rId7"/>
-    <p:sldId id="263" r:id="rId8"/>
-    <p:sldId id="264" r:id="rId9"/>
-    <p:sldId id="265" r:id="rId10"/>
+    <p:sldId id="266" r:id="rId6"/>
+    <p:sldId id="261" r:id="rId7"/>
+    <p:sldId id="262" r:id="rId8"/>
+    <p:sldId id="263" r:id="rId9"/>
   </p:sldIdLst>
   <p:sldSz cx="18288000" cy="10287000"/>
   <p:notesSz cx="6858000" cy="9144000"/>
   <p:embeddedFontLst>
     <p:embeddedFont>
       <p:font typeface="210 디딤고딕 Light" panose="020B0600000101010101" charset="-127"/>
-      <p:regular r:id="rId11"/>
+      <p:regular r:id="rId10"/>
     </p:embeddedFont>
     <p:embeddedFont>
       <p:font typeface="Tlab 라곰 Bold" panose="020B0600000101010101" charset="-127"/>
-      <p:regular r:id="rId12"/>
+      <p:regular r:id="rId11"/>
     </p:embeddedFont>
   </p:embeddedFontLst>
   <p:defaultTextStyle>
@@ -321,7 +320,7 @@
             <a:fld id="{1D8BD707-D9CF-40AE-B4C6-C98DA3205C09}" type="datetimeFigureOut">
               <a:rPr lang="en-US" smtClean="0"/>
               <a:pPr/>
-              <a:t>6/4/2024</a:t>
+              <a:t>6/11/2024</a:t>
             </a:fld>
             <a:endParaRPr lang="en-US"/>
           </a:p>
@@ -486,7 +485,7 @@
             <a:fld id="{1D8BD707-D9CF-40AE-B4C6-C98DA3205C09}" type="datetimeFigureOut">
               <a:rPr lang="en-US" smtClean="0"/>
               <a:pPr/>
-              <a:t>6/4/2024</a:t>
+              <a:t>6/11/2024</a:t>
             </a:fld>
             <a:endParaRPr lang="en-US"/>
           </a:p>
@@ -661,7 +660,7 @@
             <a:fld id="{1D8BD707-D9CF-40AE-B4C6-C98DA3205C09}" type="datetimeFigureOut">
               <a:rPr lang="en-US" smtClean="0"/>
               <a:pPr/>
-              <a:t>6/4/2024</a:t>
+              <a:t>6/11/2024</a:t>
             </a:fld>
             <a:endParaRPr lang="en-US"/>
           </a:p>
@@ -826,7 +825,7 @@
             <a:fld id="{1D8BD707-D9CF-40AE-B4C6-C98DA3205C09}" type="datetimeFigureOut">
               <a:rPr lang="en-US" smtClean="0"/>
               <a:pPr/>
-              <a:t>6/4/2024</a:t>
+              <a:t>6/11/2024</a:t>
             </a:fld>
             <a:endParaRPr lang="en-US"/>
           </a:p>
@@ -1068,7 +1067,7 @@
             <a:fld id="{1D8BD707-D9CF-40AE-B4C6-C98DA3205C09}" type="datetimeFigureOut">
               <a:rPr lang="en-US" smtClean="0"/>
               <a:pPr/>
-              <a:t>6/4/2024</a:t>
+              <a:t>6/11/2024</a:t>
             </a:fld>
             <a:endParaRPr lang="en-US"/>
           </a:p>
@@ -1350,7 +1349,7 @@
             <a:fld id="{1D8BD707-D9CF-40AE-B4C6-C98DA3205C09}" type="datetimeFigureOut">
               <a:rPr lang="en-US" smtClean="0"/>
               <a:pPr/>
-              <a:t>6/4/2024</a:t>
+              <a:t>6/11/2024</a:t>
             </a:fld>
             <a:endParaRPr lang="en-US"/>
           </a:p>
@@ -1766,7 +1765,7 @@
             <a:fld id="{1D8BD707-D9CF-40AE-B4C6-C98DA3205C09}" type="datetimeFigureOut">
               <a:rPr lang="en-US" smtClean="0"/>
               <a:pPr/>
-              <a:t>6/4/2024</a:t>
+              <a:t>6/11/2024</a:t>
             </a:fld>
             <a:endParaRPr lang="en-US"/>
           </a:p>
@@ -1880,7 +1879,7 @@
             <a:fld id="{1D8BD707-D9CF-40AE-B4C6-C98DA3205C09}" type="datetimeFigureOut">
               <a:rPr lang="en-US" smtClean="0"/>
               <a:pPr/>
-              <a:t>6/4/2024</a:t>
+              <a:t>6/11/2024</a:t>
             </a:fld>
             <a:endParaRPr lang="en-US"/>
           </a:p>
@@ -1972,7 +1971,7 @@
             <a:fld id="{1D8BD707-D9CF-40AE-B4C6-C98DA3205C09}" type="datetimeFigureOut">
               <a:rPr lang="en-US" smtClean="0"/>
               <a:pPr/>
-              <a:t>6/4/2024</a:t>
+              <a:t>6/11/2024</a:t>
             </a:fld>
             <a:endParaRPr lang="en-US"/>
           </a:p>
@@ -2244,7 +2243,7 @@
             <a:fld id="{1D8BD707-D9CF-40AE-B4C6-C98DA3205C09}" type="datetimeFigureOut">
               <a:rPr lang="en-US" smtClean="0"/>
               <a:pPr/>
-              <a:t>6/4/2024</a:t>
+              <a:t>6/11/2024</a:t>
             </a:fld>
             <a:endParaRPr lang="en-US"/>
           </a:p>
@@ -2493,7 +2492,7 @@
             <a:fld id="{1D8BD707-D9CF-40AE-B4C6-C98DA3205C09}" type="datetimeFigureOut">
               <a:rPr lang="en-US" smtClean="0"/>
               <a:pPr/>
-              <a:t>6/4/2024</a:t>
+              <a:t>6/11/2024</a:t>
             </a:fld>
             <a:endParaRPr lang="en-US"/>
           </a:p>
@@ -2701,7 +2700,7 @@
             <a:fld id="{1D8BD707-D9CF-40AE-B4C6-C98DA3205C09}" type="datetimeFigureOut">
               <a:rPr lang="en-US" smtClean="0"/>
               <a:pPr/>
-              <a:t>6/4/2024</a:t>
+              <a:t>6/11/2024</a:t>
             </a:fld>
             <a:endParaRPr lang="en-US"/>
           </a:p>
@@ -5150,7 +5149,16 @@
                 </a:solidFill>
                 <a:ea typeface="Tlab 라곰 Bold"/>
               </a:rPr>
-              <a:t>스크립트 언어</a:t>
+              <a:t>밴드 붐은 온다</a:t>
+            </a:r>
+            <a:r>
+              <a:rPr lang="en-US" altLang="ko-KR" sz="10099" dirty="0">
+                <a:solidFill>
+                  <a:srgbClr val="40352D"/>
+                </a:solidFill>
+                <a:ea typeface="Tlab 라곰 Bold"/>
+              </a:rPr>
+              <a:t>~!</a:t>
             </a:r>
             <a:endParaRPr lang="en-US" sz="10099" dirty="0">
               <a:solidFill>
@@ -5169,7 +5177,7 @@
         </p:nvSpPr>
         <p:spPr>
           <a:xfrm>
-            <a:off x="5245435" y="7689389"/>
+            <a:off x="5433566" y="7713537"/>
             <a:ext cx="3444153" cy="511301"/>
           </a:xfrm>
           <a:prstGeom prst="rect">
@@ -5228,7 +5236,7 @@
         </p:nvSpPr>
         <p:spPr>
           <a:xfrm>
-            <a:off x="9211082" y="7689389"/>
+            <a:off x="9399213" y="7713537"/>
             <a:ext cx="3444153" cy="511301"/>
           </a:xfrm>
           <a:prstGeom prst="rect">
@@ -5287,7 +5295,7 @@
         </p:nvSpPr>
         <p:spPr>
           <a:xfrm>
-            <a:off x="8864920" y="7798845"/>
+            <a:off x="9053051" y="7822993"/>
             <a:ext cx="0" cy="384008"/>
           </a:xfrm>
           <a:prstGeom prst="line">
@@ -7195,7 +7203,7 @@
         </p:nvGrpSpPr>
         <p:grpSpPr>
           <a:xfrm>
-            <a:off x="9511907" y="3944398"/>
+            <a:off x="9459175" y="4616504"/>
             <a:ext cx="5818774" cy="852248"/>
             <a:chOff x="0" y="0"/>
             <a:chExt cx="2724474" cy="399040"/>
@@ -7485,7 +7493,7 @@
         </p:nvGrpSpPr>
         <p:grpSpPr>
           <a:xfrm>
-            <a:off x="9511907" y="5296518"/>
+            <a:off x="9459175" y="5968624"/>
             <a:ext cx="5818774" cy="852248"/>
             <a:chOff x="0" y="0"/>
             <a:chExt cx="2724474" cy="399040"/>
@@ -7738,151 +7746,6 @@
         <p:sp>
           <p:nvSpPr>
             <p:cNvPr id="45" name="TextBox 45"/>
-            <p:cNvSpPr txBox="1"/>
-            <p:nvPr/>
-          </p:nvSpPr>
-          <p:spPr>
-            <a:xfrm>
-              <a:off x="0" y="-19050"/>
-              <a:ext cx="2724474" cy="418090"/>
-            </a:xfrm>
-            <a:prstGeom prst="rect">
-              <a:avLst/>
-            </a:prstGeom>
-          </p:spPr>
-          <p:txBody>
-            <a:bodyPr lIns="28575" tIns="28575" rIns="28575" bIns="28575" rtlCol="0" anchor="ctr"/>
-            <a:lstStyle/>
-            <a:p>
-              <a:pPr marL="0" lvl="0" indent="0" algn="ctr">
-                <a:lnSpc>
-                  <a:spcPts val="1496"/>
-                </a:lnSpc>
-                <a:spcBef>
-                  <a:spcPct val="0"/>
-                </a:spcBef>
-              </a:pPr>
-              <a:endParaRPr/>
-            </a:p>
-          </p:txBody>
-        </p:sp>
-      </p:grpSp>
-      <p:grpSp>
-        <p:nvGrpSpPr>
-          <p:cNvPr id="46" name="Group 46"/>
-          <p:cNvGrpSpPr/>
-          <p:nvPr/>
-        </p:nvGrpSpPr>
-        <p:grpSpPr>
-          <a:xfrm>
-            <a:off x="9511907" y="6644066"/>
-            <a:ext cx="5818774" cy="852248"/>
-            <a:chOff x="0" y="0"/>
-            <a:chExt cx="2724474" cy="399040"/>
-          </a:xfrm>
-        </p:grpSpPr>
-        <p:sp>
-          <p:nvSpPr>
-            <p:cNvPr id="47" name="Freeform 47"/>
-            <p:cNvSpPr/>
-            <p:nvPr/>
-          </p:nvSpPr>
-          <p:spPr>
-            <a:xfrm>
-              <a:off x="0" y="0"/>
-              <a:ext cx="2724474" cy="399040"/>
-            </a:xfrm>
-            <a:custGeom>
-              <a:avLst/>
-              <a:gdLst/>
-              <a:ahLst/>
-              <a:cxnLst/>
-              <a:rect l="l" t="t" r="r" b="b"/>
-              <a:pathLst>
-                <a:path w="2724474" h="399040">
-                  <a:moveTo>
-                    <a:pt x="38585" y="0"/>
-                  </a:moveTo>
-                  <a:lnTo>
-                    <a:pt x="2685889" y="0"/>
-                  </a:lnTo>
-                  <a:cubicBezTo>
-                    <a:pt x="2696123" y="0"/>
-                    <a:pt x="2705937" y="4065"/>
-                    <a:pt x="2713173" y="11301"/>
-                  </a:cubicBezTo>
-                  <a:cubicBezTo>
-                    <a:pt x="2720409" y="18537"/>
-                    <a:pt x="2724474" y="28351"/>
-                    <a:pt x="2724474" y="38585"/>
-                  </a:cubicBezTo>
-                  <a:lnTo>
-                    <a:pt x="2724474" y="360456"/>
-                  </a:lnTo>
-                  <a:cubicBezTo>
-                    <a:pt x="2724474" y="370689"/>
-                    <a:pt x="2720409" y="380503"/>
-                    <a:pt x="2713173" y="387739"/>
-                  </a:cubicBezTo>
-                  <a:cubicBezTo>
-                    <a:pt x="2705937" y="394975"/>
-                    <a:pt x="2696123" y="399040"/>
-                    <a:pt x="2685889" y="399040"/>
-                  </a:cubicBezTo>
-                  <a:lnTo>
-                    <a:pt x="38585" y="399040"/>
-                  </a:lnTo>
-                  <a:cubicBezTo>
-                    <a:pt x="28351" y="399040"/>
-                    <a:pt x="18537" y="394975"/>
-                    <a:pt x="11301" y="387739"/>
-                  </a:cubicBezTo>
-                  <a:cubicBezTo>
-                    <a:pt x="4065" y="380503"/>
-                    <a:pt x="0" y="370689"/>
-                    <a:pt x="0" y="360456"/>
-                  </a:cubicBezTo>
-                  <a:lnTo>
-                    <a:pt x="0" y="38585"/>
-                  </a:lnTo>
-                  <a:cubicBezTo>
-                    <a:pt x="0" y="28351"/>
-                    <a:pt x="4065" y="18537"/>
-                    <a:pt x="11301" y="11301"/>
-                  </a:cubicBezTo>
-                  <a:cubicBezTo>
-                    <a:pt x="18537" y="4065"/>
-                    <a:pt x="28351" y="0"/>
-                    <a:pt x="38585" y="0"/>
-                  </a:cubicBezTo>
-                  <a:close/>
-                </a:path>
-              </a:pathLst>
-            </a:custGeom>
-            <a:solidFill>
-              <a:srgbClr val="000000">
-                <a:alpha val="0"/>
-              </a:srgbClr>
-            </a:solidFill>
-            <a:ln w="19050" cap="rnd">
-              <a:solidFill>
-                <a:srgbClr val="40352D"/>
-              </a:solidFill>
-              <a:prstDash val="solid"/>
-              <a:round/>
-            </a:ln>
-          </p:spPr>
-          <p:txBody>
-            <a:bodyPr/>
-            <a:lstStyle/>
-            <a:p>
-              <a:endParaRPr lang="ko-KR" altLang="en-US"/>
-            </a:p>
-          </p:txBody>
-        </p:sp>
-        <p:sp>
-          <p:nvSpPr>
-            <p:cNvPr id="48" name="TextBox 48"/>
             <p:cNvSpPr txBox="1"/>
             <p:nvPr/>
           </p:nvSpPr>
@@ -7967,7 +7830,7 @@
         </p:nvSpPr>
         <p:spPr>
           <a:xfrm>
-            <a:off x="10800877" y="4015811"/>
+            <a:off x="10748145" y="4687917"/>
             <a:ext cx="4298870" cy="604647"/>
           </a:xfrm>
           <a:prstGeom prst="rect">
@@ -7989,14 +7852,38 @@
               </a:spcBef>
             </a:pPr>
             <a:r>
-              <a:rPr lang="en-US" sz="3300">
+              <a:rPr lang="ko-KR" altLang="en-US" sz="3300" dirty="0">
                 <a:solidFill>
                   <a:srgbClr val="40352D"/>
                 </a:solidFill>
                 <a:ea typeface="Tlab 라곰 Bold"/>
               </a:rPr>
-              <a:t>프로젝트 진행</a:t>
+              <a:t>깃 </a:t>
             </a:r>
+            <a:r>
+              <a:rPr lang="ko-KR" altLang="en-US" sz="3300" dirty="0" err="1">
+                <a:solidFill>
+                  <a:srgbClr val="40352D"/>
+                </a:solidFill>
+                <a:ea typeface="Tlab 라곰 Bold"/>
+              </a:rPr>
+              <a:t>커밋</a:t>
+            </a:r>
+            <a:r>
+              <a:rPr lang="ko-KR" altLang="en-US" sz="3300" dirty="0">
+                <a:solidFill>
+                  <a:srgbClr val="40352D"/>
+                </a:solidFill>
+                <a:ea typeface="Tlab 라곰 Bold"/>
+              </a:rPr>
+              <a:t> 통계</a:t>
+            </a:r>
+            <a:endParaRPr lang="en-US" sz="3300" dirty="0">
+              <a:solidFill>
+                <a:srgbClr val="40352D"/>
+              </a:solidFill>
+              <a:ea typeface="Tlab 라곰 Bold"/>
+            </a:endParaRPr>
           </a:p>
         </p:txBody>
       </p:sp>
@@ -8030,31 +7917,13 @@
               </a:spcBef>
             </a:pPr>
             <a:r>
-              <a:rPr lang="en-US" sz="3300" dirty="0" err="1">
+              <a:rPr lang="ko-KR" altLang="en-US" sz="3300" dirty="0">
                 <a:solidFill>
                   <a:srgbClr val="40352D"/>
                 </a:solidFill>
                 <a:ea typeface="Tlab 라곰 Bold"/>
               </a:rPr>
-              <a:t>프로젝트</a:t>
-            </a:r>
-            <a:r>
-              <a:rPr lang="en-US" sz="3300" dirty="0">
-                <a:solidFill>
-                  <a:srgbClr val="40352D"/>
-                </a:solidFill>
-                <a:ea typeface="Tlab 라곰 Bold"/>
-              </a:rPr>
-              <a:t> </a:t>
-            </a:r>
-            <a:r>
-              <a:rPr lang="en-US" sz="3300" dirty="0" err="1">
-                <a:solidFill>
-                  <a:srgbClr val="40352D"/>
-                </a:solidFill>
-                <a:ea typeface="Tlab 라곰 Bold"/>
-              </a:rPr>
-              <a:t>소개</a:t>
+              <a:t>구현 내용</a:t>
             </a:r>
             <a:endParaRPr lang="en-US" sz="3300" dirty="0">
               <a:solidFill>
@@ -8073,7 +7942,7 @@
         </p:nvSpPr>
         <p:spPr>
           <a:xfrm>
-            <a:off x="10800877" y="5367931"/>
+            <a:off x="10748145" y="6040037"/>
             <a:ext cx="4298870" cy="604647"/>
           </a:xfrm>
           <a:prstGeom prst="rect">
@@ -8095,14 +7964,20 @@
               </a:spcBef>
             </a:pPr>
             <a:r>
-              <a:rPr lang="en-US" sz="3300">
+              <a:rPr lang="ko-KR" altLang="en-US" sz="3300" dirty="0">
                 <a:solidFill>
                   <a:srgbClr val="40352D"/>
                 </a:solidFill>
                 <a:ea typeface="Tlab 라곰 Bold"/>
               </a:rPr>
-              <a:t>프로젝트 성과</a:t>
+              <a:t>프로그램 시연</a:t>
             </a:r>
+            <a:endParaRPr lang="en-US" sz="3300" dirty="0">
+              <a:solidFill>
+                <a:srgbClr val="40352D"/>
+              </a:solidFill>
+              <a:ea typeface="Tlab 라곰 Bold"/>
+            </a:endParaRPr>
           </a:p>
         </p:txBody>
       </p:sp>
@@ -8136,54 +8011,13 @@
               </a:spcBef>
             </a:pPr>
             <a:r>
-              <a:rPr lang="en-US" sz="3300">
-                <a:solidFill>
-                  <a:srgbClr val="40352D"/>
-                </a:solidFill>
-                <a:ea typeface="Tlab 라곰 Bold"/>
-              </a:rPr>
-              <a:t>프로젝트 목표</a:t>
-            </a:r>
-          </a:p>
-        </p:txBody>
-      </p:sp>
-      <p:sp>
-        <p:nvSpPr>
-          <p:cNvPr id="54" name="TextBox 54"/>
-          <p:cNvSpPr txBox="1"/>
-          <p:nvPr/>
-        </p:nvSpPr>
-        <p:spPr>
-          <a:xfrm>
-            <a:off x="10800877" y="6715478"/>
-            <a:ext cx="4298870" cy="604647"/>
-          </a:xfrm>
-          <a:prstGeom prst="rect">
-            <a:avLst/>
-          </a:prstGeom>
-        </p:spPr>
-        <p:txBody>
-          <a:bodyPr lIns="0" tIns="0" rIns="0" bIns="0" rtlCol="0" anchor="t">
-            <a:spAutoFit/>
-          </a:bodyPr>
-          <a:lstStyle/>
-          <a:p>
-            <a:pPr algn="l">
-              <a:lnSpc>
-                <a:spcPts val="5049"/>
-              </a:lnSpc>
-              <a:spcBef>
-                <a:spcPct val="0"/>
-              </a:spcBef>
-            </a:pPr>
-            <a:r>
               <a:rPr lang="ko-KR" altLang="en-US" sz="3300" dirty="0">
                 <a:solidFill>
                   <a:srgbClr val="40352D"/>
                 </a:solidFill>
                 <a:ea typeface="Tlab 라곰 Bold"/>
               </a:rPr>
-              <a:t>프로그램 시연</a:t>
+              <a:t>개발 일정</a:t>
             </a:r>
             <a:endParaRPr lang="en-US" sz="3300" dirty="0">
               <a:solidFill>
@@ -8243,7 +8077,7 @@
         </p:nvSpPr>
         <p:spPr>
           <a:xfrm>
-            <a:off x="9798196" y="4015811"/>
+            <a:off x="9745464" y="4687917"/>
             <a:ext cx="636438" cy="604647"/>
           </a:xfrm>
           <a:prstGeom prst="rect">
@@ -8325,7 +8159,7 @@
         </p:nvSpPr>
         <p:spPr>
           <a:xfrm>
-            <a:off x="9798196" y="5365645"/>
+            <a:off x="9745464" y="6037751"/>
             <a:ext cx="636438" cy="604647"/>
           </a:xfrm>
           <a:prstGeom prst="rect">
@@ -8399,47 +8233,6 @@
           </a:p>
         </p:txBody>
       </p:sp>
-      <p:sp>
-        <p:nvSpPr>
-          <p:cNvPr id="60" name="TextBox 60"/>
-          <p:cNvSpPr txBox="1"/>
-          <p:nvPr/>
-        </p:nvSpPr>
-        <p:spPr>
-          <a:xfrm>
-            <a:off x="9798196" y="6720266"/>
-            <a:ext cx="636438" cy="604647"/>
-          </a:xfrm>
-          <a:prstGeom prst="rect">
-            <a:avLst/>
-          </a:prstGeom>
-        </p:spPr>
-        <p:txBody>
-          <a:bodyPr lIns="0" tIns="0" rIns="0" bIns="0" rtlCol="0" anchor="t">
-            <a:spAutoFit/>
-          </a:bodyPr>
-          <a:lstStyle/>
-          <a:p>
-            <a:pPr algn="ctr">
-              <a:lnSpc>
-                <a:spcPts val="5049"/>
-              </a:lnSpc>
-              <a:spcBef>
-                <a:spcPct val="0"/>
-              </a:spcBef>
-            </a:pPr>
-            <a:r>
-              <a:rPr lang="en-US" sz="3300">
-                <a:solidFill>
-                  <a:srgbClr val="40352D"/>
-                </a:solidFill>
-                <a:latin typeface="Tlab 라곰 Bold"/>
-              </a:rPr>
-              <a:t>6</a:t>
-            </a:r>
-          </a:p>
-        </p:txBody>
-      </p:sp>
     </p:spTree>
   </p:cSld>
   <p:clrMapOvr>
@@ -10130,236 +9923,6 @@
                 </a:spcBef>
               </a:pPr>
               <a:endParaRPr/>
-            </a:p>
-          </p:txBody>
-        </p:sp>
-      </p:grpSp>
-      <p:grpSp>
-        <p:nvGrpSpPr>
-          <p:cNvPr id="30" name="Group 30"/>
-          <p:cNvGrpSpPr/>
-          <p:nvPr/>
-        </p:nvGrpSpPr>
-        <p:grpSpPr>
-          <a:xfrm>
-            <a:off x="2957304" y="3432586"/>
-            <a:ext cx="5862306" cy="3090595"/>
-            <a:chOff x="0" y="0"/>
-            <a:chExt cx="908225" cy="478814"/>
-          </a:xfrm>
-        </p:grpSpPr>
-        <p:sp>
-          <p:nvSpPr>
-            <p:cNvPr id="31" name="Freeform 31"/>
-            <p:cNvSpPr/>
-            <p:nvPr/>
-          </p:nvSpPr>
-          <p:spPr>
-            <a:xfrm>
-              <a:off x="0" y="0"/>
-              <a:ext cx="908225" cy="478814"/>
-            </a:xfrm>
-            <a:custGeom>
-              <a:avLst/>
-              <a:gdLst/>
-              <a:ahLst/>
-              <a:cxnLst/>
-              <a:rect l="l" t="t" r="r" b="b"/>
-              <a:pathLst>
-                <a:path w="908225" h="478814">
-                  <a:moveTo>
-                    <a:pt x="30374" y="0"/>
-                  </a:moveTo>
-                  <a:lnTo>
-                    <a:pt x="877850" y="0"/>
-                  </a:lnTo>
-                  <a:cubicBezTo>
-                    <a:pt x="885906" y="0"/>
-                    <a:pt x="893632" y="3200"/>
-                    <a:pt x="899328" y="8896"/>
-                  </a:cubicBezTo>
-                  <a:cubicBezTo>
-                    <a:pt x="905024" y="14593"/>
-                    <a:pt x="908225" y="22319"/>
-                    <a:pt x="908225" y="30374"/>
-                  </a:cubicBezTo>
-                  <a:lnTo>
-                    <a:pt x="908225" y="448440"/>
-                  </a:lnTo>
-                  <a:cubicBezTo>
-                    <a:pt x="908225" y="456495"/>
-                    <a:pt x="905024" y="464221"/>
-                    <a:pt x="899328" y="469918"/>
-                  </a:cubicBezTo>
-                  <a:cubicBezTo>
-                    <a:pt x="893632" y="475614"/>
-                    <a:pt x="885906" y="478814"/>
-                    <a:pt x="877850" y="478814"/>
-                  </a:cubicBezTo>
-                  <a:lnTo>
-                    <a:pt x="30374" y="478814"/>
-                  </a:lnTo>
-                  <a:cubicBezTo>
-                    <a:pt x="22319" y="478814"/>
-                    <a:pt x="14593" y="475614"/>
-                    <a:pt x="8896" y="469918"/>
-                  </a:cubicBezTo>
-                  <a:cubicBezTo>
-                    <a:pt x="3200" y="464221"/>
-                    <a:pt x="0" y="456495"/>
-                    <a:pt x="0" y="448440"/>
-                  </a:cubicBezTo>
-                  <a:lnTo>
-                    <a:pt x="0" y="30374"/>
-                  </a:lnTo>
-                  <a:cubicBezTo>
-                    <a:pt x="0" y="22319"/>
-                    <a:pt x="3200" y="14593"/>
-                    <a:pt x="8896" y="8896"/>
-                  </a:cubicBezTo>
-                  <a:cubicBezTo>
-                    <a:pt x="14593" y="3200"/>
-                    <a:pt x="22319" y="0"/>
-                    <a:pt x="30374" y="0"/>
-                  </a:cubicBezTo>
-                  <a:close/>
-                </a:path>
-              </a:pathLst>
-            </a:custGeom>
-            <a:blipFill>
-              <a:blip r:embed="rId4"/>
-              <a:stretch>
-                <a:fillRect t="-13187" b="-13187"/>
-              </a:stretch>
-            </a:blipFill>
-            <a:ln w="19050" cap="rnd">
-              <a:solidFill>
-                <a:srgbClr val="40352D"/>
-              </a:solidFill>
-              <a:prstDash val="solid"/>
-              <a:round/>
-            </a:ln>
-          </p:spPr>
-          <p:txBody>
-            <a:bodyPr/>
-            <a:lstStyle/>
-            <a:p>
-              <a:endParaRPr lang="ko-KR" altLang="en-US"/>
-            </a:p>
-          </p:txBody>
-        </p:sp>
-      </p:grpSp>
-      <p:grpSp>
-        <p:nvGrpSpPr>
-          <p:cNvPr id="32" name="Group 32"/>
-          <p:cNvGrpSpPr/>
-          <p:nvPr/>
-        </p:nvGrpSpPr>
-        <p:grpSpPr>
-          <a:xfrm>
-            <a:off x="9468390" y="3432586"/>
-            <a:ext cx="5862306" cy="3090595"/>
-            <a:chOff x="0" y="0"/>
-            <a:chExt cx="908225" cy="478814"/>
-          </a:xfrm>
-        </p:grpSpPr>
-        <p:sp>
-          <p:nvSpPr>
-            <p:cNvPr id="33" name="Freeform 33"/>
-            <p:cNvSpPr/>
-            <p:nvPr/>
-          </p:nvSpPr>
-          <p:spPr>
-            <a:xfrm>
-              <a:off x="0" y="0"/>
-              <a:ext cx="908225" cy="478814"/>
-            </a:xfrm>
-            <a:custGeom>
-              <a:avLst/>
-              <a:gdLst/>
-              <a:ahLst/>
-              <a:cxnLst/>
-              <a:rect l="l" t="t" r="r" b="b"/>
-              <a:pathLst>
-                <a:path w="908225" h="478814">
-                  <a:moveTo>
-                    <a:pt x="30374" y="0"/>
-                  </a:moveTo>
-                  <a:lnTo>
-                    <a:pt x="877850" y="0"/>
-                  </a:lnTo>
-                  <a:cubicBezTo>
-                    <a:pt x="885906" y="0"/>
-                    <a:pt x="893632" y="3200"/>
-                    <a:pt x="899328" y="8896"/>
-                  </a:cubicBezTo>
-                  <a:cubicBezTo>
-                    <a:pt x="905024" y="14593"/>
-                    <a:pt x="908225" y="22319"/>
-                    <a:pt x="908225" y="30374"/>
-                  </a:cubicBezTo>
-                  <a:lnTo>
-                    <a:pt x="908225" y="448440"/>
-                  </a:lnTo>
-                  <a:cubicBezTo>
-                    <a:pt x="908225" y="456495"/>
-                    <a:pt x="905024" y="464221"/>
-                    <a:pt x="899328" y="469918"/>
-                  </a:cubicBezTo>
-                  <a:cubicBezTo>
-                    <a:pt x="893632" y="475614"/>
-                    <a:pt x="885906" y="478814"/>
-                    <a:pt x="877850" y="478814"/>
-                  </a:cubicBezTo>
-                  <a:lnTo>
-                    <a:pt x="30374" y="478814"/>
-                  </a:lnTo>
-                  <a:cubicBezTo>
-                    <a:pt x="22319" y="478814"/>
-                    <a:pt x="14593" y="475614"/>
-                    <a:pt x="8896" y="469918"/>
-                  </a:cubicBezTo>
-                  <a:cubicBezTo>
-                    <a:pt x="3200" y="464221"/>
-                    <a:pt x="0" y="456495"/>
-                    <a:pt x="0" y="448440"/>
-                  </a:cubicBezTo>
-                  <a:lnTo>
-                    <a:pt x="0" y="30374"/>
-                  </a:lnTo>
-                  <a:cubicBezTo>
-                    <a:pt x="0" y="22319"/>
-                    <a:pt x="3200" y="14593"/>
-                    <a:pt x="8896" y="8896"/>
-                  </a:cubicBezTo>
-                  <a:cubicBezTo>
-                    <a:pt x="14593" y="3200"/>
-                    <a:pt x="22319" y="0"/>
-                    <a:pt x="30374" y="0"/>
-                  </a:cubicBezTo>
-                  <a:close/>
-                </a:path>
-              </a:pathLst>
-            </a:custGeom>
-            <a:blipFill>
-              <a:blip r:embed="rId5"/>
-              <a:stretch>
-                <a:fillRect l="-28518" t="-52334" r="-26127" b="-43099"/>
-              </a:stretch>
-            </a:blipFill>
-            <a:ln w="19050" cap="rnd">
-              <a:solidFill>
-                <a:srgbClr val="40352D"/>
-              </a:solidFill>
-              <a:prstDash val="solid"/>
-              <a:round/>
-            </a:ln>
-          </p:spPr>
-          <p:txBody>
-            <a:bodyPr/>
-            <a:lstStyle/>
-            <a:p>
-              <a:endParaRPr lang="ko-KR" altLang="en-US"/>
             </a:p>
           </p:txBody>
         </p:sp>
@@ -10410,8 +9973,8 @@
         </p:nvSpPr>
         <p:spPr>
           <a:xfrm>
-            <a:off x="2957304" y="6998023"/>
-            <a:ext cx="12373392" cy="1634109"/>
+            <a:off x="2622476" y="4983869"/>
+            <a:ext cx="12373392" cy="525785"/>
           </a:xfrm>
           <a:prstGeom prst="rect">
             <a:avLst/>
@@ -10432,18 +9995,62 @@
               </a:spcBef>
             </a:pPr>
             <a:r>
-              <a:rPr lang="en-US" sz="2799" u="none" strike="noStrike">
+              <a:rPr lang="ko-KR" altLang="en-US" sz="2799" u="none" strike="noStrike" dirty="0">
                 <a:solidFill>
                   <a:srgbClr val="40352D"/>
                 </a:solidFill>
                 <a:latin typeface="210 디딤고딕 Light"/>
                 <a:ea typeface="210 디딤고딕 Light"/>
               </a:rPr>
-              <a:t>본 프로젝트는 제품이나 서비스의 홍보를 위해 팀원들이 협력하여 전략을 계획하고 실행하는 프로젝트입니다. 이를 통해 제품이나 서비스의 인지도 향상과 성공적인 마케팅 결과를 얻을 수 있습니다.</a:t>
+              <a:t>공연 정보와 공연장 정보를 확인할 수 있는 프로그램</a:t>
             </a:r>
           </a:p>
         </p:txBody>
       </p:sp>
+      <p:pic>
+        <p:nvPicPr>
+          <p:cNvPr id="44" name="그림 43">
+            <a:extLst>
+              <a:ext uri="{FF2B5EF4-FFF2-40B4-BE49-F238E27FC236}">
+                <a16:creationId xmlns:a16="http://schemas.microsoft.com/office/drawing/2014/main" id="{BE512590-FF9C-6C65-74C5-CFE70887D315}"/>
+              </a:ext>
+            </a:extLst>
+          </p:cNvPr>
+          <p:cNvPicPr>
+            <a:picLocks noChangeAspect="1"/>
+          </p:cNvPicPr>
+          <p:nvPr/>
+        </p:nvPicPr>
+        <p:blipFill>
+          <a:blip r:embed="rId4"/>
+          <a:stretch>
+            <a:fillRect/>
+          </a:stretch>
+        </p:blipFill>
+        <p:spPr>
+          <a:xfrm>
+            <a:off x="10978345" y="2581662"/>
+            <a:ext cx="5114925" cy="5330200"/>
+          </a:xfrm>
+          <a:prstGeom prst="rect">
+            <a:avLst/>
+          </a:prstGeom>
+          <a:ln w="38100" cap="sq">
+            <a:solidFill>
+              <a:srgbClr val="000000"/>
+            </a:solidFill>
+            <a:prstDash val="solid"/>
+            <a:miter lim="800000"/>
+          </a:ln>
+          <a:effectLst>
+            <a:outerShdw blurRad="50800" dist="38100" dir="2700000" algn="tl" rotWithShape="0">
+              <a:srgbClr val="000000">
+                <a:alpha val="43000"/>
+              </a:srgbClr>
+            </a:outerShdw>
+          </a:effectLst>
+        </p:spPr>
+      </p:pic>
     </p:spTree>
   </p:cSld>
   <p:clrMapOvr>
@@ -12147,7 +11754,7 @@
         <p:spPr>
           <a:xfrm>
             <a:off x="2622476" y="1910150"/>
-            <a:ext cx="7399557" cy="1343025"/>
+            <a:ext cx="7399557" cy="1359346"/>
           </a:xfrm>
           <a:prstGeom prst="rect">
             <a:avLst/>
@@ -12165,56 +11772,20 @@
               </a:lnSpc>
             </a:pPr>
             <a:r>
-              <a:rPr lang="en-US" sz="8845">
+              <a:rPr lang="ko-KR" altLang="en-US" sz="8845" dirty="0">
                 <a:solidFill>
                   <a:srgbClr val="40352D"/>
                 </a:solidFill>
                 <a:ea typeface="Tlab 라곰 Bold"/>
               </a:rPr>
-              <a:t>프로젝트 목표</a:t>
+              <a:t>구현 내용</a:t>
             </a:r>
-          </a:p>
-        </p:txBody>
-      </p:sp>
-      <p:sp>
-        <p:nvSpPr>
-          <p:cNvPr id="31" name="TextBox 31"/>
-          <p:cNvSpPr txBox="1"/>
-          <p:nvPr/>
-        </p:nvSpPr>
-        <p:spPr>
-          <a:xfrm>
-            <a:off x="2957304" y="3434059"/>
-            <a:ext cx="12373392" cy="1081659"/>
-          </a:xfrm>
-          <a:prstGeom prst="rect">
-            <a:avLst/>
-          </a:prstGeom>
-        </p:spPr>
-        <p:txBody>
-          <a:bodyPr lIns="0" tIns="0" rIns="0" bIns="0" rtlCol="0" anchor="t">
-            <a:spAutoFit/>
-          </a:bodyPr>
-          <a:lstStyle/>
-          <a:p>
-            <a:pPr marL="0" lvl="0" indent="0" algn="just">
-              <a:lnSpc>
-                <a:spcPts val="4367"/>
-              </a:lnSpc>
-              <a:spcBef>
-                <a:spcPct val="0"/>
-              </a:spcBef>
-            </a:pPr>
-            <a:r>
-              <a:rPr lang="en-US" sz="2799">
-                <a:solidFill>
-                  <a:srgbClr val="40352D"/>
-                </a:solidFill>
-                <a:latin typeface="210 디딤고딕 Light"/>
-                <a:ea typeface="210 디딤고딕 Light"/>
-              </a:rPr>
-              <a:t>프로젝트의 목표는 브랜드 인지도 향상, 제품 판매량 증가, 타깃 고객 확보 등이 있을 수 있습니다. </a:t>
-            </a:r>
+            <a:endParaRPr lang="en-US" sz="8845" dirty="0">
+              <a:solidFill>
+                <a:srgbClr val="40352D"/>
+              </a:solidFill>
+              <a:ea typeface="Tlab 라곰 Bold"/>
+            </a:endParaRPr>
           </a:p>
         </p:txBody>
       </p:sp>
@@ -12226,7 +11797,7 @@
         </p:nvGrpSpPr>
         <p:grpSpPr>
           <a:xfrm>
-            <a:off x="2682322" y="5032816"/>
+            <a:off x="2703070" y="4031274"/>
             <a:ext cx="3991418" cy="852248"/>
             <a:chOff x="0" y="0"/>
             <a:chExt cx="1868867" cy="399040"/>
@@ -12369,7 +11940,7 @@
         </p:nvGrpSpPr>
         <p:grpSpPr>
           <a:xfrm>
-            <a:off x="6231611" y="5407674"/>
+            <a:off x="6252359" y="4406132"/>
             <a:ext cx="102532" cy="102532"/>
             <a:chOff x="0" y="0"/>
             <a:chExt cx="812800" cy="812800"/>
@@ -12470,7 +12041,7 @@
         </p:nvGrpSpPr>
         <p:grpSpPr>
           <a:xfrm>
-            <a:off x="3021919" y="5407674"/>
+            <a:off x="3042667" y="4406132"/>
             <a:ext cx="102532" cy="102532"/>
             <a:chOff x="0" y="0"/>
             <a:chExt cx="812800" cy="812800"/>
@@ -12571,7 +12142,7 @@
         </p:nvSpPr>
         <p:spPr>
           <a:xfrm>
-            <a:off x="2682322" y="5123278"/>
+            <a:off x="2703070" y="4121736"/>
             <a:ext cx="3988020" cy="511301"/>
           </a:xfrm>
           <a:prstGeom prst="rect">
@@ -12593,14 +12164,20 @@
               </a:spcBef>
             </a:pPr>
             <a:r>
-              <a:rPr lang="en-US" sz="2800">
+              <a:rPr lang="ko-KR" altLang="en-US" sz="2800" dirty="0">
                 <a:solidFill>
                   <a:srgbClr val="40352D"/>
                 </a:solidFill>
                 <a:ea typeface="Tlab 라곰 Bold"/>
               </a:rPr>
-              <a:t>브랜드 인지도 향상</a:t>
+              <a:t>검색 기능</a:t>
             </a:r>
+            <a:endParaRPr lang="en-US" sz="2800" dirty="0">
+              <a:solidFill>
+                <a:srgbClr val="40352D"/>
+              </a:solidFill>
+              <a:ea typeface="Tlab 라곰 Bold"/>
+            </a:endParaRPr>
           </a:p>
         </p:txBody>
       </p:sp>
@@ -12612,7 +12189,7 @@
         </p:nvGrpSpPr>
         <p:grpSpPr>
           <a:xfrm>
-            <a:off x="7146592" y="5032816"/>
+            <a:off x="7167340" y="4031274"/>
             <a:ext cx="3991418" cy="852248"/>
             <a:chOff x="0" y="0"/>
             <a:chExt cx="1868867" cy="399040"/>
@@ -12755,7 +12332,7 @@
         </p:nvGrpSpPr>
         <p:grpSpPr>
           <a:xfrm>
-            <a:off x="10695881" y="5407674"/>
+            <a:off x="10716629" y="4406132"/>
             <a:ext cx="102532" cy="102532"/>
             <a:chOff x="0" y="0"/>
             <a:chExt cx="812800" cy="812800"/>
@@ -12856,7 +12433,7 @@
         </p:nvGrpSpPr>
         <p:grpSpPr>
           <a:xfrm>
-            <a:off x="7486189" y="5407674"/>
+            <a:off x="7506937" y="4406132"/>
             <a:ext cx="102532" cy="102532"/>
             <a:chOff x="0" y="0"/>
             <a:chExt cx="812800" cy="812800"/>
@@ -12957,7 +12534,7 @@
         </p:nvSpPr>
         <p:spPr>
           <a:xfrm>
-            <a:off x="7146592" y="5123278"/>
+            <a:off x="7167340" y="4121736"/>
             <a:ext cx="3991418" cy="511301"/>
           </a:xfrm>
           <a:prstGeom prst="rect">
@@ -12979,14 +12556,29 @@
               </a:spcBef>
             </a:pPr>
             <a:r>
-              <a:rPr lang="en-US" sz="2800">
+              <a:rPr lang="en-US" sz="2800" dirty="0">
                 <a:solidFill>
                   <a:srgbClr val="40352D"/>
                 </a:solidFill>
                 <a:ea typeface="Tlab 라곰 Bold"/>
               </a:rPr>
-              <a:t>제품 판매량 증가</a:t>
+              <a:t>C/C++ </a:t>
             </a:r>
+            <a:r>
+              <a:rPr lang="ko-KR" altLang="en-US" sz="2800" dirty="0">
+                <a:solidFill>
+                  <a:srgbClr val="40352D"/>
+                </a:solidFill>
+                <a:ea typeface="Tlab 라곰 Bold"/>
+              </a:rPr>
+              <a:t>연동</a:t>
+            </a:r>
+            <a:endParaRPr lang="en-US" sz="2800" dirty="0">
+              <a:solidFill>
+                <a:srgbClr val="40352D"/>
+              </a:solidFill>
+              <a:ea typeface="Tlab 라곰 Bold"/>
+            </a:endParaRPr>
           </a:p>
         </p:txBody>
       </p:sp>
@@ -12998,7 +12590,7 @@
         </p:nvGrpSpPr>
         <p:grpSpPr>
           <a:xfrm>
-            <a:off x="11614260" y="5032816"/>
+            <a:off x="11635008" y="4031274"/>
             <a:ext cx="3991418" cy="852248"/>
             <a:chOff x="0" y="0"/>
             <a:chExt cx="1868867" cy="399040"/>
@@ -13141,7 +12733,7 @@
         </p:nvGrpSpPr>
         <p:grpSpPr>
           <a:xfrm>
-            <a:off x="15163549" y="5407674"/>
+            <a:off x="15184297" y="4406132"/>
             <a:ext cx="102532" cy="102532"/>
             <a:chOff x="0" y="0"/>
             <a:chExt cx="812800" cy="812800"/>
@@ -13242,7 +12834,7 @@
         </p:nvGrpSpPr>
         <p:grpSpPr>
           <a:xfrm>
-            <a:off x="11953858" y="5407674"/>
+            <a:off x="11974606" y="4406132"/>
             <a:ext cx="102532" cy="102532"/>
             <a:chOff x="0" y="0"/>
             <a:chExt cx="812800" cy="812800"/>
@@ -13343,7 +12935,7 @@
         </p:nvSpPr>
         <p:spPr>
           <a:xfrm>
-            <a:off x="11614260" y="5123278"/>
+            <a:off x="11635008" y="4121736"/>
             <a:ext cx="3991418" cy="511301"/>
           </a:xfrm>
           <a:prstGeom prst="rect">
@@ -13365,14 +12957,29 @@
               </a:spcBef>
             </a:pPr>
             <a:r>
-              <a:rPr lang="en-US" sz="2800">
+              <a:rPr lang="ko-KR" altLang="en-US" sz="2800" dirty="0" err="1">
                 <a:solidFill>
                   <a:srgbClr val="40352D"/>
                 </a:solidFill>
                 <a:ea typeface="Tlab 라곰 Bold"/>
               </a:rPr>
-              <a:t>타깃 고객 확보</a:t>
+              <a:t>텔레그램</a:t>
             </a:r>
+            <a:r>
+              <a:rPr lang="ko-KR" altLang="en-US" sz="2800" dirty="0">
+                <a:solidFill>
+                  <a:srgbClr val="40352D"/>
+                </a:solidFill>
+                <a:ea typeface="Tlab 라곰 Bold"/>
+              </a:rPr>
+              <a:t> 봇 연동</a:t>
+            </a:r>
+            <a:endParaRPr lang="en-US" sz="2800" dirty="0">
+              <a:solidFill>
+                <a:srgbClr val="40352D"/>
+              </a:solidFill>
+              <a:ea typeface="Tlab 라곰 Bold"/>
+            </a:endParaRPr>
           </a:p>
         </p:txBody>
       </p:sp>
@@ -13384,7 +12991,7 @@
         </p:nvGrpSpPr>
         <p:grpSpPr>
           <a:xfrm>
-            <a:off x="2682322" y="5866013"/>
+            <a:off x="2703070" y="4864471"/>
             <a:ext cx="3991418" cy="2549408"/>
             <a:chOff x="0" y="0"/>
             <a:chExt cx="1868867" cy="1193687"/>
@@ -13524,7 +13131,7 @@
         </p:nvGrpSpPr>
         <p:grpSpPr>
           <a:xfrm>
-            <a:off x="7146592" y="5866013"/>
+            <a:off x="7167340" y="4864471"/>
             <a:ext cx="3991418" cy="2549408"/>
             <a:chOff x="0" y="0"/>
             <a:chExt cx="1868867" cy="1193687"/>
@@ -13664,7 +13271,7 @@
         </p:nvGrpSpPr>
         <p:grpSpPr>
           <a:xfrm>
-            <a:off x="11614260" y="5866013"/>
+            <a:off x="11635008" y="4864471"/>
             <a:ext cx="3991418" cy="2549408"/>
             <a:chOff x="0" y="0"/>
             <a:chExt cx="1868867" cy="1193687"/>
@@ -13804,8 +13411,8 @@
         </p:nvSpPr>
         <p:spPr>
           <a:xfrm>
-            <a:off x="2987912" y="6153292"/>
-            <a:ext cx="3376838" cy="1898650"/>
+            <a:off x="3008660" y="5151750"/>
+            <a:ext cx="3376838" cy="1435393"/>
           </a:xfrm>
           <a:prstGeom prst="rect">
             <a:avLst/>
@@ -13817,20 +13424,30 @@
           </a:bodyPr>
           <a:lstStyle/>
           <a:p>
-            <a:pPr algn="just">
+            <a:pPr>
               <a:lnSpc>
                 <a:spcPts val="3770"/>
               </a:lnSpc>
             </a:pPr>
             <a:r>
-              <a:rPr lang="en-US" sz="2600">
+              <a:rPr lang="ko-KR" altLang="en-US" sz="2600" dirty="0">
                 <a:solidFill>
                   <a:srgbClr val="40352D"/>
                 </a:solidFill>
                 <a:latin typeface="210 디딤고딕 Light"/>
                 <a:ea typeface="210 디딤고딕 Light"/>
               </a:rPr>
-              <a:t>광고, 마케팅 전략, 소셜 미디어 활용, 그리고 고품질의 제품 또는 서비스를 제공합니다. </a:t>
+              <a:t>카테고리에 따른 검색 기능과 기간에 따른 검색 기능 구현</a:t>
+            </a:r>
+            <a:r>
+              <a:rPr lang="en-US" sz="2600" dirty="0">
+                <a:solidFill>
+                  <a:srgbClr val="40352D"/>
+                </a:solidFill>
+                <a:latin typeface="210 디딤고딕 Light"/>
+                <a:ea typeface="210 디딤고딕 Light"/>
+              </a:rPr>
+              <a:t> </a:t>
             </a:r>
           </a:p>
         </p:txBody>
@@ -13843,8 +13460,8 @@
         </p:nvSpPr>
         <p:spPr>
           <a:xfrm>
-            <a:off x="7453882" y="6153292"/>
-            <a:ext cx="3376838" cy="1898650"/>
+            <a:off x="7474630" y="5151750"/>
+            <a:ext cx="3376838" cy="1922706"/>
           </a:xfrm>
           <a:prstGeom prst="rect">
             <a:avLst/>
@@ -13856,7 +13473,7 @@
           </a:bodyPr>
           <a:lstStyle/>
           <a:p>
-            <a:pPr marL="0" lvl="0" indent="0" algn="just">
+            <a:pPr marL="0" lvl="0" indent="0">
               <a:lnSpc>
                 <a:spcPts val="3770"/>
               </a:lnSpc>
@@ -13865,24 +13482,52 @@
               </a:spcBef>
             </a:pPr>
             <a:r>
-              <a:rPr lang="en-US" sz="2600">
-                <a:solidFill>
-                  <a:srgbClr val="40352D"/>
-                </a:solidFill>
-                <a:ea typeface="210 디딤고딕 Light"/>
-              </a:rPr>
-              <a:t>제품 판매량 증가를 위해 </a:t>
-            </a:r>
-            <a:r>
-              <a:rPr lang="en-US" sz="2600" u="none" strike="noStrike">
+              <a:rPr lang="en-US" sz="2600" u="none" strike="noStrike" dirty="0">
                 <a:solidFill>
                   <a:srgbClr val="40352D"/>
                 </a:solidFill>
                 <a:latin typeface="210 디딤고딕 Light"/>
                 <a:ea typeface="210 디딤고딕 Light"/>
               </a:rPr>
-              <a:t>품질 좋은 제품과 효과적인 마케팅 전략의 조화가 중요합니다. </a:t>
+              <a:t>C++</a:t>
             </a:r>
+            <a:r>
+              <a:rPr lang="ko-KR" altLang="en-US" sz="2600" dirty="0">
+                <a:solidFill>
+                  <a:srgbClr val="40352D"/>
+                </a:solidFill>
+                <a:latin typeface="210 디딤고딕 Light"/>
+                <a:ea typeface="210 디딤고딕 Light"/>
+              </a:rPr>
+              <a:t>의 </a:t>
+            </a:r>
+            <a:r>
+              <a:rPr lang="en-US" altLang="ko-KR" sz="2600" dirty="0">
+                <a:solidFill>
+                  <a:srgbClr val="40352D"/>
+                </a:solidFill>
+                <a:latin typeface="210 디딤고딕 Light"/>
+                <a:ea typeface="210 디딤고딕 Light"/>
+              </a:rPr>
+              <a:t>chrono </a:t>
+            </a:r>
+            <a:r>
+              <a:rPr lang="ko-KR" altLang="en-US" sz="2600" dirty="0">
+                <a:solidFill>
+                  <a:srgbClr val="40352D"/>
+                </a:solidFill>
+                <a:latin typeface="210 디딤고딕 Light"/>
+                <a:ea typeface="210 디딤고딕 Light"/>
+              </a:rPr>
+              <a:t>라이브러리를 이용해 기간 검색 기능 구현에 사용</a:t>
+            </a:r>
+            <a:endParaRPr lang="en-US" sz="2600" u="none" strike="noStrike" dirty="0">
+              <a:solidFill>
+                <a:srgbClr val="40352D"/>
+              </a:solidFill>
+              <a:latin typeface="210 디딤고딕 Light"/>
+              <a:ea typeface="210 디딤고딕 Light"/>
+            </a:endParaRPr>
           </a:p>
         </p:txBody>
       </p:sp>
@@ -13894,8 +13539,8 @@
         </p:nvSpPr>
         <p:spPr>
           <a:xfrm>
-            <a:off x="11921550" y="6153292"/>
-            <a:ext cx="3376838" cy="1898650"/>
+            <a:off x="11942298" y="5151750"/>
+            <a:ext cx="3376838" cy="948080"/>
           </a:xfrm>
           <a:prstGeom prst="rect">
             <a:avLst/>
@@ -13907,7 +13552,7 @@
           </a:bodyPr>
           <a:lstStyle/>
           <a:p>
-            <a:pPr marL="0" lvl="0" indent="0" algn="just">
+            <a:pPr marL="0" lvl="0" indent="0">
               <a:lnSpc>
                 <a:spcPts val="3770"/>
               </a:lnSpc>
@@ -13916,18 +13561,61 @@
               </a:spcBef>
             </a:pPr>
             <a:r>
-              <a:rPr lang="en-US" sz="2600">
+              <a:rPr lang="ko-KR" altLang="en-US" sz="2600" dirty="0">
                 <a:solidFill>
                   <a:srgbClr val="40352D"/>
                 </a:solidFill>
                 <a:latin typeface="210 디딤고딕 Light"/>
                 <a:ea typeface="210 디딤고딕 Light"/>
               </a:rPr>
-              <a:t>제품이나 서비스를 지속적으로 개선하고, 고객과의 소통을 유지하는 것이 중요합니다.</a:t>
+              <a:t>프로그램과 유사한 검색 기능 구현</a:t>
             </a:r>
+            <a:endParaRPr lang="en-US" sz="2600" dirty="0">
+              <a:solidFill>
+                <a:srgbClr val="40352D"/>
+              </a:solidFill>
+              <a:latin typeface="210 디딤고딕 Light"/>
+              <a:ea typeface="210 디딤고딕 Light"/>
+            </a:endParaRPr>
           </a:p>
         </p:txBody>
       </p:sp>
+      <p:pic>
+        <p:nvPicPr>
+          <p:cNvPr id="74" name="그림 73" descr="그림, 스케치, 만화 영화, 아동 미술이(가) 표시된 사진&#10;&#10;자동 생성된 설명">
+            <a:extLst>
+              <a:ext uri="{FF2B5EF4-FFF2-40B4-BE49-F238E27FC236}">
+                <a16:creationId xmlns:a16="http://schemas.microsoft.com/office/drawing/2014/main" id="{58297871-DABC-CA70-34B8-4F6B3FB11E8B}"/>
+              </a:ext>
+            </a:extLst>
+          </p:cNvPr>
+          <p:cNvPicPr>
+            <a:picLocks noChangeAspect="1"/>
+          </p:cNvPicPr>
+          <p:nvPr/>
+        </p:nvPicPr>
+        <p:blipFill>
+          <a:blip r:embed="rId4">
+            <a:extLst>
+              <a:ext uri="{28A0092B-C50C-407E-A947-70E740481C1C}">
+                <a14:useLocalDpi xmlns:a14="http://schemas.microsoft.com/office/drawing/2010/main" val="0"/>
+              </a:ext>
+            </a:extLst>
+          </a:blip>
+          <a:stretch>
+            <a:fillRect/>
+          </a:stretch>
+        </p:blipFill>
+        <p:spPr>
+          <a:xfrm>
+            <a:off x="6987857" y="1558697"/>
+            <a:ext cx="2034666" cy="2067885"/>
+          </a:xfrm>
+          <a:prstGeom prst="rect">
+            <a:avLst/>
+          </a:prstGeom>
+        </p:spPr>
+      </p:pic>
     </p:spTree>
   </p:cSld>
   <p:clrMapOvr>
@@ -15631,7 +15319,7 @@
         <p:spPr>
           <a:xfrm>
             <a:off x="2622476" y="1910150"/>
-            <a:ext cx="12708220" cy="1343025"/>
+            <a:ext cx="7399557" cy="1359346"/>
           </a:xfrm>
           <a:prstGeom prst="rect">
             <a:avLst/>
@@ -15649,41 +15337,47 @@
               </a:lnSpc>
             </a:pPr>
             <a:r>
-              <a:rPr lang="en-US" sz="8845">
+              <a:rPr lang="ko-KR" altLang="en-US" sz="8845" dirty="0">
                 <a:solidFill>
                   <a:srgbClr val="40352D"/>
                 </a:solidFill>
                 <a:ea typeface="Tlab 라곰 Bold"/>
               </a:rPr>
-              <a:t>프로젝트 진행</a:t>
+              <a:t>구현 내용</a:t>
             </a:r>
+            <a:endParaRPr lang="en-US" sz="8845" dirty="0">
+              <a:solidFill>
+                <a:srgbClr val="40352D"/>
+              </a:solidFill>
+              <a:ea typeface="Tlab 라곰 Bold"/>
+            </a:endParaRPr>
           </a:p>
         </p:txBody>
       </p:sp>
       <p:grpSp>
         <p:nvGrpSpPr>
-          <p:cNvPr id="31" name="Group 31"/>
+          <p:cNvPr id="32" name="Group 32"/>
           <p:cNvGrpSpPr/>
           <p:nvPr/>
         </p:nvGrpSpPr>
         <p:grpSpPr>
           <a:xfrm>
-            <a:off x="1966710" y="3936826"/>
-            <a:ext cx="3423139" cy="4193812"/>
+            <a:off x="2703070" y="4031274"/>
+            <a:ext cx="3991418" cy="852248"/>
             <a:chOff x="0" y="0"/>
-            <a:chExt cx="1027981" cy="1259417"/>
+            <a:chExt cx="1868867" cy="399040"/>
           </a:xfrm>
         </p:grpSpPr>
         <p:sp>
           <p:nvSpPr>
-            <p:cNvPr id="32" name="Freeform 32"/>
+            <p:cNvPr id="33" name="Freeform 33"/>
             <p:cNvSpPr/>
             <p:nvPr/>
           </p:nvSpPr>
           <p:spPr>
             <a:xfrm>
               <a:off x="0" y="0"/>
-              <a:ext cx="1027981" cy="1259417"/>
+              <a:ext cx="1868867" cy="399040"/>
             </a:xfrm>
             <a:custGeom>
               <a:avLst/>
@@ -15692,46 +15386,61 @@
               <a:cxnLst/>
               <a:rect l="l" t="t" r="r" b="b"/>
               <a:pathLst>
-                <a:path w="1027981" h="1259417">
+                <a:path w="1868867" h="399040">
                   <a:moveTo>
-                    <a:pt x="70111" y="0"/>
+                    <a:pt x="56250" y="0"/>
                   </a:moveTo>
                   <a:lnTo>
-                    <a:pt x="957870" y="0"/>
-                  </a:lnTo>
-                  <a:cubicBezTo>
-                    <a:pt x="996591" y="0"/>
-                    <a:pt x="1027981" y="31390"/>
-                    <a:pt x="1027981" y="70111"/>
-                  </a:cubicBezTo>
-                  <a:lnTo>
-                    <a:pt x="1027981" y="1189306"/>
-                  </a:lnTo>
-                  <a:cubicBezTo>
-                    <a:pt x="1027981" y="1228027"/>
-                    <a:pt x="996591" y="1259417"/>
-                    <a:pt x="957870" y="1259417"/>
-                  </a:cubicBezTo>
-                  <a:lnTo>
-                    <a:pt x="70111" y="1259417"/>
-                  </a:lnTo>
-                  <a:cubicBezTo>
-                    <a:pt x="51516" y="1259417"/>
-                    <a:pt x="33683" y="1252030"/>
-                    <a:pt x="20535" y="1238882"/>
-                  </a:cubicBezTo>
-                  <a:cubicBezTo>
-                    <a:pt x="7387" y="1225733"/>
-                    <a:pt x="0" y="1207900"/>
-                    <a:pt x="0" y="1189306"/>
-                  </a:cubicBezTo>
-                  <a:lnTo>
-                    <a:pt x="0" y="70111"/>
-                  </a:lnTo>
-                  <a:cubicBezTo>
-                    <a:pt x="0" y="31390"/>
-                    <a:pt x="31390" y="0"/>
-                    <a:pt x="70111" y="0"/>
+                    <a:pt x="1812617" y="0"/>
+                  </a:lnTo>
+                  <a:cubicBezTo>
+                    <a:pt x="1827536" y="0"/>
+                    <a:pt x="1841843" y="5926"/>
+                    <a:pt x="1852392" y="16475"/>
+                  </a:cubicBezTo>
+                  <a:cubicBezTo>
+                    <a:pt x="1862941" y="27024"/>
+                    <a:pt x="1868867" y="41331"/>
+                    <a:pt x="1868867" y="56250"/>
+                  </a:cubicBezTo>
+                  <a:lnTo>
+                    <a:pt x="1868867" y="342791"/>
+                  </a:lnTo>
+                  <a:cubicBezTo>
+                    <a:pt x="1868867" y="357709"/>
+                    <a:pt x="1862941" y="372016"/>
+                    <a:pt x="1852392" y="382565"/>
+                  </a:cubicBezTo>
+                  <a:cubicBezTo>
+                    <a:pt x="1841843" y="393114"/>
+                    <a:pt x="1827536" y="399040"/>
+                    <a:pt x="1812617" y="399040"/>
+                  </a:cubicBezTo>
+                  <a:lnTo>
+                    <a:pt x="56250" y="399040"/>
+                  </a:lnTo>
+                  <a:cubicBezTo>
+                    <a:pt x="41331" y="399040"/>
+                    <a:pt x="27024" y="393114"/>
+                    <a:pt x="16475" y="382565"/>
+                  </a:cubicBezTo>
+                  <a:cubicBezTo>
+                    <a:pt x="5926" y="372016"/>
+                    <a:pt x="0" y="357709"/>
+                    <a:pt x="0" y="342791"/>
+                  </a:cubicBezTo>
+                  <a:lnTo>
+                    <a:pt x="0" y="56250"/>
+                  </a:lnTo>
+                  <a:cubicBezTo>
+                    <a:pt x="0" y="41331"/>
+                    <a:pt x="5926" y="27024"/>
+                    <a:pt x="16475" y="16475"/>
+                  </a:cubicBezTo>
+                  <a:cubicBezTo>
+                    <a:pt x="27024" y="5926"/>
+                    <a:pt x="41331" y="0"/>
+                    <a:pt x="56250" y="0"/>
                   </a:cubicBezTo>
                   <a:close/>
                 </a:path>
@@ -15758,27 +15467,30 @@
         </p:sp>
         <p:sp>
           <p:nvSpPr>
-            <p:cNvPr id="33" name="TextBox 33"/>
+            <p:cNvPr id="34" name="TextBox 34"/>
             <p:cNvSpPr txBox="1"/>
             <p:nvPr/>
           </p:nvSpPr>
           <p:spPr>
             <a:xfrm>
               <a:off x="0" y="-19050"/>
-              <a:ext cx="1027981" cy="1278467"/>
+              <a:ext cx="1868867" cy="418090"/>
             </a:xfrm>
             <a:prstGeom prst="rect">
               <a:avLst/>
             </a:prstGeom>
           </p:spPr>
           <p:txBody>
-            <a:bodyPr lIns="50800" tIns="50800" rIns="50800" bIns="50800" rtlCol="0" anchor="ctr"/>
-            <a:lstStyle/>
-            <a:p>
-              <a:pPr algn="ctr">
+            <a:bodyPr lIns="28575" tIns="28575" rIns="28575" bIns="28575" rtlCol="0" anchor="ctr"/>
+            <a:lstStyle/>
+            <a:p>
+              <a:pPr marL="0" lvl="0" indent="0" algn="ctr">
                 <a:lnSpc>
-                  <a:spcPts val="2859"/>
+                  <a:spcPts val="1496"/>
                 </a:lnSpc>
+                <a:spcBef>
+                  <a:spcPct val="0"/>
+                </a:spcBef>
               </a:pPr>
               <a:endParaRPr/>
             </a:p>
@@ -15787,28 +15499,28 @@
       </p:grpSp>
       <p:grpSp>
         <p:nvGrpSpPr>
-          <p:cNvPr id="34" name="Group 34"/>
+          <p:cNvPr id="35" name="Group 35"/>
           <p:cNvGrpSpPr/>
           <p:nvPr/>
         </p:nvGrpSpPr>
         <p:grpSpPr>
           <a:xfrm>
-            <a:off x="5610524" y="3936826"/>
-            <a:ext cx="3423139" cy="4193812"/>
+            <a:off x="6252359" y="4406132"/>
+            <a:ext cx="102532" cy="102532"/>
             <a:chOff x="0" y="0"/>
-            <a:chExt cx="1027981" cy="1259417"/>
+            <a:chExt cx="812800" cy="812800"/>
           </a:xfrm>
         </p:grpSpPr>
         <p:sp>
           <p:nvSpPr>
-            <p:cNvPr id="35" name="Freeform 35"/>
+            <p:cNvPr id="36" name="Freeform 36"/>
             <p:cNvSpPr/>
             <p:nvPr/>
           </p:nvSpPr>
           <p:spPr>
             <a:xfrm>
               <a:off x="0" y="0"/>
-              <a:ext cx="1027981" cy="1259417"/>
+              <a:ext cx="812800" cy="812800"/>
             </a:xfrm>
             <a:custGeom>
               <a:avLst/>
@@ -15817,46 +15529,310 @@
               <a:cxnLst/>
               <a:rect l="l" t="t" r="r" b="b"/>
               <a:pathLst>
-                <a:path w="1027981" h="1259417">
+                <a:path w="812800" h="812800">
                   <a:moveTo>
-                    <a:pt x="70111" y="0"/>
+                    <a:pt x="406400" y="0"/>
                   </a:moveTo>
-                  <a:lnTo>
-                    <a:pt x="957870" y="0"/>
-                  </a:lnTo>
-                  <a:cubicBezTo>
-                    <a:pt x="996591" y="0"/>
-                    <a:pt x="1027981" y="31390"/>
-                    <a:pt x="1027981" y="70111"/>
-                  </a:cubicBezTo>
-                  <a:lnTo>
-                    <a:pt x="1027981" y="1189306"/>
-                  </a:lnTo>
-                  <a:cubicBezTo>
-                    <a:pt x="1027981" y="1228027"/>
-                    <a:pt x="996591" y="1259417"/>
-                    <a:pt x="957870" y="1259417"/>
-                  </a:cubicBezTo>
-                  <a:lnTo>
-                    <a:pt x="70111" y="1259417"/>
-                  </a:lnTo>
-                  <a:cubicBezTo>
-                    <a:pt x="51516" y="1259417"/>
-                    <a:pt x="33683" y="1252030"/>
-                    <a:pt x="20535" y="1238882"/>
-                  </a:cubicBezTo>
-                  <a:cubicBezTo>
-                    <a:pt x="7387" y="1225733"/>
-                    <a:pt x="0" y="1207900"/>
-                    <a:pt x="0" y="1189306"/>
-                  </a:cubicBezTo>
-                  <a:lnTo>
-                    <a:pt x="0" y="70111"/>
-                  </a:lnTo>
-                  <a:cubicBezTo>
-                    <a:pt x="0" y="31390"/>
-                    <a:pt x="31390" y="0"/>
-                    <a:pt x="70111" y="0"/>
+                  <a:cubicBezTo>
+                    <a:pt x="181951" y="0"/>
+                    <a:pt x="0" y="181951"/>
+                    <a:pt x="0" y="406400"/>
+                  </a:cubicBezTo>
+                  <a:cubicBezTo>
+                    <a:pt x="0" y="630849"/>
+                    <a:pt x="181951" y="812800"/>
+                    <a:pt x="406400" y="812800"/>
+                  </a:cubicBezTo>
+                  <a:cubicBezTo>
+                    <a:pt x="630849" y="812800"/>
+                    <a:pt x="812800" y="630849"/>
+                    <a:pt x="812800" y="406400"/>
+                  </a:cubicBezTo>
+                  <a:cubicBezTo>
+                    <a:pt x="812800" y="181951"/>
+                    <a:pt x="630849" y="0"/>
+                    <a:pt x="406400" y="0"/>
+                  </a:cubicBezTo>
+                  <a:close/>
+                </a:path>
+              </a:pathLst>
+            </a:custGeom>
+            <a:solidFill>
+              <a:srgbClr val="40352D"/>
+            </a:solidFill>
+          </p:spPr>
+          <p:txBody>
+            <a:bodyPr/>
+            <a:lstStyle/>
+            <a:p>
+              <a:endParaRPr lang="ko-KR" altLang="en-US"/>
+            </a:p>
+          </p:txBody>
+        </p:sp>
+        <p:sp>
+          <p:nvSpPr>
+            <p:cNvPr id="37" name="TextBox 37"/>
+            <p:cNvSpPr txBox="1"/>
+            <p:nvPr/>
+          </p:nvSpPr>
+          <p:spPr>
+            <a:xfrm>
+              <a:off x="76200" y="47625"/>
+              <a:ext cx="660400" cy="688975"/>
+            </a:xfrm>
+            <a:prstGeom prst="rect">
+              <a:avLst/>
+            </a:prstGeom>
+          </p:spPr>
+          <p:txBody>
+            <a:bodyPr lIns="50800" tIns="50800" rIns="50800" bIns="50800" rtlCol="0" anchor="ctr"/>
+            <a:lstStyle/>
+            <a:p>
+              <a:pPr algn="ctr">
+                <a:lnSpc>
+                  <a:spcPts val="2524"/>
+                </a:lnSpc>
+              </a:pPr>
+              <a:endParaRPr/>
+            </a:p>
+          </p:txBody>
+        </p:sp>
+      </p:grpSp>
+      <p:grpSp>
+        <p:nvGrpSpPr>
+          <p:cNvPr id="38" name="Group 38"/>
+          <p:cNvGrpSpPr/>
+          <p:nvPr/>
+        </p:nvGrpSpPr>
+        <p:grpSpPr>
+          <a:xfrm>
+            <a:off x="3042667" y="4406132"/>
+            <a:ext cx="102532" cy="102532"/>
+            <a:chOff x="0" y="0"/>
+            <a:chExt cx="812800" cy="812800"/>
+          </a:xfrm>
+        </p:grpSpPr>
+        <p:sp>
+          <p:nvSpPr>
+            <p:cNvPr id="39" name="Freeform 39"/>
+            <p:cNvSpPr/>
+            <p:nvPr/>
+          </p:nvSpPr>
+          <p:spPr>
+            <a:xfrm>
+              <a:off x="0" y="0"/>
+              <a:ext cx="812800" cy="812800"/>
+            </a:xfrm>
+            <a:custGeom>
+              <a:avLst/>
+              <a:gdLst/>
+              <a:ahLst/>
+              <a:cxnLst/>
+              <a:rect l="l" t="t" r="r" b="b"/>
+              <a:pathLst>
+                <a:path w="812800" h="812800">
+                  <a:moveTo>
+                    <a:pt x="406400" y="0"/>
+                  </a:moveTo>
+                  <a:cubicBezTo>
+                    <a:pt x="181951" y="0"/>
+                    <a:pt x="0" y="181951"/>
+                    <a:pt x="0" y="406400"/>
+                  </a:cubicBezTo>
+                  <a:cubicBezTo>
+                    <a:pt x="0" y="630849"/>
+                    <a:pt x="181951" y="812800"/>
+                    <a:pt x="406400" y="812800"/>
+                  </a:cubicBezTo>
+                  <a:cubicBezTo>
+                    <a:pt x="630849" y="812800"/>
+                    <a:pt x="812800" y="630849"/>
+                    <a:pt x="812800" y="406400"/>
+                  </a:cubicBezTo>
+                  <a:cubicBezTo>
+                    <a:pt x="812800" y="181951"/>
+                    <a:pt x="630849" y="0"/>
+                    <a:pt x="406400" y="0"/>
+                  </a:cubicBezTo>
+                  <a:close/>
+                </a:path>
+              </a:pathLst>
+            </a:custGeom>
+            <a:solidFill>
+              <a:srgbClr val="40352D"/>
+            </a:solidFill>
+          </p:spPr>
+          <p:txBody>
+            <a:bodyPr/>
+            <a:lstStyle/>
+            <a:p>
+              <a:endParaRPr lang="ko-KR" altLang="en-US"/>
+            </a:p>
+          </p:txBody>
+        </p:sp>
+        <p:sp>
+          <p:nvSpPr>
+            <p:cNvPr id="40" name="TextBox 40"/>
+            <p:cNvSpPr txBox="1"/>
+            <p:nvPr/>
+          </p:nvSpPr>
+          <p:spPr>
+            <a:xfrm>
+              <a:off x="76200" y="47625"/>
+              <a:ext cx="660400" cy="688975"/>
+            </a:xfrm>
+            <a:prstGeom prst="rect">
+              <a:avLst/>
+            </a:prstGeom>
+          </p:spPr>
+          <p:txBody>
+            <a:bodyPr lIns="50800" tIns="50800" rIns="50800" bIns="50800" rtlCol="0" anchor="ctr"/>
+            <a:lstStyle/>
+            <a:p>
+              <a:pPr algn="ctr">
+                <a:lnSpc>
+                  <a:spcPts val="2524"/>
+                </a:lnSpc>
+              </a:pPr>
+              <a:endParaRPr/>
+            </a:p>
+          </p:txBody>
+        </p:sp>
+      </p:grpSp>
+      <p:sp>
+        <p:nvSpPr>
+          <p:cNvPr id="41" name="TextBox 41"/>
+          <p:cNvSpPr txBox="1"/>
+          <p:nvPr/>
+        </p:nvSpPr>
+        <p:spPr>
+          <a:xfrm>
+            <a:off x="2703070" y="4121736"/>
+            <a:ext cx="3988020" cy="511301"/>
+          </a:xfrm>
+          <a:prstGeom prst="rect">
+            <a:avLst/>
+          </a:prstGeom>
+        </p:spPr>
+        <p:txBody>
+          <a:bodyPr lIns="0" tIns="0" rIns="0" bIns="0" rtlCol="0" anchor="t">
+            <a:spAutoFit/>
+          </a:bodyPr>
+          <a:lstStyle/>
+          <a:p>
+            <a:pPr algn="ctr">
+              <a:lnSpc>
+                <a:spcPts val="4284"/>
+              </a:lnSpc>
+              <a:spcBef>
+                <a:spcPct val="0"/>
+              </a:spcBef>
+            </a:pPr>
+            <a:r>
+              <a:rPr lang="ko-KR" altLang="en-US" sz="2800" dirty="0">
+                <a:solidFill>
+                  <a:srgbClr val="40352D"/>
+                </a:solidFill>
+                <a:ea typeface="Tlab 라곰 Bold"/>
+              </a:rPr>
+              <a:t>그래프</a:t>
+            </a:r>
+            <a:endParaRPr lang="en-US" sz="2800" dirty="0">
+              <a:solidFill>
+                <a:srgbClr val="40352D"/>
+              </a:solidFill>
+              <a:ea typeface="Tlab 라곰 Bold"/>
+            </a:endParaRPr>
+          </a:p>
+        </p:txBody>
+      </p:sp>
+      <p:grpSp>
+        <p:nvGrpSpPr>
+          <p:cNvPr id="42" name="Group 42"/>
+          <p:cNvGrpSpPr/>
+          <p:nvPr/>
+        </p:nvGrpSpPr>
+        <p:grpSpPr>
+          <a:xfrm>
+            <a:off x="7167340" y="4031274"/>
+            <a:ext cx="3991418" cy="852248"/>
+            <a:chOff x="0" y="0"/>
+            <a:chExt cx="1868867" cy="399040"/>
+          </a:xfrm>
+        </p:grpSpPr>
+        <p:sp>
+          <p:nvSpPr>
+            <p:cNvPr id="43" name="Freeform 43"/>
+            <p:cNvSpPr/>
+            <p:nvPr/>
+          </p:nvSpPr>
+          <p:spPr>
+            <a:xfrm>
+              <a:off x="0" y="0"/>
+              <a:ext cx="1868867" cy="399040"/>
+            </a:xfrm>
+            <a:custGeom>
+              <a:avLst/>
+              <a:gdLst/>
+              <a:ahLst/>
+              <a:cxnLst/>
+              <a:rect l="l" t="t" r="r" b="b"/>
+              <a:pathLst>
+                <a:path w="1868867" h="399040">
+                  <a:moveTo>
+                    <a:pt x="56250" y="0"/>
+                  </a:moveTo>
+                  <a:lnTo>
+                    <a:pt x="1812617" y="0"/>
+                  </a:lnTo>
+                  <a:cubicBezTo>
+                    <a:pt x="1827536" y="0"/>
+                    <a:pt x="1841843" y="5926"/>
+                    <a:pt x="1852392" y="16475"/>
+                  </a:cubicBezTo>
+                  <a:cubicBezTo>
+                    <a:pt x="1862941" y="27024"/>
+                    <a:pt x="1868867" y="41331"/>
+                    <a:pt x="1868867" y="56250"/>
+                  </a:cubicBezTo>
+                  <a:lnTo>
+                    <a:pt x="1868867" y="342791"/>
+                  </a:lnTo>
+                  <a:cubicBezTo>
+                    <a:pt x="1868867" y="357709"/>
+                    <a:pt x="1862941" y="372016"/>
+                    <a:pt x="1852392" y="382565"/>
+                  </a:cubicBezTo>
+                  <a:cubicBezTo>
+                    <a:pt x="1841843" y="393114"/>
+                    <a:pt x="1827536" y="399040"/>
+                    <a:pt x="1812617" y="399040"/>
+                  </a:cubicBezTo>
+                  <a:lnTo>
+                    <a:pt x="56250" y="399040"/>
+                  </a:lnTo>
+                  <a:cubicBezTo>
+                    <a:pt x="41331" y="399040"/>
+                    <a:pt x="27024" y="393114"/>
+                    <a:pt x="16475" y="382565"/>
+                  </a:cubicBezTo>
+                  <a:cubicBezTo>
+                    <a:pt x="5926" y="372016"/>
+                    <a:pt x="0" y="357709"/>
+                    <a:pt x="0" y="342791"/>
+                  </a:cubicBezTo>
+                  <a:lnTo>
+                    <a:pt x="0" y="56250"/>
+                  </a:lnTo>
+                  <a:cubicBezTo>
+                    <a:pt x="0" y="41331"/>
+                    <a:pt x="5926" y="27024"/>
+                    <a:pt x="16475" y="16475"/>
+                  </a:cubicBezTo>
+                  <a:cubicBezTo>
+                    <a:pt x="27024" y="5926"/>
+                    <a:pt x="41331" y="0"/>
+                    <a:pt x="56250" y="0"/>
                   </a:cubicBezTo>
                   <a:close/>
                 </a:path>
@@ -15883,27 +15859,30 @@
         </p:sp>
         <p:sp>
           <p:nvSpPr>
-            <p:cNvPr id="36" name="TextBox 36"/>
+            <p:cNvPr id="44" name="TextBox 44"/>
             <p:cNvSpPr txBox="1"/>
             <p:nvPr/>
           </p:nvSpPr>
           <p:spPr>
             <a:xfrm>
               <a:off x="0" y="-19050"/>
-              <a:ext cx="1027981" cy="1278467"/>
+              <a:ext cx="1868867" cy="418090"/>
             </a:xfrm>
             <a:prstGeom prst="rect">
               <a:avLst/>
             </a:prstGeom>
           </p:spPr>
           <p:txBody>
-            <a:bodyPr lIns="50800" tIns="50800" rIns="50800" bIns="50800" rtlCol="0" anchor="ctr"/>
-            <a:lstStyle/>
-            <a:p>
-              <a:pPr algn="ctr">
+            <a:bodyPr lIns="28575" tIns="28575" rIns="28575" bIns="28575" rtlCol="0" anchor="ctr"/>
+            <a:lstStyle/>
+            <a:p>
+              <a:pPr marL="0" lvl="0" indent="0" algn="ctr">
                 <a:lnSpc>
-                  <a:spcPts val="2859"/>
+                  <a:spcPts val="1496"/>
                 </a:lnSpc>
+                <a:spcBef>
+                  <a:spcPct val="0"/>
+                </a:spcBef>
               </a:pPr>
               <a:endParaRPr/>
             </a:p>
@@ -15912,28 +15891,28 @@
       </p:grpSp>
       <p:grpSp>
         <p:nvGrpSpPr>
-          <p:cNvPr id="37" name="Group 37"/>
+          <p:cNvPr id="45" name="Group 45"/>
           <p:cNvGrpSpPr/>
           <p:nvPr/>
         </p:nvGrpSpPr>
         <p:grpSpPr>
           <a:xfrm>
-            <a:off x="9254337" y="3936826"/>
-            <a:ext cx="3423139" cy="4193812"/>
+            <a:off x="10716629" y="4406132"/>
+            <a:ext cx="102532" cy="102532"/>
             <a:chOff x="0" y="0"/>
-            <a:chExt cx="1027981" cy="1259417"/>
+            <a:chExt cx="812800" cy="812800"/>
           </a:xfrm>
         </p:grpSpPr>
         <p:sp>
           <p:nvSpPr>
-            <p:cNvPr id="38" name="Freeform 38"/>
+            <p:cNvPr id="46" name="Freeform 46"/>
             <p:cNvSpPr/>
             <p:nvPr/>
           </p:nvSpPr>
           <p:spPr>
             <a:xfrm>
               <a:off x="0" y="0"/>
-              <a:ext cx="1027981" cy="1259417"/>
+              <a:ext cx="812800" cy="812800"/>
             </a:xfrm>
             <a:custGeom>
               <a:avLst/>
@@ -15942,46 +15921,310 @@
               <a:cxnLst/>
               <a:rect l="l" t="t" r="r" b="b"/>
               <a:pathLst>
-                <a:path w="1027981" h="1259417">
+                <a:path w="812800" h="812800">
                   <a:moveTo>
-                    <a:pt x="70111" y="0"/>
+                    <a:pt x="406400" y="0"/>
                   </a:moveTo>
-                  <a:lnTo>
-                    <a:pt x="957870" y="0"/>
-                  </a:lnTo>
-                  <a:cubicBezTo>
-                    <a:pt x="996591" y="0"/>
-                    <a:pt x="1027981" y="31390"/>
-                    <a:pt x="1027981" y="70111"/>
-                  </a:cubicBezTo>
-                  <a:lnTo>
-                    <a:pt x="1027981" y="1189306"/>
-                  </a:lnTo>
-                  <a:cubicBezTo>
-                    <a:pt x="1027981" y="1228027"/>
-                    <a:pt x="996591" y="1259417"/>
-                    <a:pt x="957870" y="1259417"/>
-                  </a:cubicBezTo>
-                  <a:lnTo>
-                    <a:pt x="70111" y="1259417"/>
-                  </a:lnTo>
-                  <a:cubicBezTo>
-                    <a:pt x="51516" y="1259417"/>
-                    <a:pt x="33683" y="1252030"/>
-                    <a:pt x="20535" y="1238882"/>
-                  </a:cubicBezTo>
-                  <a:cubicBezTo>
-                    <a:pt x="7387" y="1225733"/>
-                    <a:pt x="0" y="1207900"/>
-                    <a:pt x="0" y="1189306"/>
-                  </a:cubicBezTo>
-                  <a:lnTo>
-                    <a:pt x="0" y="70111"/>
-                  </a:lnTo>
-                  <a:cubicBezTo>
-                    <a:pt x="0" y="31390"/>
-                    <a:pt x="31390" y="0"/>
-                    <a:pt x="70111" y="0"/>
+                  <a:cubicBezTo>
+                    <a:pt x="181951" y="0"/>
+                    <a:pt x="0" y="181951"/>
+                    <a:pt x="0" y="406400"/>
+                  </a:cubicBezTo>
+                  <a:cubicBezTo>
+                    <a:pt x="0" y="630849"/>
+                    <a:pt x="181951" y="812800"/>
+                    <a:pt x="406400" y="812800"/>
+                  </a:cubicBezTo>
+                  <a:cubicBezTo>
+                    <a:pt x="630849" y="812800"/>
+                    <a:pt x="812800" y="630849"/>
+                    <a:pt x="812800" y="406400"/>
+                  </a:cubicBezTo>
+                  <a:cubicBezTo>
+                    <a:pt x="812800" y="181951"/>
+                    <a:pt x="630849" y="0"/>
+                    <a:pt x="406400" y="0"/>
+                  </a:cubicBezTo>
+                  <a:close/>
+                </a:path>
+              </a:pathLst>
+            </a:custGeom>
+            <a:solidFill>
+              <a:srgbClr val="40352D"/>
+            </a:solidFill>
+          </p:spPr>
+          <p:txBody>
+            <a:bodyPr/>
+            <a:lstStyle/>
+            <a:p>
+              <a:endParaRPr lang="ko-KR" altLang="en-US"/>
+            </a:p>
+          </p:txBody>
+        </p:sp>
+        <p:sp>
+          <p:nvSpPr>
+            <p:cNvPr id="47" name="TextBox 47"/>
+            <p:cNvSpPr txBox="1"/>
+            <p:nvPr/>
+          </p:nvSpPr>
+          <p:spPr>
+            <a:xfrm>
+              <a:off x="76200" y="47625"/>
+              <a:ext cx="660400" cy="688975"/>
+            </a:xfrm>
+            <a:prstGeom prst="rect">
+              <a:avLst/>
+            </a:prstGeom>
+          </p:spPr>
+          <p:txBody>
+            <a:bodyPr lIns="50800" tIns="50800" rIns="50800" bIns="50800" rtlCol="0" anchor="ctr"/>
+            <a:lstStyle/>
+            <a:p>
+              <a:pPr algn="ctr">
+                <a:lnSpc>
+                  <a:spcPts val="2524"/>
+                </a:lnSpc>
+              </a:pPr>
+              <a:endParaRPr/>
+            </a:p>
+          </p:txBody>
+        </p:sp>
+      </p:grpSp>
+      <p:grpSp>
+        <p:nvGrpSpPr>
+          <p:cNvPr id="48" name="Group 48"/>
+          <p:cNvGrpSpPr/>
+          <p:nvPr/>
+        </p:nvGrpSpPr>
+        <p:grpSpPr>
+          <a:xfrm>
+            <a:off x="7506937" y="4406132"/>
+            <a:ext cx="102532" cy="102532"/>
+            <a:chOff x="0" y="0"/>
+            <a:chExt cx="812800" cy="812800"/>
+          </a:xfrm>
+        </p:grpSpPr>
+        <p:sp>
+          <p:nvSpPr>
+            <p:cNvPr id="49" name="Freeform 49"/>
+            <p:cNvSpPr/>
+            <p:nvPr/>
+          </p:nvSpPr>
+          <p:spPr>
+            <a:xfrm>
+              <a:off x="0" y="0"/>
+              <a:ext cx="812800" cy="812800"/>
+            </a:xfrm>
+            <a:custGeom>
+              <a:avLst/>
+              <a:gdLst/>
+              <a:ahLst/>
+              <a:cxnLst/>
+              <a:rect l="l" t="t" r="r" b="b"/>
+              <a:pathLst>
+                <a:path w="812800" h="812800">
+                  <a:moveTo>
+                    <a:pt x="406400" y="0"/>
+                  </a:moveTo>
+                  <a:cubicBezTo>
+                    <a:pt x="181951" y="0"/>
+                    <a:pt x="0" y="181951"/>
+                    <a:pt x="0" y="406400"/>
+                  </a:cubicBezTo>
+                  <a:cubicBezTo>
+                    <a:pt x="0" y="630849"/>
+                    <a:pt x="181951" y="812800"/>
+                    <a:pt x="406400" y="812800"/>
+                  </a:cubicBezTo>
+                  <a:cubicBezTo>
+                    <a:pt x="630849" y="812800"/>
+                    <a:pt x="812800" y="630849"/>
+                    <a:pt x="812800" y="406400"/>
+                  </a:cubicBezTo>
+                  <a:cubicBezTo>
+                    <a:pt x="812800" y="181951"/>
+                    <a:pt x="630849" y="0"/>
+                    <a:pt x="406400" y="0"/>
+                  </a:cubicBezTo>
+                  <a:close/>
+                </a:path>
+              </a:pathLst>
+            </a:custGeom>
+            <a:solidFill>
+              <a:srgbClr val="40352D"/>
+            </a:solidFill>
+          </p:spPr>
+          <p:txBody>
+            <a:bodyPr/>
+            <a:lstStyle/>
+            <a:p>
+              <a:endParaRPr lang="ko-KR" altLang="en-US"/>
+            </a:p>
+          </p:txBody>
+        </p:sp>
+        <p:sp>
+          <p:nvSpPr>
+            <p:cNvPr id="50" name="TextBox 50"/>
+            <p:cNvSpPr txBox="1"/>
+            <p:nvPr/>
+          </p:nvSpPr>
+          <p:spPr>
+            <a:xfrm>
+              <a:off x="76200" y="47625"/>
+              <a:ext cx="660400" cy="688975"/>
+            </a:xfrm>
+            <a:prstGeom prst="rect">
+              <a:avLst/>
+            </a:prstGeom>
+          </p:spPr>
+          <p:txBody>
+            <a:bodyPr lIns="50800" tIns="50800" rIns="50800" bIns="50800" rtlCol="0" anchor="ctr"/>
+            <a:lstStyle/>
+            <a:p>
+              <a:pPr algn="ctr">
+                <a:lnSpc>
+                  <a:spcPts val="2524"/>
+                </a:lnSpc>
+              </a:pPr>
+              <a:endParaRPr/>
+            </a:p>
+          </p:txBody>
+        </p:sp>
+      </p:grpSp>
+      <p:sp>
+        <p:nvSpPr>
+          <p:cNvPr id="51" name="TextBox 51"/>
+          <p:cNvSpPr txBox="1"/>
+          <p:nvPr/>
+        </p:nvSpPr>
+        <p:spPr>
+          <a:xfrm>
+            <a:off x="7167340" y="4121736"/>
+            <a:ext cx="3991418" cy="511301"/>
+          </a:xfrm>
+          <a:prstGeom prst="rect">
+            <a:avLst/>
+          </a:prstGeom>
+        </p:spPr>
+        <p:txBody>
+          <a:bodyPr lIns="0" tIns="0" rIns="0" bIns="0" rtlCol="0" anchor="t">
+            <a:spAutoFit/>
+          </a:bodyPr>
+          <a:lstStyle/>
+          <a:p>
+            <a:pPr marL="0" lvl="0" indent="0" algn="ctr">
+              <a:lnSpc>
+                <a:spcPts val="4284"/>
+              </a:lnSpc>
+              <a:spcBef>
+                <a:spcPct val="0"/>
+              </a:spcBef>
+            </a:pPr>
+            <a:r>
+              <a:rPr lang="ko-KR" altLang="en-US" sz="2800" dirty="0">
+                <a:solidFill>
+                  <a:srgbClr val="40352D"/>
+                </a:solidFill>
+                <a:ea typeface="Tlab 라곰 Bold"/>
+              </a:rPr>
+              <a:t>지도</a:t>
+            </a:r>
+            <a:endParaRPr lang="en-US" sz="2800" dirty="0">
+              <a:solidFill>
+                <a:srgbClr val="40352D"/>
+              </a:solidFill>
+              <a:ea typeface="Tlab 라곰 Bold"/>
+            </a:endParaRPr>
+          </a:p>
+        </p:txBody>
+      </p:sp>
+      <p:grpSp>
+        <p:nvGrpSpPr>
+          <p:cNvPr id="52" name="Group 52"/>
+          <p:cNvGrpSpPr/>
+          <p:nvPr/>
+        </p:nvGrpSpPr>
+        <p:grpSpPr>
+          <a:xfrm>
+            <a:off x="11635008" y="4031274"/>
+            <a:ext cx="3991418" cy="852248"/>
+            <a:chOff x="0" y="0"/>
+            <a:chExt cx="1868867" cy="399040"/>
+          </a:xfrm>
+        </p:grpSpPr>
+        <p:sp>
+          <p:nvSpPr>
+            <p:cNvPr id="53" name="Freeform 53"/>
+            <p:cNvSpPr/>
+            <p:nvPr/>
+          </p:nvSpPr>
+          <p:spPr>
+            <a:xfrm>
+              <a:off x="0" y="0"/>
+              <a:ext cx="1868867" cy="399040"/>
+            </a:xfrm>
+            <a:custGeom>
+              <a:avLst/>
+              <a:gdLst/>
+              <a:ahLst/>
+              <a:cxnLst/>
+              <a:rect l="l" t="t" r="r" b="b"/>
+              <a:pathLst>
+                <a:path w="1868867" h="399040">
+                  <a:moveTo>
+                    <a:pt x="56250" y="0"/>
+                  </a:moveTo>
+                  <a:lnTo>
+                    <a:pt x="1812617" y="0"/>
+                  </a:lnTo>
+                  <a:cubicBezTo>
+                    <a:pt x="1827536" y="0"/>
+                    <a:pt x="1841843" y="5926"/>
+                    <a:pt x="1852392" y="16475"/>
+                  </a:cubicBezTo>
+                  <a:cubicBezTo>
+                    <a:pt x="1862941" y="27024"/>
+                    <a:pt x="1868867" y="41331"/>
+                    <a:pt x="1868867" y="56250"/>
+                  </a:cubicBezTo>
+                  <a:lnTo>
+                    <a:pt x="1868867" y="342791"/>
+                  </a:lnTo>
+                  <a:cubicBezTo>
+                    <a:pt x="1868867" y="357709"/>
+                    <a:pt x="1862941" y="372016"/>
+                    <a:pt x="1852392" y="382565"/>
+                  </a:cubicBezTo>
+                  <a:cubicBezTo>
+                    <a:pt x="1841843" y="393114"/>
+                    <a:pt x="1827536" y="399040"/>
+                    <a:pt x="1812617" y="399040"/>
+                  </a:cubicBezTo>
+                  <a:lnTo>
+                    <a:pt x="56250" y="399040"/>
+                  </a:lnTo>
+                  <a:cubicBezTo>
+                    <a:pt x="41331" y="399040"/>
+                    <a:pt x="27024" y="393114"/>
+                    <a:pt x="16475" y="382565"/>
+                  </a:cubicBezTo>
+                  <a:cubicBezTo>
+                    <a:pt x="5926" y="372016"/>
+                    <a:pt x="0" y="357709"/>
+                    <a:pt x="0" y="342791"/>
+                  </a:cubicBezTo>
+                  <a:lnTo>
+                    <a:pt x="0" y="56250"/>
+                  </a:lnTo>
+                  <a:cubicBezTo>
+                    <a:pt x="0" y="41331"/>
+                    <a:pt x="5926" y="27024"/>
+                    <a:pt x="16475" y="16475"/>
+                  </a:cubicBezTo>
+                  <a:cubicBezTo>
+                    <a:pt x="27024" y="5926"/>
+                    <a:pt x="41331" y="0"/>
+                    <a:pt x="56250" y="0"/>
                   </a:cubicBezTo>
                   <a:close/>
                 </a:path>
@@ -16008,27 +16251,30 @@
         </p:sp>
         <p:sp>
           <p:nvSpPr>
-            <p:cNvPr id="39" name="TextBox 39"/>
+            <p:cNvPr id="54" name="TextBox 54"/>
             <p:cNvSpPr txBox="1"/>
             <p:nvPr/>
           </p:nvSpPr>
           <p:spPr>
             <a:xfrm>
               <a:off x="0" y="-19050"/>
-              <a:ext cx="1027981" cy="1278467"/>
+              <a:ext cx="1868867" cy="418090"/>
             </a:xfrm>
             <a:prstGeom prst="rect">
               <a:avLst/>
             </a:prstGeom>
           </p:spPr>
           <p:txBody>
-            <a:bodyPr lIns="50800" tIns="50800" rIns="50800" bIns="50800" rtlCol="0" anchor="ctr"/>
-            <a:lstStyle/>
-            <a:p>
-              <a:pPr algn="ctr">
+            <a:bodyPr lIns="28575" tIns="28575" rIns="28575" bIns="28575" rtlCol="0" anchor="ctr"/>
+            <a:lstStyle/>
+            <a:p>
+              <a:pPr marL="0" lvl="0" indent="0" algn="ctr">
                 <a:lnSpc>
-                  <a:spcPts val="2859"/>
+                  <a:spcPts val="1496"/>
                 </a:lnSpc>
+                <a:spcBef>
+                  <a:spcPct val="0"/>
+                </a:spcBef>
               </a:pPr>
               <a:endParaRPr/>
             </a:p>
@@ -16037,177 +16283,21 @@
       </p:grpSp>
       <p:grpSp>
         <p:nvGrpSpPr>
-          <p:cNvPr id="40" name="Group 40"/>
+          <p:cNvPr id="55" name="Group 55"/>
           <p:cNvGrpSpPr/>
           <p:nvPr/>
         </p:nvGrpSpPr>
         <p:grpSpPr>
           <a:xfrm>
-            <a:off x="12898151" y="3936826"/>
-            <a:ext cx="3423139" cy="4193812"/>
-            <a:chOff x="0" y="0"/>
-            <a:chExt cx="1027981" cy="1259417"/>
-          </a:xfrm>
-        </p:grpSpPr>
-        <p:sp>
-          <p:nvSpPr>
-            <p:cNvPr id="41" name="Freeform 41"/>
-            <p:cNvSpPr/>
-            <p:nvPr/>
-          </p:nvSpPr>
-          <p:spPr>
-            <a:xfrm>
-              <a:off x="0" y="0"/>
-              <a:ext cx="1027981" cy="1259417"/>
-            </a:xfrm>
-            <a:custGeom>
-              <a:avLst/>
-              <a:gdLst/>
-              <a:ahLst/>
-              <a:cxnLst/>
-              <a:rect l="l" t="t" r="r" b="b"/>
-              <a:pathLst>
-                <a:path w="1027981" h="1259417">
-                  <a:moveTo>
-                    <a:pt x="70111" y="0"/>
-                  </a:moveTo>
-                  <a:lnTo>
-                    <a:pt x="957870" y="0"/>
-                  </a:lnTo>
-                  <a:cubicBezTo>
-                    <a:pt x="996591" y="0"/>
-                    <a:pt x="1027981" y="31390"/>
-                    <a:pt x="1027981" y="70111"/>
-                  </a:cubicBezTo>
-                  <a:lnTo>
-                    <a:pt x="1027981" y="1189306"/>
-                  </a:lnTo>
-                  <a:cubicBezTo>
-                    <a:pt x="1027981" y="1228027"/>
-                    <a:pt x="996591" y="1259417"/>
-                    <a:pt x="957870" y="1259417"/>
-                  </a:cubicBezTo>
-                  <a:lnTo>
-                    <a:pt x="70111" y="1259417"/>
-                  </a:lnTo>
-                  <a:cubicBezTo>
-                    <a:pt x="51516" y="1259417"/>
-                    <a:pt x="33683" y="1252030"/>
-                    <a:pt x="20535" y="1238882"/>
-                  </a:cubicBezTo>
-                  <a:cubicBezTo>
-                    <a:pt x="7387" y="1225733"/>
-                    <a:pt x="0" y="1207900"/>
-                    <a:pt x="0" y="1189306"/>
-                  </a:cubicBezTo>
-                  <a:lnTo>
-                    <a:pt x="0" y="70111"/>
-                  </a:lnTo>
-                  <a:cubicBezTo>
-                    <a:pt x="0" y="31390"/>
-                    <a:pt x="31390" y="0"/>
-                    <a:pt x="70111" y="0"/>
-                  </a:cubicBezTo>
-                  <a:close/>
-                </a:path>
-              </a:pathLst>
-            </a:custGeom>
-            <a:solidFill>
-              <a:srgbClr val="C9DFDD"/>
-            </a:solidFill>
-            <a:ln w="19050" cap="rnd">
-              <a:solidFill>
-                <a:srgbClr val="40352D"/>
-              </a:solidFill>
-              <a:prstDash val="solid"/>
-              <a:round/>
-            </a:ln>
-          </p:spPr>
-          <p:txBody>
-            <a:bodyPr/>
-            <a:lstStyle/>
-            <a:p>
-              <a:endParaRPr lang="ko-KR" altLang="en-US"/>
-            </a:p>
-          </p:txBody>
-        </p:sp>
-        <p:sp>
-          <p:nvSpPr>
-            <p:cNvPr id="42" name="TextBox 42"/>
-            <p:cNvSpPr txBox="1"/>
-            <p:nvPr/>
-          </p:nvSpPr>
-          <p:spPr>
-            <a:xfrm>
-              <a:off x="0" y="-19050"/>
-              <a:ext cx="1027981" cy="1278467"/>
-            </a:xfrm>
-            <a:prstGeom prst="rect">
-              <a:avLst/>
-            </a:prstGeom>
-          </p:spPr>
-          <p:txBody>
-            <a:bodyPr lIns="50800" tIns="50800" rIns="50800" bIns="50800" rtlCol="0" anchor="ctr"/>
-            <a:lstStyle/>
-            <a:p>
-              <a:pPr algn="ctr">
-                <a:lnSpc>
-                  <a:spcPts val="2859"/>
-                </a:lnSpc>
-              </a:pPr>
-              <a:endParaRPr/>
-            </a:p>
-          </p:txBody>
-        </p:sp>
-      </p:grpSp>
-      <p:sp>
-        <p:nvSpPr>
-          <p:cNvPr id="43" name="AutoShape 43"/>
-          <p:cNvSpPr/>
-          <p:nvPr/>
-        </p:nvSpPr>
-        <p:spPr>
-          <a:xfrm>
-            <a:off x="1966710" y="5286375"/>
-            <a:ext cx="14354580" cy="0"/>
-          </a:xfrm>
-          <a:prstGeom prst="line">
-            <a:avLst/>
-          </a:prstGeom>
-          <a:ln w="19050" cap="flat">
-            <a:solidFill>
-              <a:srgbClr val="40352D"/>
-            </a:solidFill>
-            <a:prstDash val="solid"/>
-            <a:headEnd type="none" w="sm" len="sm"/>
-            <a:tailEnd type="none" w="sm" len="sm"/>
-          </a:ln>
-        </p:spPr>
-        <p:txBody>
-          <a:bodyPr/>
-          <a:lstStyle/>
-          <a:p>
-            <a:endParaRPr lang="ko-KR" altLang="en-US"/>
-          </a:p>
-        </p:txBody>
-      </p:sp>
-      <p:grpSp>
-        <p:nvGrpSpPr>
-          <p:cNvPr id="44" name="Group 44"/>
-          <p:cNvGrpSpPr/>
-          <p:nvPr/>
-        </p:nvGrpSpPr>
-        <p:grpSpPr>
-          <a:xfrm>
-            <a:off x="3594955" y="5203050"/>
-            <a:ext cx="166650" cy="166650"/>
+            <a:off x="15184297" y="4406132"/>
+            <a:ext cx="102532" cy="102532"/>
             <a:chOff x="0" y="0"/>
             <a:chExt cx="812800" cy="812800"/>
           </a:xfrm>
         </p:grpSpPr>
         <p:sp>
           <p:nvSpPr>
-            <p:cNvPr id="45" name="Freeform 45"/>
+            <p:cNvPr id="56" name="Freeform 56"/>
             <p:cNvSpPr/>
             <p:nvPr/>
           </p:nvSpPr>
@@ -16265,7 +16355,7 @@
         </p:sp>
         <p:sp>
           <p:nvSpPr>
-            <p:cNvPr id="46" name="TextBox 46"/>
+            <p:cNvPr id="57" name="TextBox 57"/>
             <p:cNvSpPr txBox="1"/>
             <p:nvPr/>
           </p:nvSpPr>
@@ -16294,21 +16384,21 @@
       </p:grpSp>
       <p:grpSp>
         <p:nvGrpSpPr>
-          <p:cNvPr id="47" name="Group 47"/>
+          <p:cNvPr id="58" name="Group 58"/>
           <p:cNvGrpSpPr/>
           <p:nvPr/>
         </p:nvGrpSpPr>
         <p:grpSpPr>
           <a:xfrm>
-            <a:off x="7238768" y="5203050"/>
-            <a:ext cx="166650" cy="166650"/>
+            <a:off x="11974606" y="4406132"/>
+            <a:ext cx="102532" cy="102532"/>
             <a:chOff x="0" y="0"/>
             <a:chExt cx="812800" cy="812800"/>
           </a:xfrm>
         </p:grpSpPr>
         <p:sp>
           <p:nvSpPr>
-            <p:cNvPr id="48" name="Freeform 48"/>
+            <p:cNvPr id="59" name="Freeform 59"/>
             <p:cNvSpPr/>
             <p:nvPr/>
           </p:nvSpPr>
@@ -16366,7 +16456,7 @@
         </p:sp>
         <p:sp>
           <p:nvSpPr>
-            <p:cNvPr id="49" name="TextBox 49"/>
+            <p:cNvPr id="60" name="TextBox 60"/>
             <p:cNvSpPr txBox="1"/>
             <p:nvPr/>
           </p:nvSpPr>
@@ -16393,218 +16483,16 @@
           </p:txBody>
         </p:sp>
       </p:grpSp>
-      <p:grpSp>
-        <p:nvGrpSpPr>
-          <p:cNvPr id="50" name="Group 50"/>
-          <p:cNvGrpSpPr/>
-          <p:nvPr/>
-        </p:nvGrpSpPr>
-        <p:grpSpPr>
-          <a:xfrm>
-            <a:off x="10882582" y="5203050"/>
-            <a:ext cx="166650" cy="166650"/>
-            <a:chOff x="0" y="0"/>
-            <a:chExt cx="812800" cy="812800"/>
-          </a:xfrm>
-        </p:grpSpPr>
-        <p:sp>
-          <p:nvSpPr>
-            <p:cNvPr id="51" name="Freeform 51"/>
-            <p:cNvSpPr/>
-            <p:nvPr/>
-          </p:nvSpPr>
-          <p:spPr>
-            <a:xfrm>
-              <a:off x="0" y="0"/>
-              <a:ext cx="812800" cy="812800"/>
-            </a:xfrm>
-            <a:custGeom>
-              <a:avLst/>
-              <a:gdLst/>
-              <a:ahLst/>
-              <a:cxnLst/>
-              <a:rect l="l" t="t" r="r" b="b"/>
-              <a:pathLst>
-                <a:path w="812800" h="812800">
-                  <a:moveTo>
-                    <a:pt x="406400" y="0"/>
-                  </a:moveTo>
-                  <a:cubicBezTo>
-                    <a:pt x="181951" y="0"/>
-                    <a:pt x="0" y="181951"/>
-                    <a:pt x="0" y="406400"/>
-                  </a:cubicBezTo>
-                  <a:cubicBezTo>
-                    <a:pt x="0" y="630849"/>
-                    <a:pt x="181951" y="812800"/>
-                    <a:pt x="406400" y="812800"/>
-                  </a:cubicBezTo>
-                  <a:cubicBezTo>
-                    <a:pt x="630849" y="812800"/>
-                    <a:pt x="812800" y="630849"/>
-                    <a:pt x="812800" y="406400"/>
-                  </a:cubicBezTo>
-                  <a:cubicBezTo>
-                    <a:pt x="812800" y="181951"/>
-                    <a:pt x="630849" y="0"/>
-                    <a:pt x="406400" y="0"/>
-                  </a:cubicBezTo>
-                  <a:close/>
-                </a:path>
-              </a:pathLst>
-            </a:custGeom>
-            <a:solidFill>
-              <a:srgbClr val="40352D"/>
-            </a:solidFill>
-          </p:spPr>
-          <p:txBody>
-            <a:bodyPr/>
-            <a:lstStyle/>
-            <a:p>
-              <a:endParaRPr lang="ko-KR" altLang="en-US"/>
-            </a:p>
-          </p:txBody>
-        </p:sp>
-        <p:sp>
-          <p:nvSpPr>
-            <p:cNvPr id="52" name="TextBox 52"/>
-            <p:cNvSpPr txBox="1"/>
-            <p:nvPr/>
-          </p:nvSpPr>
-          <p:spPr>
-            <a:xfrm>
-              <a:off x="76200" y="47625"/>
-              <a:ext cx="660400" cy="688975"/>
-            </a:xfrm>
-            <a:prstGeom prst="rect">
-              <a:avLst/>
-            </a:prstGeom>
-          </p:spPr>
-          <p:txBody>
-            <a:bodyPr lIns="50800" tIns="50800" rIns="50800" bIns="50800" rtlCol="0" anchor="ctr"/>
-            <a:lstStyle/>
-            <a:p>
-              <a:pPr algn="ctr">
-                <a:lnSpc>
-                  <a:spcPts val="2524"/>
-                </a:lnSpc>
-              </a:pPr>
-              <a:endParaRPr/>
-            </a:p>
-          </p:txBody>
-        </p:sp>
-      </p:grpSp>
-      <p:grpSp>
-        <p:nvGrpSpPr>
-          <p:cNvPr id="53" name="Group 53"/>
-          <p:cNvGrpSpPr/>
-          <p:nvPr/>
-        </p:nvGrpSpPr>
-        <p:grpSpPr>
-          <a:xfrm>
-            <a:off x="14526395" y="5203050"/>
-            <a:ext cx="166650" cy="166650"/>
-            <a:chOff x="0" y="0"/>
-            <a:chExt cx="812800" cy="812800"/>
-          </a:xfrm>
-        </p:grpSpPr>
-        <p:sp>
-          <p:nvSpPr>
-            <p:cNvPr id="54" name="Freeform 54"/>
-            <p:cNvSpPr/>
-            <p:nvPr/>
-          </p:nvSpPr>
-          <p:spPr>
-            <a:xfrm>
-              <a:off x="0" y="0"/>
-              <a:ext cx="812800" cy="812800"/>
-            </a:xfrm>
-            <a:custGeom>
-              <a:avLst/>
-              <a:gdLst/>
-              <a:ahLst/>
-              <a:cxnLst/>
-              <a:rect l="l" t="t" r="r" b="b"/>
-              <a:pathLst>
-                <a:path w="812800" h="812800">
-                  <a:moveTo>
-                    <a:pt x="406400" y="0"/>
-                  </a:moveTo>
-                  <a:cubicBezTo>
-                    <a:pt x="181951" y="0"/>
-                    <a:pt x="0" y="181951"/>
-                    <a:pt x="0" y="406400"/>
-                  </a:cubicBezTo>
-                  <a:cubicBezTo>
-                    <a:pt x="0" y="630849"/>
-                    <a:pt x="181951" y="812800"/>
-                    <a:pt x="406400" y="812800"/>
-                  </a:cubicBezTo>
-                  <a:cubicBezTo>
-                    <a:pt x="630849" y="812800"/>
-                    <a:pt x="812800" y="630849"/>
-                    <a:pt x="812800" y="406400"/>
-                  </a:cubicBezTo>
-                  <a:cubicBezTo>
-                    <a:pt x="812800" y="181951"/>
-                    <a:pt x="630849" y="0"/>
-                    <a:pt x="406400" y="0"/>
-                  </a:cubicBezTo>
-                  <a:close/>
-                </a:path>
-              </a:pathLst>
-            </a:custGeom>
-            <a:solidFill>
-              <a:srgbClr val="40352D"/>
-            </a:solidFill>
-          </p:spPr>
-          <p:txBody>
-            <a:bodyPr/>
-            <a:lstStyle/>
-            <a:p>
-              <a:endParaRPr lang="ko-KR" altLang="en-US"/>
-            </a:p>
-          </p:txBody>
-        </p:sp>
-        <p:sp>
-          <p:nvSpPr>
-            <p:cNvPr id="55" name="TextBox 55"/>
-            <p:cNvSpPr txBox="1"/>
-            <p:nvPr/>
-          </p:nvSpPr>
-          <p:spPr>
-            <a:xfrm>
-              <a:off x="76200" y="47625"/>
-              <a:ext cx="660400" cy="688975"/>
-            </a:xfrm>
-            <a:prstGeom prst="rect">
-              <a:avLst/>
-            </a:prstGeom>
-          </p:spPr>
-          <p:txBody>
-            <a:bodyPr lIns="50800" tIns="50800" rIns="50800" bIns="50800" rtlCol="0" anchor="ctr"/>
-            <a:lstStyle/>
-            <a:p>
-              <a:pPr algn="ctr">
-                <a:lnSpc>
-                  <a:spcPts val="2524"/>
-                </a:lnSpc>
-              </a:pPr>
-              <a:endParaRPr/>
-            </a:p>
-          </p:txBody>
-        </p:sp>
-      </p:grpSp>
       <p:sp>
         <p:nvSpPr>
-          <p:cNvPr id="56" name="TextBox 56"/>
+          <p:cNvPr id="61" name="TextBox 61"/>
           <p:cNvSpPr txBox="1"/>
           <p:nvPr/>
         </p:nvSpPr>
         <p:spPr>
           <a:xfrm>
-            <a:off x="2195845" y="4196020"/>
-            <a:ext cx="2964870" cy="604647"/>
+            <a:off x="11635008" y="4121736"/>
+            <a:ext cx="3991418" cy="511301"/>
           </a:xfrm>
           <a:prstGeom prst="rect">
             <a:avLst/>
@@ -16618,35 +16506,460 @@
           <a:p>
             <a:pPr algn="ctr">
               <a:lnSpc>
-                <a:spcPts val="5049"/>
+                <a:spcPts val="4284"/>
               </a:lnSpc>
               <a:spcBef>
                 <a:spcPct val="0"/>
               </a:spcBef>
             </a:pPr>
             <a:r>
-              <a:rPr lang="en-US" sz="3300">
+              <a:rPr lang="ko-KR" altLang="en-US" sz="2800" dirty="0">
                 <a:solidFill>
                   <a:srgbClr val="40352D"/>
                 </a:solidFill>
-                <a:latin typeface="Tlab 라곰 Bold"/>
                 <a:ea typeface="Tlab 라곰 Bold"/>
               </a:rPr>
-              <a:t>1분기</a:t>
+              <a:t>그 외</a:t>
             </a:r>
+            <a:endParaRPr lang="en-US" sz="2800" dirty="0">
+              <a:solidFill>
+                <a:srgbClr val="40352D"/>
+              </a:solidFill>
+              <a:ea typeface="Tlab 라곰 Bold"/>
+            </a:endParaRPr>
           </a:p>
         </p:txBody>
       </p:sp>
+      <p:grpSp>
+        <p:nvGrpSpPr>
+          <p:cNvPr id="62" name="Group 62"/>
+          <p:cNvGrpSpPr/>
+          <p:nvPr/>
+        </p:nvGrpSpPr>
+        <p:grpSpPr>
+          <a:xfrm>
+            <a:off x="2703070" y="4864471"/>
+            <a:ext cx="3991418" cy="2549408"/>
+            <a:chOff x="0" y="0"/>
+            <a:chExt cx="1868867" cy="1193687"/>
+          </a:xfrm>
+        </p:grpSpPr>
+        <p:sp>
+          <p:nvSpPr>
+            <p:cNvPr id="63" name="Freeform 63"/>
+            <p:cNvSpPr/>
+            <p:nvPr/>
+          </p:nvSpPr>
+          <p:spPr>
+            <a:xfrm>
+              <a:off x="0" y="0"/>
+              <a:ext cx="1868867" cy="1193687"/>
+            </a:xfrm>
+            <a:custGeom>
+              <a:avLst/>
+              <a:gdLst/>
+              <a:ahLst/>
+              <a:cxnLst/>
+              <a:rect l="l" t="t" r="r" b="b"/>
+              <a:pathLst>
+                <a:path w="1868867" h="1193687">
+                  <a:moveTo>
+                    <a:pt x="56250" y="0"/>
+                  </a:moveTo>
+                  <a:lnTo>
+                    <a:pt x="1812617" y="0"/>
+                  </a:lnTo>
+                  <a:cubicBezTo>
+                    <a:pt x="1827536" y="0"/>
+                    <a:pt x="1841843" y="5926"/>
+                    <a:pt x="1852392" y="16475"/>
+                  </a:cubicBezTo>
+                  <a:cubicBezTo>
+                    <a:pt x="1862941" y="27024"/>
+                    <a:pt x="1868867" y="41331"/>
+                    <a:pt x="1868867" y="56250"/>
+                  </a:cubicBezTo>
+                  <a:lnTo>
+                    <a:pt x="1868867" y="1137438"/>
+                  </a:lnTo>
+                  <a:cubicBezTo>
+                    <a:pt x="1868867" y="1168503"/>
+                    <a:pt x="1843683" y="1193687"/>
+                    <a:pt x="1812617" y="1193687"/>
+                  </a:cubicBezTo>
+                  <a:lnTo>
+                    <a:pt x="56250" y="1193687"/>
+                  </a:lnTo>
+                  <a:cubicBezTo>
+                    <a:pt x="41331" y="1193687"/>
+                    <a:pt x="27024" y="1187761"/>
+                    <a:pt x="16475" y="1177212"/>
+                  </a:cubicBezTo>
+                  <a:cubicBezTo>
+                    <a:pt x="5926" y="1166663"/>
+                    <a:pt x="0" y="1152356"/>
+                    <a:pt x="0" y="1137438"/>
+                  </a:cubicBezTo>
+                  <a:lnTo>
+                    <a:pt x="0" y="56250"/>
+                  </a:lnTo>
+                  <a:cubicBezTo>
+                    <a:pt x="0" y="41331"/>
+                    <a:pt x="5926" y="27024"/>
+                    <a:pt x="16475" y="16475"/>
+                  </a:cubicBezTo>
+                  <a:cubicBezTo>
+                    <a:pt x="27024" y="5926"/>
+                    <a:pt x="41331" y="0"/>
+                    <a:pt x="56250" y="0"/>
+                  </a:cubicBezTo>
+                  <a:close/>
+                </a:path>
+              </a:pathLst>
+            </a:custGeom>
+            <a:solidFill>
+              <a:srgbClr val="000000">
+                <a:alpha val="0"/>
+              </a:srgbClr>
+            </a:solidFill>
+            <a:ln w="19050" cap="rnd">
+              <a:solidFill>
+                <a:srgbClr val="40352D"/>
+              </a:solidFill>
+              <a:prstDash val="solid"/>
+              <a:round/>
+            </a:ln>
+          </p:spPr>
+          <p:txBody>
+            <a:bodyPr/>
+            <a:lstStyle/>
+            <a:p>
+              <a:endParaRPr lang="ko-KR" altLang="en-US"/>
+            </a:p>
+          </p:txBody>
+        </p:sp>
+        <p:sp>
+          <p:nvSpPr>
+            <p:cNvPr id="64" name="TextBox 64"/>
+            <p:cNvSpPr txBox="1"/>
+            <p:nvPr/>
+          </p:nvSpPr>
+          <p:spPr>
+            <a:xfrm>
+              <a:off x="0" y="-19050"/>
+              <a:ext cx="1868867" cy="1212737"/>
+            </a:xfrm>
+            <a:prstGeom prst="rect">
+              <a:avLst/>
+            </a:prstGeom>
+          </p:spPr>
+          <p:txBody>
+            <a:bodyPr lIns="28575" tIns="28575" rIns="28575" bIns="28575" rtlCol="0" anchor="ctr"/>
+            <a:lstStyle/>
+            <a:p>
+              <a:pPr marL="0" lvl="0" indent="0" algn="ctr">
+                <a:lnSpc>
+                  <a:spcPts val="1496"/>
+                </a:lnSpc>
+                <a:spcBef>
+                  <a:spcPct val="0"/>
+                </a:spcBef>
+              </a:pPr>
+              <a:endParaRPr/>
+            </a:p>
+          </p:txBody>
+        </p:sp>
+      </p:grpSp>
+      <p:grpSp>
+        <p:nvGrpSpPr>
+          <p:cNvPr id="65" name="Group 65"/>
+          <p:cNvGrpSpPr/>
+          <p:nvPr/>
+        </p:nvGrpSpPr>
+        <p:grpSpPr>
+          <a:xfrm>
+            <a:off x="7167340" y="4864471"/>
+            <a:ext cx="3991418" cy="2549408"/>
+            <a:chOff x="0" y="0"/>
+            <a:chExt cx="1868867" cy="1193687"/>
+          </a:xfrm>
+        </p:grpSpPr>
+        <p:sp>
+          <p:nvSpPr>
+            <p:cNvPr id="66" name="Freeform 66"/>
+            <p:cNvSpPr/>
+            <p:nvPr/>
+          </p:nvSpPr>
+          <p:spPr>
+            <a:xfrm>
+              <a:off x="0" y="0"/>
+              <a:ext cx="1868867" cy="1193687"/>
+            </a:xfrm>
+            <a:custGeom>
+              <a:avLst/>
+              <a:gdLst/>
+              <a:ahLst/>
+              <a:cxnLst/>
+              <a:rect l="l" t="t" r="r" b="b"/>
+              <a:pathLst>
+                <a:path w="1868867" h="1193687">
+                  <a:moveTo>
+                    <a:pt x="56250" y="0"/>
+                  </a:moveTo>
+                  <a:lnTo>
+                    <a:pt x="1812617" y="0"/>
+                  </a:lnTo>
+                  <a:cubicBezTo>
+                    <a:pt x="1827536" y="0"/>
+                    <a:pt x="1841843" y="5926"/>
+                    <a:pt x="1852392" y="16475"/>
+                  </a:cubicBezTo>
+                  <a:cubicBezTo>
+                    <a:pt x="1862941" y="27024"/>
+                    <a:pt x="1868867" y="41331"/>
+                    <a:pt x="1868867" y="56250"/>
+                  </a:cubicBezTo>
+                  <a:lnTo>
+                    <a:pt x="1868867" y="1137438"/>
+                  </a:lnTo>
+                  <a:cubicBezTo>
+                    <a:pt x="1868867" y="1168503"/>
+                    <a:pt x="1843683" y="1193687"/>
+                    <a:pt x="1812617" y="1193687"/>
+                  </a:cubicBezTo>
+                  <a:lnTo>
+                    <a:pt x="56250" y="1193687"/>
+                  </a:lnTo>
+                  <a:cubicBezTo>
+                    <a:pt x="41331" y="1193687"/>
+                    <a:pt x="27024" y="1187761"/>
+                    <a:pt x="16475" y="1177212"/>
+                  </a:cubicBezTo>
+                  <a:cubicBezTo>
+                    <a:pt x="5926" y="1166663"/>
+                    <a:pt x="0" y="1152356"/>
+                    <a:pt x="0" y="1137438"/>
+                  </a:cubicBezTo>
+                  <a:lnTo>
+                    <a:pt x="0" y="56250"/>
+                  </a:lnTo>
+                  <a:cubicBezTo>
+                    <a:pt x="0" y="41331"/>
+                    <a:pt x="5926" y="27024"/>
+                    <a:pt x="16475" y="16475"/>
+                  </a:cubicBezTo>
+                  <a:cubicBezTo>
+                    <a:pt x="27024" y="5926"/>
+                    <a:pt x="41331" y="0"/>
+                    <a:pt x="56250" y="0"/>
+                  </a:cubicBezTo>
+                  <a:close/>
+                </a:path>
+              </a:pathLst>
+            </a:custGeom>
+            <a:solidFill>
+              <a:srgbClr val="000000">
+                <a:alpha val="0"/>
+              </a:srgbClr>
+            </a:solidFill>
+            <a:ln w="19050" cap="rnd">
+              <a:solidFill>
+                <a:srgbClr val="40352D"/>
+              </a:solidFill>
+              <a:prstDash val="solid"/>
+              <a:round/>
+            </a:ln>
+          </p:spPr>
+          <p:txBody>
+            <a:bodyPr/>
+            <a:lstStyle/>
+            <a:p>
+              <a:endParaRPr lang="ko-KR" altLang="en-US"/>
+            </a:p>
+          </p:txBody>
+        </p:sp>
+        <p:sp>
+          <p:nvSpPr>
+            <p:cNvPr id="67" name="TextBox 67"/>
+            <p:cNvSpPr txBox="1"/>
+            <p:nvPr/>
+          </p:nvSpPr>
+          <p:spPr>
+            <a:xfrm>
+              <a:off x="0" y="-19050"/>
+              <a:ext cx="1868867" cy="1212737"/>
+            </a:xfrm>
+            <a:prstGeom prst="rect">
+              <a:avLst/>
+            </a:prstGeom>
+          </p:spPr>
+          <p:txBody>
+            <a:bodyPr lIns="28575" tIns="28575" rIns="28575" bIns="28575" rtlCol="0" anchor="ctr"/>
+            <a:lstStyle/>
+            <a:p>
+              <a:pPr marL="0" lvl="0" indent="0" algn="ctr">
+                <a:lnSpc>
+                  <a:spcPts val="1496"/>
+                </a:lnSpc>
+                <a:spcBef>
+                  <a:spcPct val="0"/>
+                </a:spcBef>
+              </a:pPr>
+              <a:endParaRPr/>
+            </a:p>
+          </p:txBody>
+        </p:sp>
+      </p:grpSp>
+      <p:grpSp>
+        <p:nvGrpSpPr>
+          <p:cNvPr id="68" name="Group 68"/>
+          <p:cNvGrpSpPr/>
+          <p:nvPr/>
+        </p:nvGrpSpPr>
+        <p:grpSpPr>
+          <a:xfrm>
+            <a:off x="11635008" y="4864471"/>
+            <a:ext cx="3991418" cy="2549408"/>
+            <a:chOff x="0" y="0"/>
+            <a:chExt cx="1868867" cy="1193687"/>
+          </a:xfrm>
+        </p:grpSpPr>
+        <p:sp>
+          <p:nvSpPr>
+            <p:cNvPr id="69" name="Freeform 69"/>
+            <p:cNvSpPr/>
+            <p:nvPr/>
+          </p:nvSpPr>
+          <p:spPr>
+            <a:xfrm>
+              <a:off x="0" y="0"/>
+              <a:ext cx="1868867" cy="1193687"/>
+            </a:xfrm>
+            <a:custGeom>
+              <a:avLst/>
+              <a:gdLst/>
+              <a:ahLst/>
+              <a:cxnLst/>
+              <a:rect l="l" t="t" r="r" b="b"/>
+              <a:pathLst>
+                <a:path w="1868867" h="1193687">
+                  <a:moveTo>
+                    <a:pt x="56250" y="0"/>
+                  </a:moveTo>
+                  <a:lnTo>
+                    <a:pt x="1812617" y="0"/>
+                  </a:lnTo>
+                  <a:cubicBezTo>
+                    <a:pt x="1827536" y="0"/>
+                    <a:pt x="1841843" y="5926"/>
+                    <a:pt x="1852392" y="16475"/>
+                  </a:cubicBezTo>
+                  <a:cubicBezTo>
+                    <a:pt x="1862941" y="27024"/>
+                    <a:pt x="1868867" y="41331"/>
+                    <a:pt x="1868867" y="56250"/>
+                  </a:cubicBezTo>
+                  <a:lnTo>
+                    <a:pt x="1868867" y="1137438"/>
+                  </a:lnTo>
+                  <a:cubicBezTo>
+                    <a:pt x="1868867" y="1168503"/>
+                    <a:pt x="1843683" y="1193687"/>
+                    <a:pt x="1812617" y="1193687"/>
+                  </a:cubicBezTo>
+                  <a:lnTo>
+                    <a:pt x="56250" y="1193687"/>
+                  </a:lnTo>
+                  <a:cubicBezTo>
+                    <a:pt x="41331" y="1193687"/>
+                    <a:pt x="27024" y="1187761"/>
+                    <a:pt x="16475" y="1177212"/>
+                  </a:cubicBezTo>
+                  <a:cubicBezTo>
+                    <a:pt x="5926" y="1166663"/>
+                    <a:pt x="0" y="1152356"/>
+                    <a:pt x="0" y="1137438"/>
+                  </a:cubicBezTo>
+                  <a:lnTo>
+                    <a:pt x="0" y="56250"/>
+                  </a:lnTo>
+                  <a:cubicBezTo>
+                    <a:pt x="0" y="41331"/>
+                    <a:pt x="5926" y="27024"/>
+                    <a:pt x="16475" y="16475"/>
+                  </a:cubicBezTo>
+                  <a:cubicBezTo>
+                    <a:pt x="27024" y="5926"/>
+                    <a:pt x="41331" y="0"/>
+                    <a:pt x="56250" y="0"/>
+                  </a:cubicBezTo>
+                  <a:close/>
+                </a:path>
+              </a:pathLst>
+            </a:custGeom>
+            <a:solidFill>
+              <a:srgbClr val="000000">
+                <a:alpha val="0"/>
+              </a:srgbClr>
+            </a:solidFill>
+            <a:ln w="19050" cap="rnd">
+              <a:solidFill>
+                <a:srgbClr val="40352D"/>
+              </a:solidFill>
+              <a:prstDash val="solid"/>
+              <a:round/>
+            </a:ln>
+          </p:spPr>
+          <p:txBody>
+            <a:bodyPr/>
+            <a:lstStyle/>
+            <a:p>
+              <a:endParaRPr lang="ko-KR" altLang="en-US"/>
+            </a:p>
+          </p:txBody>
+        </p:sp>
+        <p:sp>
+          <p:nvSpPr>
+            <p:cNvPr id="70" name="TextBox 70"/>
+            <p:cNvSpPr txBox="1"/>
+            <p:nvPr/>
+          </p:nvSpPr>
+          <p:spPr>
+            <a:xfrm>
+              <a:off x="0" y="-19050"/>
+              <a:ext cx="1868867" cy="1212737"/>
+            </a:xfrm>
+            <a:prstGeom prst="rect">
+              <a:avLst/>
+            </a:prstGeom>
+          </p:spPr>
+          <p:txBody>
+            <a:bodyPr lIns="28575" tIns="28575" rIns="28575" bIns="28575" rtlCol="0" anchor="ctr"/>
+            <a:lstStyle/>
+            <a:p>
+              <a:pPr marL="0" lvl="0" indent="0" algn="ctr">
+                <a:lnSpc>
+                  <a:spcPts val="1496"/>
+                </a:lnSpc>
+                <a:spcBef>
+                  <a:spcPct val="0"/>
+                </a:spcBef>
+              </a:pPr>
+              <a:endParaRPr/>
+            </a:p>
+          </p:txBody>
+        </p:sp>
+      </p:grpSp>
       <p:sp>
         <p:nvSpPr>
-          <p:cNvPr id="57" name="TextBox 57"/>
+          <p:cNvPr id="71" name="TextBox 71"/>
           <p:cNvSpPr txBox="1"/>
           <p:nvPr/>
         </p:nvSpPr>
         <p:spPr>
           <a:xfrm>
-            <a:off x="5839658" y="4196020"/>
-            <a:ext cx="2964870" cy="604647"/>
+            <a:off x="3008660" y="5151750"/>
+            <a:ext cx="3376838" cy="1435393"/>
           </a:xfrm>
           <a:prstGeom prst="rect">
             <a:avLst/>
@@ -16658,37 +16971,41 @@
           </a:bodyPr>
           <a:lstStyle/>
           <a:p>
-            <a:pPr algn="ctr">
+            <a:pPr>
               <a:lnSpc>
-                <a:spcPts val="5049"/>
+                <a:spcPts val="3770"/>
               </a:lnSpc>
-              <a:spcBef>
-                <a:spcPct val="0"/>
-              </a:spcBef>
             </a:pPr>
             <a:r>
-              <a:rPr lang="en-US" sz="3300">
+              <a:rPr lang="ko-KR" altLang="en-US" sz="2600" dirty="0">
                 <a:solidFill>
                   <a:srgbClr val="40352D"/>
                 </a:solidFill>
-                <a:latin typeface="Tlab 라곰 Bold"/>
-                <a:ea typeface="Tlab 라곰 Bold"/>
+                <a:latin typeface="210 디딤고딕 Light"/>
+                <a:ea typeface="210 디딤고딕 Light"/>
               </a:rPr>
-              <a:t>2분기</a:t>
+              <a:t>각 카테고리마다 지역별 문화 공간 개수를 나타내는 그래프 구현</a:t>
             </a:r>
+            <a:endParaRPr lang="en-US" sz="2600" dirty="0">
+              <a:solidFill>
+                <a:srgbClr val="40352D"/>
+              </a:solidFill>
+              <a:latin typeface="210 디딤고딕 Light"/>
+              <a:ea typeface="210 디딤고딕 Light"/>
+            </a:endParaRPr>
           </a:p>
         </p:txBody>
       </p:sp>
       <p:sp>
         <p:nvSpPr>
-          <p:cNvPr id="58" name="TextBox 58"/>
+          <p:cNvPr id="72" name="TextBox 72"/>
           <p:cNvSpPr txBox="1"/>
           <p:nvPr/>
         </p:nvSpPr>
         <p:spPr>
           <a:xfrm>
-            <a:off x="9483472" y="4196020"/>
-            <a:ext cx="2964870" cy="604647"/>
+            <a:off x="7474630" y="5151750"/>
+            <a:ext cx="3376838" cy="1922706"/>
           </a:xfrm>
           <a:prstGeom prst="rect">
             <a:avLst/>
@@ -16700,37 +17017,74 @@
           </a:bodyPr>
           <a:lstStyle/>
           <a:p>
-            <a:pPr algn="ctr">
+            <a:pPr marL="0" lvl="0" indent="0">
               <a:lnSpc>
-                <a:spcPts val="5049"/>
+                <a:spcPts val="3770"/>
               </a:lnSpc>
               <a:spcBef>
                 <a:spcPct val="0"/>
               </a:spcBef>
             </a:pPr>
             <a:r>
-              <a:rPr lang="en-US" sz="3300">
+              <a:rPr lang="en-US" sz="2600" dirty="0">
                 <a:solidFill>
                   <a:srgbClr val="40352D"/>
                 </a:solidFill>
-                <a:latin typeface="Tlab 라곰 Bold"/>
-                <a:ea typeface="Tlab 라곰 Bold"/>
+                <a:latin typeface="210 디딤고딕 Light"/>
+                <a:ea typeface="210 디딤고딕 Light"/>
               </a:rPr>
-              <a:t>3분기</a:t>
+              <a:t>IP</a:t>
             </a:r>
+            <a:r>
+              <a:rPr lang="ko-KR" altLang="en-US" sz="2600" dirty="0">
+                <a:solidFill>
+                  <a:srgbClr val="40352D"/>
+                </a:solidFill>
+                <a:latin typeface="210 디딤고딕 Light"/>
+                <a:ea typeface="210 디딤고딕 Light"/>
+              </a:rPr>
+              <a:t>주소를 이용해 현재 위치를 받아오고</a:t>
+            </a:r>
+            <a:r>
+              <a:rPr lang="en-US" altLang="ko-KR" sz="2600" dirty="0">
+                <a:solidFill>
+                  <a:srgbClr val="40352D"/>
+                </a:solidFill>
+                <a:latin typeface="210 디딤고딕 Light"/>
+                <a:ea typeface="210 디딤고딕 Light"/>
+              </a:rPr>
+              <a:t>, </a:t>
+            </a:r>
+            <a:r>
+              <a:rPr lang="ko-KR" altLang="en-US" sz="2600" dirty="0">
+                <a:solidFill>
+                  <a:srgbClr val="40352D"/>
+                </a:solidFill>
+                <a:latin typeface="210 디딤고딕 Light"/>
+                <a:ea typeface="210 디딤고딕 Light"/>
+              </a:rPr>
+              <a:t>위도 경도 값을 이용해 주변 지도를 보여주도록 구현</a:t>
+            </a:r>
+            <a:endParaRPr lang="en-US" altLang="ko-KR" sz="2600" dirty="0">
+              <a:solidFill>
+                <a:srgbClr val="40352D"/>
+              </a:solidFill>
+              <a:latin typeface="210 디딤고딕 Light"/>
+              <a:ea typeface="210 디딤고딕 Light"/>
+            </a:endParaRPr>
           </a:p>
         </p:txBody>
       </p:sp>
       <p:sp>
         <p:nvSpPr>
-          <p:cNvPr id="59" name="TextBox 59"/>
+          <p:cNvPr id="73" name="TextBox 73"/>
           <p:cNvSpPr txBox="1"/>
           <p:nvPr/>
         </p:nvSpPr>
         <p:spPr>
           <a:xfrm>
-            <a:off x="13127286" y="4196020"/>
-            <a:ext cx="2964870" cy="604647"/>
+            <a:off x="11942298" y="5151750"/>
+            <a:ext cx="3376838" cy="1435393"/>
           </a:xfrm>
           <a:prstGeom prst="rect">
             <a:avLst/>
@@ -16742,192 +17096,143 @@
           </a:bodyPr>
           <a:lstStyle/>
           <a:p>
-            <a:pPr algn="ctr">
+            <a:pPr marL="0" lvl="0" indent="0">
               <a:lnSpc>
-                <a:spcPts val="5049"/>
+                <a:spcPts val="3770"/>
               </a:lnSpc>
               <a:spcBef>
                 <a:spcPct val="0"/>
               </a:spcBef>
             </a:pPr>
             <a:r>
-              <a:rPr lang="en-US" sz="3300">
+              <a:rPr lang="ko-KR" altLang="en-US" sz="2600" dirty="0">
                 <a:solidFill>
                   <a:srgbClr val="40352D"/>
                 </a:solidFill>
-                <a:latin typeface="Tlab 라곰 Bold"/>
-                <a:ea typeface="Tlab 라곰 Bold"/>
+                <a:latin typeface="210 디딤고딕 Light"/>
+                <a:ea typeface="210 디딤고딕 Light"/>
               </a:rPr>
-              <a:t>4분기</a:t>
+              <a:t>이미지와 고양이 </a:t>
+            </a:r>
+            <a:r>
+              <a:rPr lang="en-US" altLang="ko-KR" sz="2600" dirty="0">
+                <a:solidFill>
+                  <a:srgbClr val="40352D"/>
+                </a:solidFill>
+                <a:latin typeface="210 디딤고딕 Light"/>
+                <a:ea typeface="210 디딤고딕 Light"/>
+              </a:rPr>
+              <a:t>GIF</a:t>
             </a:r>
           </a:p>
-        </p:txBody>
-      </p:sp>
-      <p:sp>
-        <p:nvSpPr>
-          <p:cNvPr id="60" name="TextBox 60"/>
-          <p:cNvSpPr txBox="1"/>
-          <p:nvPr/>
-        </p:nvSpPr>
-        <p:spPr>
-          <a:xfrm>
-            <a:off x="2294593" y="5750700"/>
-            <a:ext cx="2767373" cy="1063752"/>
-          </a:xfrm>
-          <a:prstGeom prst="rect">
-            <a:avLst/>
-          </a:prstGeom>
-        </p:spPr>
-        <p:txBody>
-          <a:bodyPr lIns="0" tIns="0" rIns="0" bIns="0" rtlCol="0" anchor="t">
-            <a:spAutoFit/>
-          </a:bodyPr>
-          <a:lstStyle/>
           <a:p>
-            <a:pPr algn="just">
+            <a:pPr marL="0" lvl="0" indent="0">
               <a:lnSpc>
-                <a:spcPts val="4283"/>
+                <a:spcPts val="3770"/>
               </a:lnSpc>
               <a:spcBef>
                 <a:spcPct val="0"/>
               </a:spcBef>
             </a:pPr>
             <a:r>
-              <a:rPr lang="en-US" sz="2799">
+              <a:rPr lang="ko-KR" altLang="en-US" sz="2600" dirty="0">
                 <a:solidFill>
                   <a:srgbClr val="40352D"/>
                 </a:solidFill>
+                <a:latin typeface="210 디딤고딕 Light"/>
                 <a:ea typeface="210 디딤고딕 Light"/>
               </a:rPr>
-              <a:t>프로젝트 계획 및 전략 수립</a:t>
+              <a:t>북마크 기능 구현</a:t>
             </a:r>
+            <a:endParaRPr lang="en-US" altLang="ko-KR" sz="2600" dirty="0">
+              <a:solidFill>
+                <a:srgbClr val="40352D"/>
+              </a:solidFill>
+              <a:latin typeface="210 디딤고딕 Light"/>
+              <a:ea typeface="210 디딤고딕 Light"/>
+            </a:endParaRPr>
           </a:p>
-        </p:txBody>
-      </p:sp>
-      <p:sp>
-        <p:nvSpPr>
-          <p:cNvPr id="61" name="TextBox 61"/>
-          <p:cNvSpPr txBox="1"/>
-          <p:nvPr/>
-        </p:nvSpPr>
-        <p:spPr>
-          <a:xfrm>
-            <a:off x="5938407" y="5750700"/>
-            <a:ext cx="2767373" cy="1063752"/>
-          </a:xfrm>
-          <a:prstGeom prst="rect">
-            <a:avLst/>
-          </a:prstGeom>
-        </p:spPr>
-        <p:txBody>
-          <a:bodyPr lIns="0" tIns="0" rIns="0" bIns="0" rtlCol="0" anchor="t">
-            <a:spAutoFit/>
-          </a:bodyPr>
-          <a:lstStyle/>
           <a:p>
-            <a:pPr algn="just">
+            <a:pPr marL="0" lvl="0" indent="0">
               <a:lnSpc>
-                <a:spcPts val="4283"/>
+                <a:spcPts val="3770"/>
               </a:lnSpc>
               <a:spcBef>
                 <a:spcPct val="0"/>
               </a:spcBef>
             </a:pPr>
             <a:r>
-              <a:rPr lang="en-US" sz="2799">
+              <a:rPr lang="en-US" sz="2600" dirty="0">
                 <a:solidFill>
                   <a:srgbClr val="40352D"/>
                 </a:solidFill>
+                <a:latin typeface="210 디딤고딕 Light"/>
                 <a:ea typeface="210 디딤고딕 Light"/>
               </a:rPr>
-              <a:t>프로젝트 전략 개발 및 자원 배분</a:t>
+              <a:t>E-mail </a:t>
             </a:r>
+            <a:r>
+              <a:rPr lang="ko-KR" altLang="en-US" sz="2600" dirty="0">
+                <a:solidFill>
+                  <a:srgbClr val="40352D"/>
+                </a:solidFill>
+                <a:latin typeface="210 디딤고딕 Light"/>
+                <a:ea typeface="210 디딤고딕 Light"/>
+              </a:rPr>
+              <a:t>전송 기능 구현</a:t>
+            </a:r>
+            <a:endParaRPr lang="en-US" sz="2600" dirty="0">
+              <a:solidFill>
+                <a:srgbClr val="40352D"/>
+              </a:solidFill>
+              <a:latin typeface="210 디딤고딕 Light"/>
+              <a:ea typeface="210 디딤고딕 Light"/>
+            </a:endParaRPr>
           </a:p>
         </p:txBody>
       </p:sp>
-      <p:sp>
-        <p:nvSpPr>
-          <p:cNvPr id="62" name="TextBox 62"/>
-          <p:cNvSpPr txBox="1"/>
+      <p:pic>
+        <p:nvPicPr>
+          <p:cNvPr id="74" name="그림 73" descr="그림, 스케치, 만화 영화, 아동 미술이(가) 표시된 사진&#10;&#10;자동 생성된 설명">
+            <a:extLst>
+              <a:ext uri="{FF2B5EF4-FFF2-40B4-BE49-F238E27FC236}">
+                <a16:creationId xmlns:a16="http://schemas.microsoft.com/office/drawing/2014/main" id="{1D0A4A61-42A8-2720-39F6-4782362402D5}"/>
+              </a:ext>
+            </a:extLst>
+          </p:cNvPr>
+          <p:cNvPicPr>
+            <a:picLocks noChangeAspect="1"/>
+          </p:cNvPicPr>
           <p:nvPr/>
-        </p:nvSpPr>
+        </p:nvPicPr>
+        <p:blipFill>
+          <a:blip r:embed="rId4">
+            <a:extLst>
+              <a:ext uri="{28A0092B-C50C-407E-A947-70E740481C1C}">
+                <a14:useLocalDpi xmlns:a14="http://schemas.microsoft.com/office/drawing/2010/main" val="0"/>
+              </a:ext>
+            </a:extLst>
+          </a:blip>
+          <a:stretch>
+            <a:fillRect/>
+          </a:stretch>
+        </p:blipFill>
         <p:spPr>
           <a:xfrm>
-            <a:off x="9582221" y="5750700"/>
-            <a:ext cx="2767373" cy="1063752"/>
+            <a:off x="6987857" y="1558697"/>
+            <a:ext cx="2034666" cy="2067885"/>
           </a:xfrm>
           <a:prstGeom prst="rect">
             <a:avLst/>
           </a:prstGeom>
         </p:spPr>
-        <p:txBody>
-          <a:bodyPr lIns="0" tIns="0" rIns="0" bIns="0" rtlCol="0" anchor="t">
-            <a:spAutoFit/>
-          </a:bodyPr>
-          <a:lstStyle/>
-          <a:p>
-            <a:pPr algn="just">
-              <a:lnSpc>
-                <a:spcPts val="4283"/>
-              </a:lnSpc>
-              <a:spcBef>
-                <a:spcPct val="0"/>
-              </a:spcBef>
-            </a:pPr>
-            <a:r>
-              <a:rPr lang="en-US" sz="2799">
-                <a:solidFill>
-                  <a:srgbClr val="40352D"/>
-                </a:solidFill>
-                <a:ea typeface="210 디딤고딕 Light"/>
-              </a:rPr>
-              <a:t>프로젝트 실행 및 모니터링</a:t>
-            </a:r>
-          </a:p>
-        </p:txBody>
-      </p:sp>
-      <p:sp>
-        <p:nvSpPr>
-          <p:cNvPr id="63" name="TextBox 63"/>
-          <p:cNvSpPr txBox="1"/>
-          <p:nvPr/>
-        </p:nvSpPr>
-        <p:spPr>
-          <a:xfrm>
-            <a:off x="13226034" y="5750700"/>
-            <a:ext cx="2767373" cy="1063752"/>
-          </a:xfrm>
-          <a:prstGeom prst="rect">
-            <a:avLst/>
-          </a:prstGeom>
-        </p:spPr>
-        <p:txBody>
-          <a:bodyPr lIns="0" tIns="0" rIns="0" bIns="0" rtlCol="0" anchor="t">
-            <a:spAutoFit/>
-          </a:bodyPr>
-          <a:lstStyle/>
-          <a:p>
-            <a:pPr algn="just">
-              <a:lnSpc>
-                <a:spcPts val="4283"/>
-              </a:lnSpc>
-              <a:spcBef>
-                <a:spcPct val="0"/>
-              </a:spcBef>
-            </a:pPr>
-            <a:r>
-              <a:rPr lang="en-US" sz="2799">
-                <a:solidFill>
-                  <a:srgbClr val="40352D"/>
-                </a:solidFill>
-                <a:ea typeface="210 디딤고딕 Light"/>
-              </a:rPr>
-              <a:t>프로젝트 성과 평가 및 최적화</a:t>
-            </a:r>
-          </a:p>
-        </p:txBody>
-      </p:sp>
+      </p:pic>
     </p:spTree>
+    <p:extLst>
+      <p:ext uri="{BB962C8B-B14F-4D97-AF65-F5344CB8AC3E}">
+        <p14:creationId xmlns:p14="http://schemas.microsoft.com/office/powerpoint/2010/main" val="32492512"/>
+      </p:ext>
+    </p:extLst>
   </p:cSld>
   <p:clrMapOvr>
     <a:masterClrMapping/>
@@ -18630,7 +18935,7 @@
         <p:spPr>
           <a:xfrm>
             <a:off x="2622476" y="1910150"/>
-            <a:ext cx="7399557" cy="1343025"/>
+            <a:ext cx="12708220" cy="1359346"/>
           </a:xfrm>
           <a:prstGeom prst="rect">
             <a:avLst/>
@@ -18648,80 +18953,1527 @@
               </a:lnSpc>
             </a:pPr>
             <a:r>
-              <a:rPr lang="en-US" sz="8845">
+              <a:rPr lang="ko-KR" altLang="en-US" sz="8845" dirty="0">
                 <a:solidFill>
                   <a:srgbClr val="40352D"/>
                 </a:solidFill>
                 <a:ea typeface="Tlab 라곰 Bold"/>
               </a:rPr>
-              <a:t>프로젝트 성과</a:t>
+              <a:t>개발 일정</a:t>
             </a:r>
+            <a:endParaRPr lang="en-US" sz="8845" dirty="0">
+              <a:solidFill>
+                <a:srgbClr val="40352D"/>
+              </a:solidFill>
+              <a:ea typeface="Tlab 라곰 Bold"/>
+            </a:endParaRPr>
           </a:p>
         </p:txBody>
       </p:sp>
+      <p:grpSp>
+        <p:nvGrpSpPr>
+          <p:cNvPr id="31" name="Group 31"/>
+          <p:cNvGrpSpPr/>
+          <p:nvPr/>
+        </p:nvGrpSpPr>
+        <p:grpSpPr>
+          <a:xfrm>
+            <a:off x="1931885" y="4217411"/>
+            <a:ext cx="2767373" cy="3444338"/>
+            <a:chOff x="0" y="0"/>
+            <a:chExt cx="1027981" cy="1259417"/>
+          </a:xfrm>
+        </p:grpSpPr>
+        <p:sp>
+          <p:nvSpPr>
+            <p:cNvPr id="32" name="Freeform 32"/>
+            <p:cNvSpPr/>
+            <p:nvPr/>
+          </p:nvSpPr>
+          <p:spPr>
+            <a:xfrm>
+              <a:off x="0" y="0"/>
+              <a:ext cx="1027981" cy="1259417"/>
+            </a:xfrm>
+            <a:custGeom>
+              <a:avLst/>
+              <a:gdLst/>
+              <a:ahLst/>
+              <a:cxnLst/>
+              <a:rect l="l" t="t" r="r" b="b"/>
+              <a:pathLst>
+                <a:path w="1027981" h="1259417">
+                  <a:moveTo>
+                    <a:pt x="70111" y="0"/>
+                  </a:moveTo>
+                  <a:lnTo>
+                    <a:pt x="957870" y="0"/>
+                  </a:lnTo>
+                  <a:cubicBezTo>
+                    <a:pt x="996591" y="0"/>
+                    <a:pt x="1027981" y="31390"/>
+                    <a:pt x="1027981" y="70111"/>
+                  </a:cubicBezTo>
+                  <a:lnTo>
+                    <a:pt x="1027981" y="1189306"/>
+                  </a:lnTo>
+                  <a:cubicBezTo>
+                    <a:pt x="1027981" y="1228027"/>
+                    <a:pt x="996591" y="1259417"/>
+                    <a:pt x="957870" y="1259417"/>
+                  </a:cubicBezTo>
+                  <a:lnTo>
+                    <a:pt x="70111" y="1259417"/>
+                  </a:lnTo>
+                  <a:cubicBezTo>
+                    <a:pt x="51516" y="1259417"/>
+                    <a:pt x="33683" y="1252030"/>
+                    <a:pt x="20535" y="1238882"/>
+                  </a:cubicBezTo>
+                  <a:cubicBezTo>
+                    <a:pt x="7387" y="1225733"/>
+                    <a:pt x="0" y="1207900"/>
+                    <a:pt x="0" y="1189306"/>
+                  </a:cubicBezTo>
+                  <a:lnTo>
+                    <a:pt x="0" y="70111"/>
+                  </a:lnTo>
+                  <a:cubicBezTo>
+                    <a:pt x="0" y="31390"/>
+                    <a:pt x="31390" y="0"/>
+                    <a:pt x="70111" y="0"/>
+                  </a:cubicBezTo>
+                  <a:close/>
+                </a:path>
+              </a:pathLst>
+            </a:custGeom>
+            <a:solidFill>
+              <a:srgbClr val="C9DFDD"/>
+            </a:solidFill>
+            <a:ln w="19050" cap="rnd">
+              <a:solidFill>
+                <a:srgbClr val="40352D"/>
+              </a:solidFill>
+              <a:prstDash val="solid"/>
+              <a:round/>
+            </a:ln>
+          </p:spPr>
+          <p:txBody>
+            <a:bodyPr/>
+            <a:lstStyle/>
+            <a:p>
+              <a:endParaRPr lang="ko-KR" altLang="en-US"/>
+            </a:p>
+          </p:txBody>
+        </p:sp>
+        <p:sp>
+          <p:nvSpPr>
+            <p:cNvPr id="33" name="TextBox 33"/>
+            <p:cNvSpPr txBox="1"/>
+            <p:nvPr/>
+          </p:nvSpPr>
+          <p:spPr>
+            <a:xfrm>
+              <a:off x="0" y="-19050"/>
+              <a:ext cx="1027981" cy="1278467"/>
+            </a:xfrm>
+            <a:prstGeom prst="rect">
+              <a:avLst/>
+            </a:prstGeom>
+          </p:spPr>
+          <p:txBody>
+            <a:bodyPr lIns="50800" tIns="50800" rIns="50800" bIns="50800" rtlCol="0" anchor="ctr"/>
+            <a:lstStyle/>
+            <a:p>
+              <a:pPr algn="ctr">
+                <a:lnSpc>
+                  <a:spcPts val="2859"/>
+                </a:lnSpc>
+              </a:pPr>
+              <a:endParaRPr/>
+            </a:p>
+          </p:txBody>
+        </p:sp>
+      </p:grpSp>
+      <p:grpSp>
+        <p:nvGrpSpPr>
+          <p:cNvPr id="34" name="Group 34"/>
+          <p:cNvGrpSpPr/>
+          <p:nvPr/>
+        </p:nvGrpSpPr>
+        <p:grpSpPr>
+          <a:xfrm>
+            <a:off x="4844208" y="4243461"/>
+            <a:ext cx="2767373" cy="3444338"/>
+            <a:chOff x="0" y="0"/>
+            <a:chExt cx="1027981" cy="1259417"/>
+          </a:xfrm>
+        </p:grpSpPr>
+        <p:sp>
+          <p:nvSpPr>
+            <p:cNvPr id="35" name="Freeform 35"/>
+            <p:cNvSpPr/>
+            <p:nvPr/>
+          </p:nvSpPr>
+          <p:spPr>
+            <a:xfrm>
+              <a:off x="0" y="0"/>
+              <a:ext cx="1027981" cy="1259417"/>
+            </a:xfrm>
+            <a:custGeom>
+              <a:avLst/>
+              <a:gdLst/>
+              <a:ahLst/>
+              <a:cxnLst/>
+              <a:rect l="l" t="t" r="r" b="b"/>
+              <a:pathLst>
+                <a:path w="1027981" h="1259417">
+                  <a:moveTo>
+                    <a:pt x="70111" y="0"/>
+                  </a:moveTo>
+                  <a:lnTo>
+                    <a:pt x="957870" y="0"/>
+                  </a:lnTo>
+                  <a:cubicBezTo>
+                    <a:pt x="996591" y="0"/>
+                    <a:pt x="1027981" y="31390"/>
+                    <a:pt x="1027981" y="70111"/>
+                  </a:cubicBezTo>
+                  <a:lnTo>
+                    <a:pt x="1027981" y="1189306"/>
+                  </a:lnTo>
+                  <a:cubicBezTo>
+                    <a:pt x="1027981" y="1228027"/>
+                    <a:pt x="996591" y="1259417"/>
+                    <a:pt x="957870" y="1259417"/>
+                  </a:cubicBezTo>
+                  <a:lnTo>
+                    <a:pt x="70111" y="1259417"/>
+                  </a:lnTo>
+                  <a:cubicBezTo>
+                    <a:pt x="51516" y="1259417"/>
+                    <a:pt x="33683" y="1252030"/>
+                    <a:pt x="20535" y="1238882"/>
+                  </a:cubicBezTo>
+                  <a:cubicBezTo>
+                    <a:pt x="7387" y="1225733"/>
+                    <a:pt x="0" y="1207900"/>
+                    <a:pt x="0" y="1189306"/>
+                  </a:cubicBezTo>
+                  <a:lnTo>
+                    <a:pt x="0" y="70111"/>
+                  </a:lnTo>
+                  <a:cubicBezTo>
+                    <a:pt x="0" y="31390"/>
+                    <a:pt x="31390" y="0"/>
+                    <a:pt x="70111" y="0"/>
+                  </a:cubicBezTo>
+                  <a:close/>
+                </a:path>
+              </a:pathLst>
+            </a:custGeom>
+            <a:solidFill>
+              <a:srgbClr val="C9DFDD"/>
+            </a:solidFill>
+            <a:ln w="19050" cap="rnd">
+              <a:solidFill>
+                <a:srgbClr val="40352D"/>
+              </a:solidFill>
+              <a:prstDash val="solid"/>
+              <a:round/>
+            </a:ln>
+          </p:spPr>
+          <p:txBody>
+            <a:bodyPr/>
+            <a:lstStyle/>
+            <a:p>
+              <a:endParaRPr lang="ko-KR" altLang="en-US" dirty="0"/>
+            </a:p>
+          </p:txBody>
+        </p:sp>
+        <p:sp>
+          <p:nvSpPr>
+            <p:cNvPr id="36" name="TextBox 36"/>
+            <p:cNvSpPr txBox="1"/>
+            <p:nvPr/>
+          </p:nvSpPr>
+          <p:spPr>
+            <a:xfrm>
+              <a:off x="0" y="-19050"/>
+              <a:ext cx="1027981" cy="1278467"/>
+            </a:xfrm>
+            <a:prstGeom prst="rect">
+              <a:avLst/>
+            </a:prstGeom>
+          </p:spPr>
+          <p:txBody>
+            <a:bodyPr lIns="50800" tIns="50800" rIns="50800" bIns="50800" rtlCol="0" anchor="ctr"/>
+            <a:lstStyle/>
+            <a:p>
+              <a:pPr algn="ctr">
+                <a:lnSpc>
+                  <a:spcPts val="2859"/>
+                </a:lnSpc>
+              </a:pPr>
+              <a:endParaRPr/>
+            </a:p>
+          </p:txBody>
+        </p:sp>
+      </p:grpSp>
+      <p:grpSp>
+        <p:nvGrpSpPr>
+          <p:cNvPr id="37" name="Group 37"/>
+          <p:cNvGrpSpPr/>
+          <p:nvPr/>
+        </p:nvGrpSpPr>
+        <p:grpSpPr>
+          <a:xfrm>
+            <a:off x="7756083" y="4243461"/>
+            <a:ext cx="2767373" cy="3444338"/>
+            <a:chOff x="0" y="0"/>
+            <a:chExt cx="1027981" cy="1259417"/>
+          </a:xfrm>
+        </p:grpSpPr>
+        <p:sp>
+          <p:nvSpPr>
+            <p:cNvPr id="38" name="Freeform 38"/>
+            <p:cNvSpPr/>
+            <p:nvPr/>
+          </p:nvSpPr>
+          <p:spPr>
+            <a:xfrm>
+              <a:off x="0" y="0"/>
+              <a:ext cx="1027981" cy="1259417"/>
+            </a:xfrm>
+            <a:custGeom>
+              <a:avLst/>
+              <a:gdLst/>
+              <a:ahLst/>
+              <a:cxnLst/>
+              <a:rect l="l" t="t" r="r" b="b"/>
+              <a:pathLst>
+                <a:path w="1027981" h="1259417">
+                  <a:moveTo>
+                    <a:pt x="70111" y="0"/>
+                  </a:moveTo>
+                  <a:lnTo>
+                    <a:pt x="957870" y="0"/>
+                  </a:lnTo>
+                  <a:cubicBezTo>
+                    <a:pt x="996591" y="0"/>
+                    <a:pt x="1027981" y="31390"/>
+                    <a:pt x="1027981" y="70111"/>
+                  </a:cubicBezTo>
+                  <a:lnTo>
+                    <a:pt x="1027981" y="1189306"/>
+                  </a:lnTo>
+                  <a:cubicBezTo>
+                    <a:pt x="1027981" y="1228027"/>
+                    <a:pt x="996591" y="1259417"/>
+                    <a:pt x="957870" y="1259417"/>
+                  </a:cubicBezTo>
+                  <a:lnTo>
+                    <a:pt x="70111" y="1259417"/>
+                  </a:lnTo>
+                  <a:cubicBezTo>
+                    <a:pt x="51516" y="1259417"/>
+                    <a:pt x="33683" y="1252030"/>
+                    <a:pt x="20535" y="1238882"/>
+                  </a:cubicBezTo>
+                  <a:cubicBezTo>
+                    <a:pt x="7387" y="1225733"/>
+                    <a:pt x="0" y="1207900"/>
+                    <a:pt x="0" y="1189306"/>
+                  </a:cubicBezTo>
+                  <a:lnTo>
+                    <a:pt x="0" y="70111"/>
+                  </a:lnTo>
+                  <a:cubicBezTo>
+                    <a:pt x="0" y="31390"/>
+                    <a:pt x="31390" y="0"/>
+                    <a:pt x="70111" y="0"/>
+                  </a:cubicBezTo>
+                  <a:close/>
+                </a:path>
+              </a:pathLst>
+            </a:custGeom>
+            <a:solidFill>
+              <a:srgbClr val="C9DFDD"/>
+            </a:solidFill>
+            <a:ln w="19050" cap="rnd">
+              <a:solidFill>
+                <a:srgbClr val="40352D"/>
+              </a:solidFill>
+              <a:prstDash val="solid"/>
+              <a:round/>
+            </a:ln>
+          </p:spPr>
+          <p:txBody>
+            <a:bodyPr/>
+            <a:lstStyle/>
+            <a:p>
+              <a:endParaRPr lang="ko-KR" altLang="en-US"/>
+            </a:p>
+          </p:txBody>
+        </p:sp>
+        <p:sp>
+          <p:nvSpPr>
+            <p:cNvPr id="39" name="TextBox 39"/>
+            <p:cNvSpPr txBox="1"/>
+            <p:nvPr/>
+          </p:nvSpPr>
+          <p:spPr>
+            <a:xfrm>
+              <a:off x="0" y="-19050"/>
+              <a:ext cx="1027981" cy="1278467"/>
+            </a:xfrm>
+            <a:prstGeom prst="rect">
+              <a:avLst/>
+            </a:prstGeom>
+          </p:spPr>
+          <p:txBody>
+            <a:bodyPr lIns="50800" tIns="50800" rIns="50800" bIns="50800" rtlCol="0" anchor="ctr"/>
+            <a:lstStyle/>
+            <a:p>
+              <a:pPr algn="ctr">
+                <a:lnSpc>
+                  <a:spcPts val="2859"/>
+                </a:lnSpc>
+              </a:pPr>
+              <a:endParaRPr/>
+            </a:p>
+          </p:txBody>
+        </p:sp>
+      </p:grpSp>
+      <p:grpSp>
+        <p:nvGrpSpPr>
+          <p:cNvPr id="40" name="Group 40"/>
+          <p:cNvGrpSpPr/>
+          <p:nvPr/>
+        </p:nvGrpSpPr>
+        <p:grpSpPr>
+          <a:xfrm>
+            <a:off x="10667271" y="4205759"/>
+            <a:ext cx="2767373" cy="3444338"/>
+            <a:chOff x="0" y="0"/>
+            <a:chExt cx="1027981" cy="1259417"/>
+          </a:xfrm>
+        </p:grpSpPr>
+        <p:sp>
+          <p:nvSpPr>
+            <p:cNvPr id="41" name="Freeform 41"/>
+            <p:cNvSpPr/>
+            <p:nvPr/>
+          </p:nvSpPr>
+          <p:spPr>
+            <a:xfrm>
+              <a:off x="0" y="0"/>
+              <a:ext cx="1027981" cy="1259417"/>
+            </a:xfrm>
+            <a:custGeom>
+              <a:avLst/>
+              <a:gdLst/>
+              <a:ahLst/>
+              <a:cxnLst/>
+              <a:rect l="l" t="t" r="r" b="b"/>
+              <a:pathLst>
+                <a:path w="1027981" h="1259417">
+                  <a:moveTo>
+                    <a:pt x="70111" y="0"/>
+                  </a:moveTo>
+                  <a:lnTo>
+                    <a:pt x="957870" y="0"/>
+                  </a:lnTo>
+                  <a:cubicBezTo>
+                    <a:pt x="996591" y="0"/>
+                    <a:pt x="1027981" y="31390"/>
+                    <a:pt x="1027981" y="70111"/>
+                  </a:cubicBezTo>
+                  <a:lnTo>
+                    <a:pt x="1027981" y="1189306"/>
+                  </a:lnTo>
+                  <a:cubicBezTo>
+                    <a:pt x="1027981" y="1228027"/>
+                    <a:pt x="996591" y="1259417"/>
+                    <a:pt x="957870" y="1259417"/>
+                  </a:cubicBezTo>
+                  <a:lnTo>
+                    <a:pt x="70111" y="1259417"/>
+                  </a:lnTo>
+                  <a:cubicBezTo>
+                    <a:pt x="51516" y="1259417"/>
+                    <a:pt x="33683" y="1252030"/>
+                    <a:pt x="20535" y="1238882"/>
+                  </a:cubicBezTo>
+                  <a:cubicBezTo>
+                    <a:pt x="7387" y="1225733"/>
+                    <a:pt x="0" y="1207900"/>
+                    <a:pt x="0" y="1189306"/>
+                  </a:cubicBezTo>
+                  <a:lnTo>
+                    <a:pt x="0" y="70111"/>
+                  </a:lnTo>
+                  <a:cubicBezTo>
+                    <a:pt x="0" y="31390"/>
+                    <a:pt x="31390" y="0"/>
+                    <a:pt x="70111" y="0"/>
+                  </a:cubicBezTo>
+                  <a:close/>
+                </a:path>
+              </a:pathLst>
+            </a:custGeom>
+            <a:solidFill>
+              <a:srgbClr val="C9DFDD"/>
+            </a:solidFill>
+            <a:ln w="19050" cap="rnd">
+              <a:solidFill>
+                <a:srgbClr val="40352D"/>
+              </a:solidFill>
+              <a:prstDash val="solid"/>
+              <a:round/>
+            </a:ln>
+          </p:spPr>
+          <p:txBody>
+            <a:bodyPr/>
+            <a:lstStyle/>
+            <a:p>
+              <a:endParaRPr lang="ko-KR" altLang="en-US"/>
+            </a:p>
+          </p:txBody>
+        </p:sp>
+        <p:sp>
+          <p:nvSpPr>
+            <p:cNvPr id="42" name="TextBox 42"/>
+            <p:cNvSpPr txBox="1"/>
+            <p:nvPr/>
+          </p:nvSpPr>
+          <p:spPr>
+            <a:xfrm>
+              <a:off x="0" y="-19050"/>
+              <a:ext cx="1027981" cy="1278467"/>
+            </a:xfrm>
+            <a:prstGeom prst="rect">
+              <a:avLst/>
+            </a:prstGeom>
+          </p:spPr>
+          <p:txBody>
+            <a:bodyPr lIns="50800" tIns="50800" rIns="50800" bIns="50800" rtlCol="0" anchor="ctr"/>
+            <a:lstStyle/>
+            <a:p>
+              <a:pPr algn="ctr">
+                <a:lnSpc>
+                  <a:spcPts val="2859"/>
+                </a:lnSpc>
+              </a:pPr>
+              <a:endParaRPr/>
+            </a:p>
+          </p:txBody>
+        </p:sp>
+      </p:grpSp>
       <p:sp>
         <p:nvSpPr>
-          <p:cNvPr id="31" name="TextBox 31"/>
+          <p:cNvPr id="56" name="TextBox 56"/>
           <p:cNvSpPr txBox="1"/>
           <p:nvPr/>
         </p:nvSpPr>
         <p:spPr>
           <a:xfrm>
-            <a:off x="2622476" y="3836035"/>
-            <a:ext cx="6041891" cy="2739009"/>
+            <a:off x="2115493" y="4217411"/>
+            <a:ext cx="2396894" cy="594202"/>
           </a:xfrm>
           <a:prstGeom prst="rect">
             <a:avLst/>
           </a:prstGeom>
         </p:spPr>
         <p:txBody>
-          <a:bodyPr lIns="0" tIns="0" rIns="0" bIns="0" rtlCol="0" anchor="t">
+          <a:bodyPr wrap="square" lIns="0" tIns="0" rIns="0" bIns="0" rtlCol="0" anchor="t">
             <a:spAutoFit/>
           </a:bodyPr>
           <a:lstStyle/>
           <a:p>
-            <a:pPr algn="just">
+            <a:pPr algn="ctr">
               <a:lnSpc>
-                <a:spcPts val="4367"/>
+                <a:spcPts val="5049"/>
               </a:lnSpc>
+              <a:spcBef>
+                <a:spcPct val="0"/>
+              </a:spcBef>
             </a:pPr>
             <a:r>
-              <a:rPr lang="en-US" sz="2799">
+              <a:rPr lang="ko-KR" altLang="en-US" sz="2800" dirty="0">
                 <a:solidFill>
                   <a:srgbClr val="40352D"/>
                 </a:solidFill>
-                <a:latin typeface="210 디딤고딕 Light"/>
-                <a:ea typeface="210 디딤고딕 Light"/>
+                <a:latin typeface="Tlab 라곰 Bold"/>
+                <a:ea typeface="Tlab 라곰 Bold"/>
               </a:rPr>
-              <a:t>프로젝트 성과로는 증가한 매출액이나 수익, 브랜드 인지도의 향상, 고객 충성도 증가, 새로운 고객 유치율 증가 등이 있을 수 있습니다. 프로젝트를 통해 달성한 성과를 이곳에 작성해주세요.</a:t>
+              <a:t>기획 발표</a:t>
             </a:r>
+            <a:r>
+              <a:rPr lang="en-US" altLang="ko-KR" sz="2800" dirty="0">
+                <a:solidFill>
+                  <a:srgbClr val="40352D"/>
+                </a:solidFill>
+                <a:latin typeface="Tlab 라곰 Bold"/>
+                <a:ea typeface="Tlab 라곰 Bold"/>
+              </a:rPr>
+              <a:t>(5/16)</a:t>
+            </a:r>
+            <a:endParaRPr lang="en-US" sz="2800" dirty="0">
+              <a:solidFill>
+                <a:srgbClr val="40352D"/>
+              </a:solidFill>
+              <a:latin typeface="Tlab 라곰 Bold"/>
+              <a:ea typeface="Tlab 라곰 Bold"/>
+            </a:endParaRPr>
           </a:p>
         </p:txBody>
       </p:sp>
-      <p:pic>
-        <p:nvPicPr>
-          <p:cNvPr id="32" name="Picture 32"/>
-          <p:cNvPicPr>
-            <a:picLocks noChangeAspect="1"/>
-          </p:cNvPicPr>
+      <p:sp>
+        <p:nvSpPr>
+          <p:cNvPr id="60" name="TextBox 60"/>
+          <p:cNvSpPr txBox="1"/>
           <p:nvPr/>
-        </p:nvPicPr>
-        <p:blipFill>
-          <a:blip r:embed="rId4"/>
-          <a:stretch>
-            <a:fillRect/>
-          </a:stretch>
-        </p:blipFill>
+        </p:nvSpPr>
         <p:spPr>
           <a:xfrm>
-            <a:off x="9584343" y="2668729"/>
-            <a:ext cx="7013353" cy="6561890"/>
+            <a:off x="2198224" y="5123157"/>
+            <a:ext cx="2237231" cy="1107996"/>
           </a:xfrm>
           <a:prstGeom prst="rect">
             <a:avLst/>
           </a:prstGeom>
         </p:spPr>
-      </p:pic>
+        <p:txBody>
+          <a:bodyPr wrap="square" lIns="0" tIns="0" rIns="0" bIns="0" rtlCol="0" anchor="t">
+            <a:spAutoFit/>
+          </a:bodyPr>
+          <a:lstStyle/>
+          <a:p>
+            <a:pPr marL="457200" indent="-457200">
+              <a:spcBef>
+                <a:spcPct val="0"/>
+              </a:spcBef>
+              <a:buFontTx/>
+              <a:buChar char="-"/>
+            </a:pPr>
+            <a:r>
+              <a:rPr lang="ko-KR" altLang="en-US" sz="2400" dirty="0">
+                <a:solidFill>
+                  <a:srgbClr val="40352D"/>
+                </a:solidFill>
+                <a:ea typeface="210 디딤고딕 Light"/>
+              </a:rPr>
+              <a:t>사용 </a:t>
+            </a:r>
+            <a:r>
+              <a:rPr lang="en-US" altLang="ko-KR" sz="2400" dirty="0" err="1">
+                <a:solidFill>
+                  <a:srgbClr val="40352D"/>
+                </a:solidFill>
+                <a:ea typeface="210 디딤고딕 Light"/>
+              </a:rPr>
+              <a:t>api</a:t>
+            </a:r>
+            <a:r>
+              <a:rPr lang="en-US" altLang="ko-KR" sz="2400" dirty="0">
+                <a:solidFill>
+                  <a:srgbClr val="40352D"/>
+                </a:solidFill>
+                <a:ea typeface="210 디딤고딕 Light"/>
+              </a:rPr>
+              <a:t> </a:t>
+            </a:r>
+            <a:r>
+              <a:rPr lang="ko-KR" altLang="en-US" sz="2400" dirty="0">
+                <a:solidFill>
+                  <a:srgbClr val="40352D"/>
+                </a:solidFill>
+                <a:ea typeface="210 디딤고딕 Light"/>
+              </a:rPr>
+              <a:t>선정</a:t>
+            </a:r>
+            <a:endParaRPr lang="en-US" altLang="ko-KR" sz="2400" dirty="0">
+              <a:solidFill>
+                <a:srgbClr val="40352D"/>
+              </a:solidFill>
+              <a:ea typeface="210 디딤고딕 Light"/>
+            </a:endParaRPr>
+          </a:p>
+          <a:p>
+            <a:pPr marL="457200" indent="-457200">
+              <a:spcBef>
+                <a:spcPct val="0"/>
+              </a:spcBef>
+              <a:buFontTx/>
+              <a:buChar char="-"/>
+            </a:pPr>
+            <a:r>
+              <a:rPr lang="en-US" sz="2400" dirty="0">
+                <a:solidFill>
+                  <a:srgbClr val="40352D"/>
+                </a:solidFill>
+                <a:ea typeface="210 디딤고딕 Light"/>
+              </a:rPr>
+              <a:t>PPT </a:t>
+            </a:r>
+            <a:r>
+              <a:rPr lang="ko-KR" altLang="en-US" sz="2400" dirty="0">
+                <a:solidFill>
+                  <a:srgbClr val="40352D"/>
+                </a:solidFill>
+                <a:ea typeface="210 디딤고딕 Light"/>
+              </a:rPr>
+              <a:t>제작</a:t>
+            </a:r>
+            <a:endParaRPr lang="en-US" altLang="ko-KR" sz="2400" dirty="0">
+              <a:solidFill>
+                <a:srgbClr val="40352D"/>
+              </a:solidFill>
+              <a:ea typeface="210 디딤고딕 Light"/>
+            </a:endParaRPr>
+          </a:p>
+          <a:p>
+            <a:pPr marL="457200" indent="-457200">
+              <a:spcBef>
+                <a:spcPct val="0"/>
+              </a:spcBef>
+              <a:buFontTx/>
+              <a:buChar char="-"/>
+            </a:pPr>
+            <a:r>
+              <a:rPr lang="ko-KR" altLang="en-US" sz="2400" dirty="0">
+                <a:solidFill>
+                  <a:srgbClr val="40352D"/>
+                </a:solidFill>
+                <a:ea typeface="210 디딤고딕 Light"/>
+              </a:rPr>
+              <a:t>기획</a:t>
+            </a:r>
+            <a:endParaRPr lang="en-US" sz="2400" dirty="0">
+              <a:solidFill>
+                <a:srgbClr val="40352D"/>
+              </a:solidFill>
+              <a:ea typeface="210 디딤고딕 Light"/>
+            </a:endParaRPr>
+          </a:p>
+        </p:txBody>
+      </p:sp>
+      <p:grpSp>
+        <p:nvGrpSpPr>
+          <p:cNvPr id="64" name="Group 40">
+            <a:extLst>
+              <a:ext uri="{FF2B5EF4-FFF2-40B4-BE49-F238E27FC236}">
+                <a16:creationId xmlns:a16="http://schemas.microsoft.com/office/drawing/2014/main" id="{DB924D38-3A01-4EAB-7422-8D109C2371E0}"/>
+              </a:ext>
+            </a:extLst>
+          </p:cNvPr>
+          <p:cNvGrpSpPr/>
+          <p:nvPr/>
+        </p:nvGrpSpPr>
+        <p:grpSpPr>
+          <a:xfrm>
+            <a:off x="13578459" y="4217411"/>
+            <a:ext cx="2767373" cy="3444338"/>
+            <a:chOff x="0" y="0"/>
+            <a:chExt cx="1027981" cy="1259417"/>
+          </a:xfrm>
+        </p:grpSpPr>
+        <p:sp>
+          <p:nvSpPr>
+            <p:cNvPr id="65" name="Freeform 41">
+              <a:extLst>
+                <a:ext uri="{FF2B5EF4-FFF2-40B4-BE49-F238E27FC236}">
+                  <a16:creationId xmlns:a16="http://schemas.microsoft.com/office/drawing/2014/main" id="{FA22F9F6-2220-945B-A227-10BF85C4A89E}"/>
+                </a:ext>
+              </a:extLst>
+            </p:cNvPr>
+            <p:cNvSpPr/>
+            <p:nvPr/>
+          </p:nvSpPr>
+          <p:spPr>
+            <a:xfrm>
+              <a:off x="0" y="0"/>
+              <a:ext cx="1027981" cy="1259417"/>
+            </a:xfrm>
+            <a:custGeom>
+              <a:avLst/>
+              <a:gdLst/>
+              <a:ahLst/>
+              <a:cxnLst/>
+              <a:rect l="l" t="t" r="r" b="b"/>
+              <a:pathLst>
+                <a:path w="1027981" h="1259417">
+                  <a:moveTo>
+                    <a:pt x="70111" y="0"/>
+                  </a:moveTo>
+                  <a:lnTo>
+                    <a:pt x="957870" y="0"/>
+                  </a:lnTo>
+                  <a:cubicBezTo>
+                    <a:pt x="996591" y="0"/>
+                    <a:pt x="1027981" y="31390"/>
+                    <a:pt x="1027981" y="70111"/>
+                  </a:cubicBezTo>
+                  <a:lnTo>
+                    <a:pt x="1027981" y="1189306"/>
+                  </a:lnTo>
+                  <a:cubicBezTo>
+                    <a:pt x="1027981" y="1228027"/>
+                    <a:pt x="996591" y="1259417"/>
+                    <a:pt x="957870" y="1259417"/>
+                  </a:cubicBezTo>
+                  <a:lnTo>
+                    <a:pt x="70111" y="1259417"/>
+                  </a:lnTo>
+                  <a:cubicBezTo>
+                    <a:pt x="51516" y="1259417"/>
+                    <a:pt x="33683" y="1252030"/>
+                    <a:pt x="20535" y="1238882"/>
+                  </a:cubicBezTo>
+                  <a:cubicBezTo>
+                    <a:pt x="7387" y="1225733"/>
+                    <a:pt x="0" y="1207900"/>
+                    <a:pt x="0" y="1189306"/>
+                  </a:cubicBezTo>
+                  <a:lnTo>
+                    <a:pt x="0" y="70111"/>
+                  </a:lnTo>
+                  <a:cubicBezTo>
+                    <a:pt x="0" y="31390"/>
+                    <a:pt x="31390" y="0"/>
+                    <a:pt x="70111" y="0"/>
+                  </a:cubicBezTo>
+                  <a:close/>
+                </a:path>
+              </a:pathLst>
+            </a:custGeom>
+            <a:solidFill>
+              <a:srgbClr val="C9DFDD"/>
+            </a:solidFill>
+            <a:ln w="19050" cap="rnd">
+              <a:solidFill>
+                <a:srgbClr val="40352D"/>
+              </a:solidFill>
+              <a:prstDash val="solid"/>
+              <a:round/>
+            </a:ln>
+          </p:spPr>
+          <p:txBody>
+            <a:bodyPr/>
+            <a:lstStyle/>
+            <a:p>
+              <a:endParaRPr lang="ko-KR" altLang="en-US"/>
+            </a:p>
+          </p:txBody>
+        </p:sp>
+        <p:sp>
+          <p:nvSpPr>
+            <p:cNvPr id="66" name="TextBox 42">
+              <a:extLst>
+                <a:ext uri="{FF2B5EF4-FFF2-40B4-BE49-F238E27FC236}">
+                  <a16:creationId xmlns:a16="http://schemas.microsoft.com/office/drawing/2014/main" id="{FBE43DDB-1BF3-0AC3-71C4-CD84591A1388}"/>
+                </a:ext>
+              </a:extLst>
+            </p:cNvPr>
+            <p:cNvSpPr txBox="1"/>
+            <p:nvPr/>
+          </p:nvSpPr>
+          <p:spPr>
+            <a:xfrm>
+              <a:off x="0" y="-19050"/>
+              <a:ext cx="1027981" cy="1278467"/>
+            </a:xfrm>
+            <a:prstGeom prst="rect">
+              <a:avLst/>
+            </a:prstGeom>
+          </p:spPr>
+          <p:txBody>
+            <a:bodyPr lIns="50800" tIns="50800" rIns="50800" bIns="50800" rtlCol="0" anchor="ctr"/>
+            <a:lstStyle/>
+            <a:p>
+              <a:pPr algn="ctr">
+                <a:lnSpc>
+                  <a:spcPts val="2859"/>
+                </a:lnSpc>
+              </a:pPr>
+              <a:endParaRPr/>
+            </a:p>
+          </p:txBody>
+        </p:sp>
+      </p:grpSp>
+      <p:sp>
+        <p:nvSpPr>
+          <p:cNvPr id="67" name="TextBox 56">
+            <a:extLst>
+              <a:ext uri="{FF2B5EF4-FFF2-40B4-BE49-F238E27FC236}">
+                <a16:creationId xmlns:a16="http://schemas.microsoft.com/office/drawing/2014/main" id="{A9953369-6A21-BBDB-6CEA-0B63E7256F1C}"/>
+              </a:ext>
+            </a:extLst>
+          </p:cNvPr>
+          <p:cNvSpPr txBox="1"/>
+          <p:nvPr/>
+        </p:nvSpPr>
+        <p:spPr>
+          <a:xfrm>
+            <a:off x="5025758" y="4217411"/>
+            <a:ext cx="2396894" cy="594202"/>
+          </a:xfrm>
+          <a:prstGeom prst="rect">
+            <a:avLst/>
+          </a:prstGeom>
+        </p:spPr>
+        <p:txBody>
+          <a:bodyPr wrap="square" lIns="0" tIns="0" rIns="0" bIns="0" rtlCol="0" anchor="t">
+            <a:spAutoFit/>
+          </a:bodyPr>
+          <a:lstStyle/>
+          <a:p>
+            <a:pPr algn="ctr">
+              <a:lnSpc>
+                <a:spcPts val="5049"/>
+              </a:lnSpc>
+              <a:spcBef>
+                <a:spcPct val="0"/>
+              </a:spcBef>
+            </a:pPr>
+            <a:r>
+              <a:rPr lang="en-US" sz="3300" dirty="0">
+                <a:solidFill>
+                  <a:srgbClr val="40352D"/>
+                </a:solidFill>
+                <a:latin typeface="Tlab 라곰 Bold"/>
+                <a:ea typeface="Tlab 라곰 Bold"/>
+              </a:rPr>
+              <a:t>1</a:t>
+            </a:r>
+            <a:r>
+              <a:rPr lang="ko-KR" altLang="en-US" sz="3300" dirty="0">
+                <a:solidFill>
+                  <a:srgbClr val="40352D"/>
+                </a:solidFill>
+                <a:latin typeface="Tlab 라곰 Bold"/>
+                <a:ea typeface="Tlab 라곰 Bold"/>
+              </a:rPr>
+              <a:t>차 개발</a:t>
+            </a:r>
+            <a:endParaRPr lang="en-US" sz="3300" dirty="0">
+              <a:solidFill>
+                <a:srgbClr val="40352D"/>
+              </a:solidFill>
+              <a:latin typeface="Tlab 라곰 Bold"/>
+              <a:ea typeface="Tlab 라곰 Bold"/>
+            </a:endParaRPr>
+          </a:p>
+        </p:txBody>
+      </p:sp>
+      <p:sp>
+        <p:nvSpPr>
+          <p:cNvPr id="43" name="AutoShape 43"/>
+          <p:cNvSpPr/>
+          <p:nvPr/>
+        </p:nvSpPr>
+        <p:spPr>
+          <a:xfrm>
+            <a:off x="1931886" y="4843536"/>
+            <a:ext cx="14413946" cy="0"/>
+          </a:xfrm>
+          <a:prstGeom prst="line">
+            <a:avLst/>
+          </a:prstGeom>
+          <a:ln w="19050" cap="flat">
+            <a:solidFill>
+              <a:srgbClr val="40352D"/>
+            </a:solidFill>
+            <a:prstDash val="solid"/>
+            <a:headEnd type="none" w="sm" len="sm"/>
+            <a:tailEnd type="none" w="sm" len="sm"/>
+          </a:ln>
+        </p:spPr>
+        <p:txBody>
+          <a:bodyPr/>
+          <a:lstStyle/>
+          <a:p>
+            <a:endParaRPr lang="ko-KR" altLang="en-US"/>
+          </a:p>
+        </p:txBody>
+      </p:sp>
+      <p:sp>
+        <p:nvSpPr>
+          <p:cNvPr id="68" name="TextBox 56">
+            <a:extLst>
+              <a:ext uri="{FF2B5EF4-FFF2-40B4-BE49-F238E27FC236}">
+                <a16:creationId xmlns:a16="http://schemas.microsoft.com/office/drawing/2014/main" id="{B0CB8DDA-EF00-F46E-DBE7-464F6366D1E7}"/>
+              </a:ext>
+            </a:extLst>
+          </p:cNvPr>
+          <p:cNvSpPr txBox="1"/>
+          <p:nvPr/>
+        </p:nvSpPr>
+        <p:spPr>
+          <a:xfrm>
+            <a:off x="7942707" y="4191781"/>
+            <a:ext cx="2396894" cy="577081"/>
+          </a:xfrm>
+          <a:prstGeom prst="rect">
+            <a:avLst/>
+          </a:prstGeom>
+        </p:spPr>
+        <p:txBody>
+          <a:bodyPr wrap="square" lIns="0" tIns="0" rIns="0" bIns="0" rtlCol="0" anchor="t">
+            <a:spAutoFit/>
+          </a:bodyPr>
+          <a:lstStyle/>
+          <a:p>
+            <a:pPr algn="ctr">
+              <a:lnSpc>
+                <a:spcPts val="5049"/>
+              </a:lnSpc>
+              <a:spcBef>
+                <a:spcPct val="0"/>
+              </a:spcBef>
+            </a:pPr>
+            <a:r>
+              <a:rPr lang="ko-KR" altLang="en-US" sz="2800" dirty="0">
+                <a:solidFill>
+                  <a:srgbClr val="40352D"/>
+                </a:solidFill>
+                <a:latin typeface="Tlab 라곰 Bold"/>
+                <a:ea typeface="Tlab 라곰 Bold"/>
+              </a:rPr>
+              <a:t>중간 발표</a:t>
+            </a:r>
+            <a:r>
+              <a:rPr lang="en-US" altLang="ko-KR" sz="2800" dirty="0">
+                <a:solidFill>
+                  <a:srgbClr val="40352D"/>
+                </a:solidFill>
+                <a:latin typeface="Tlab 라곰 Bold"/>
+                <a:ea typeface="Tlab 라곰 Bold"/>
+              </a:rPr>
+              <a:t>(5/30)</a:t>
+            </a:r>
+            <a:endParaRPr lang="en-US" sz="2800" dirty="0">
+              <a:solidFill>
+                <a:srgbClr val="40352D"/>
+              </a:solidFill>
+              <a:latin typeface="Tlab 라곰 Bold"/>
+              <a:ea typeface="Tlab 라곰 Bold"/>
+            </a:endParaRPr>
+          </a:p>
+        </p:txBody>
+      </p:sp>
+      <p:sp>
+        <p:nvSpPr>
+          <p:cNvPr id="69" name="TextBox 56">
+            <a:extLst>
+              <a:ext uri="{FF2B5EF4-FFF2-40B4-BE49-F238E27FC236}">
+                <a16:creationId xmlns:a16="http://schemas.microsoft.com/office/drawing/2014/main" id="{CBFA7995-F597-30FC-97CC-79D3A1AC2015}"/>
+              </a:ext>
+            </a:extLst>
+          </p:cNvPr>
+          <p:cNvSpPr txBox="1"/>
+          <p:nvPr/>
+        </p:nvSpPr>
+        <p:spPr>
+          <a:xfrm>
+            <a:off x="10852972" y="4191781"/>
+            <a:ext cx="2396894" cy="594202"/>
+          </a:xfrm>
+          <a:prstGeom prst="rect">
+            <a:avLst/>
+          </a:prstGeom>
+        </p:spPr>
+        <p:txBody>
+          <a:bodyPr wrap="square" lIns="0" tIns="0" rIns="0" bIns="0" rtlCol="0" anchor="t">
+            <a:spAutoFit/>
+          </a:bodyPr>
+          <a:lstStyle/>
+          <a:p>
+            <a:pPr algn="ctr">
+              <a:lnSpc>
+                <a:spcPts val="5049"/>
+              </a:lnSpc>
+              <a:spcBef>
+                <a:spcPct val="0"/>
+              </a:spcBef>
+            </a:pPr>
+            <a:r>
+              <a:rPr lang="en-US" altLang="ko-KR" sz="3300" dirty="0">
+                <a:solidFill>
+                  <a:srgbClr val="40352D"/>
+                </a:solidFill>
+                <a:latin typeface="Tlab 라곰 Bold"/>
+                <a:ea typeface="Tlab 라곰 Bold"/>
+              </a:rPr>
+              <a:t>2</a:t>
+            </a:r>
+            <a:r>
+              <a:rPr lang="ko-KR" altLang="en-US" sz="3300" dirty="0">
+                <a:solidFill>
+                  <a:srgbClr val="40352D"/>
+                </a:solidFill>
+                <a:latin typeface="Tlab 라곰 Bold"/>
+                <a:ea typeface="Tlab 라곰 Bold"/>
+              </a:rPr>
+              <a:t>차 개발</a:t>
+            </a:r>
+            <a:endParaRPr lang="en-US" sz="3300" dirty="0">
+              <a:solidFill>
+                <a:srgbClr val="40352D"/>
+              </a:solidFill>
+              <a:latin typeface="Tlab 라곰 Bold"/>
+              <a:ea typeface="Tlab 라곰 Bold"/>
+            </a:endParaRPr>
+          </a:p>
+        </p:txBody>
+      </p:sp>
+      <p:sp>
+        <p:nvSpPr>
+          <p:cNvPr id="70" name="TextBox 56">
+            <a:extLst>
+              <a:ext uri="{FF2B5EF4-FFF2-40B4-BE49-F238E27FC236}">
+                <a16:creationId xmlns:a16="http://schemas.microsoft.com/office/drawing/2014/main" id="{F05B899C-8E3E-1DA1-CA4A-33687C726798}"/>
+              </a:ext>
+            </a:extLst>
+          </p:cNvPr>
+          <p:cNvSpPr txBox="1"/>
+          <p:nvPr/>
+        </p:nvSpPr>
+        <p:spPr>
+          <a:xfrm>
+            <a:off x="13761509" y="4203889"/>
+            <a:ext cx="2396894" cy="577081"/>
+          </a:xfrm>
+          <a:prstGeom prst="rect">
+            <a:avLst/>
+          </a:prstGeom>
+        </p:spPr>
+        <p:txBody>
+          <a:bodyPr wrap="square" lIns="0" tIns="0" rIns="0" bIns="0" rtlCol="0" anchor="t">
+            <a:spAutoFit/>
+          </a:bodyPr>
+          <a:lstStyle/>
+          <a:p>
+            <a:pPr algn="ctr">
+              <a:lnSpc>
+                <a:spcPts val="5049"/>
+              </a:lnSpc>
+              <a:spcBef>
+                <a:spcPct val="0"/>
+              </a:spcBef>
+            </a:pPr>
+            <a:r>
+              <a:rPr lang="ko-KR" altLang="en-US" sz="2800" dirty="0">
+                <a:solidFill>
+                  <a:srgbClr val="40352D"/>
+                </a:solidFill>
+                <a:latin typeface="Tlab 라곰 Bold"/>
+                <a:ea typeface="Tlab 라곰 Bold"/>
+              </a:rPr>
+              <a:t>최종 발표</a:t>
+            </a:r>
+            <a:r>
+              <a:rPr lang="en-US" altLang="ko-KR" sz="2800" dirty="0">
+                <a:solidFill>
+                  <a:srgbClr val="40352D"/>
+                </a:solidFill>
+                <a:latin typeface="Tlab 라곰 Bold"/>
+                <a:ea typeface="Tlab 라곰 Bold"/>
+              </a:rPr>
+              <a:t>(6/13)</a:t>
+            </a:r>
+            <a:endParaRPr lang="en-US" sz="2800" dirty="0">
+              <a:solidFill>
+                <a:srgbClr val="40352D"/>
+              </a:solidFill>
+              <a:latin typeface="Tlab 라곰 Bold"/>
+              <a:ea typeface="Tlab 라곰 Bold"/>
+            </a:endParaRPr>
+          </a:p>
+        </p:txBody>
+      </p:sp>
+      <p:sp>
+        <p:nvSpPr>
+          <p:cNvPr id="71" name="TextBox 60">
+            <a:extLst>
+              <a:ext uri="{FF2B5EF4-FFF2-40B4-BE49-F238E27FC236}">
+                <a16:creationId xmlns:a16="http://schemas.microsoft.com/office/drawing/2014/main" id="{418EC812-DFC2-BAF1-7568-604027BAF36E}"/>
+              </a:ext>
+            </a:extLst>
+          </p:cNvPr>
+          <p:cNvSpPr txBox="1"/>
+          <p:nvPr/>
+        </p:nvSpPr>
+        <p:spPr>
+          <a:xfrm>
+            <a:off x="5104995" y="5123157"/>
+            <a:ext cx="2237231" cy="1107996"/>
+          </a:xfrm>
+          <a:prstGeom prst="rect">
+            <a:avLst/>
+          </a:prstGeom>
+        </p:spPr>
+        <p:txBody>
+          <a:bodyPr wrap="square" lIns="0" tIns="0" rIns="0" bIns="0" rtlCol="0" anchor="t">
+            <a:spAutoFit/>
+          </a:bodyPr>
+          <a:lstStyle/>
+          <a:p>
+            <a:pPr>
+              <a:spcBef>
+                <a:spcPct val="0"/>
+              </a:spcBef>
+            </a:pPr>
+            <a:r>
+              <a:rPr lang="en-US" sz="2400" dirty="0">
+                <a:solidFill>
+                  <a:srgbClr val="40352D"/>
+                </a:solidFill>
+                <a:ea typeface="210 디딤고딕 Light"/>
+              </a:rPr>
+              <a:t>- </a:t>
+            </a:r>
+            <a:r>
+              <a:rPr lang="ko-KR" altLang="en-US" sz="2400" dirty="0">
+                <a:solidFill>
+                  <a:srgbClr val="40352D"/>
+                </a:solidFill>
+                <a:ea typeface="210 디딤고딕 Light"/>
+              </a:rPr>
+              <a:t>기획한 기능을 기반으로 주요 기능 구현</a:t>
+            </a:r>
+            <a:endParaRPr lang="en-US" sz="2400" dirty="0">
+              <a:solidFill>
+                <a:srgbClr val="40352D"/>
+              </a:solidFill>
+              <a:ea typeface="210 디딤고딕 Light"/>
+            </a:endParaRPr>
+          </a:p>
+        </p:txBody>
+      </p:sp>
+      <p:sp>
+        <p:nvSpPr>
+          <p:cNvPr id="72" name="TextBox 60">
+            <a:extLst>
+              <a:ext uri="{FF2B5EF4-FFF2-40B4-BE49-F238E27FC236}">
+                <a16:creationId xmlns:a16="http://schemas.microsoft.com/office/drawing/2014/main" id="{0971F3FA-C7DD-909E-5AC8-74CBA1452101}"/>
+              </a:ext>
+            </a:extLst>
+          </p:cNvPr>
+          <p:cNvSpPr txBox="1"/>
+          <p:nvPr/>
+        </p:nvSpPr>
+        <p:spPr>
+          <a:xfrm>
+            <a:off x="8025384" y="5123157"/>
+            <a:ext cx="2237231" cy="1477328"/>
+          </a:xfrm>
+          <a:prstGeom prst="rect">
+            <a:avLst/>
+          </a:prstGeom>
+        </p:spPr>
+        <p:txBody>
+          <a:bodyPr wrap="square" lIns="0" tIns="0" rIns="0" bIns="0" rtlCol="0" anchor="t">
+            <a:spAutoFit/>
+          </a:bodyPr>
+          <a:lstStyle/>
+          <a:p>
+            <a:pPr marL="342900" indent="-342900">
+              <a:spcBef>
+                <a:spcPct val="0"/>
+              </a:spcBef>
+              <a:buFontTx/>
+              <a:buChar char="-"/>
+            </a:pPr>
+            <a:r>
+              <a:rPr lang="ko-KR" altLang="en-US" sz="2400" dirty="0">
+                <a:solidFill>
+                  <a:srgbClr val="40352D"/>
+                </a:solidFill>
+                <a:ea typeface="210 디딤고딕 Light"/>
+              </a:rPr>
+              <a:t>검색</a:t>
+            </a:r>
+            <a:r>
+              <a:rPr lang="en-US" altLang="ko-KR" sz="2400" dirty="0">
+                <a:solidFill>
+                  <a:srgbClr val="40352D"/>
+                </a:solidFill>
+                <a:ea typeface="210 디딤고딕 Light"/>
+              </a:rPr>
+              <a:t>, </a:t>
+            </a:r>
+            <a:r>
+              <a:rPr lang="ko-KR" altLang="en-US" sz="2400" dirty="0">
+                <a:solidFill>
+                  <a:srgbClr val="40352D"/>
+                </a:solidFill>
+                <a:ea typeface="210 디딤고딕 Light"/>
+              </a:rPr>
+              <a:t>지도</a:t>
+            </a:r>
+            <a:r>
+              <a:rPr lang="en-US" altLang="ko-KR" sz="2400" dirty="0">
+                <a:solidFill>
+                  <a:srgbClr val="40352D"/>
+                </a:solidFill>
+                <a:ea typeface="210 디딤고딕 Light"/>
+              </a:rPr>
+              <a:t>, </a:t>
+            </a:r>
+            <a:r>
+              <a:rPr lang="ko-KR" altLang="en-US" sz="2400" dirty="0">
+                <a:solidFill>
+                  <a:srgbClr val="40352D"/>
+                </a:solidFill>
+                <a:ea typeface="210 디딤고딕 Light"/>
+              </a:rPr>
+              <a:t>북마크 기능 구현</a:t>
+            </a:r>
+            <a:endParaRPr lang="en-US" altLang="ko-KR" sz="2400" dirty="0">
+              <a:solidFill>
+                <a:srgbClr val="40352D"/>
+              </a:solidFill>
+              <a:ea typeface="210 디딤고딕 Light"/>
+            </a:endParaRPr>
+          </a:p>
+          <a:p>
+            <a:pPr marL="342900" indent="-342900">
+              <a:spcBef>
+                <a:spcPct val="0"/>
+              </a:spcBef>
+              <a:buFontTx/>
+              <a:buChar char="-"/>
+            </a:pPr>
+            <a:r>
+              <a:rPr lang="en-US" sz="2400" dirty="0">
+                <a:solidFill>
+                  <a:srgbClr val="40352D"/>
+                </a:solidFill>
+                <a:ea typeface="210 디딤고딕 Light"/>
+              </a:rPr>
+              <a:t>UI </a:t>
+            </a:r>
+            <a:r>
+              <a:rPr lang="ko-KR" altLang="en-US" sz="2400" dirty="0">
+                <a:solidFill>
+                  <a:srgbClr val="40352D"/>
+                </a:solidFill>
+                <a:ea typeface="210 디딤고딕 Light"/>
+              </a:rPr>
+              <a:t>구현</a:t>
+            </a:r>
+            <a:endParaRPr lang="en-US" sz="2400" dirty="0">
+              <a:solidFill>
+                <a:srgbClr val="40352D"/>
+              </a:solidFill>
+              <a:ea typeface="210 디딤고딕 Light"/>
+            </a:endParaRPr>
+          </a:p>
+        </p:txBody>
+      </p:sp>
+      <p:sp>
+        <p:nvSpPr>
+          <p:cNvPr id="73" name="TextBox 60">
+            <a:extLst>
+              <a:ext uri="{FF2B5EF4-FFF2-40B4-BE49-F238E27FC236}">
+                <a16:creationId xmlns:a16="http://schemas.microsoft.com/office/drawing/2014/main" id="{FA4DF3A8-2797-2E12-BAE7-501CF869A842}"/>
+              </a:ext>
+            </a:extLst>
+          </p:cNvPr>
+          <p:cNvSpPr txBox="1"/>
+          <p:nvPr/>
+        </p:nvSpPr>
+        <p:spPr>
+          <a:xfrm>
+            <a:off x="10924052" y="5133329"/>
+            <a:ext cx="2237231" cy="2215991"/>
+          </a:xfrm>
+          <a:prstGeom prst="rect">
+            <a:avLst/>
+          </a:prstGeom>
+        </p:spPr>
+        <p:txBody>
+          <a:bodyPr wrap="square" lIns="0" tIns="0" rIns="0" bIns="0" rtlCol="0" anchor="t">
+            <a:spAutoFit/>
+          </a:bodyPr>
+          <a:lstStyle/>
+          <a:p>
+            <a:pPr marL="457200" indent="-457200">
+              <a:spcBef>
+                <a:spcPct val="0"/>
+              </a:spcBef>
+              <a:buFontTx/>
+              <a:buChar char="-"/>
+            </a:pPr>
+            <a:r>
+              <a:rPr lang="ko-KR" altLang="en-US" sz="2400" dirty="0" err="1">
+                <a:solidFill>
+                  <a:srgbClr val="40352D"/>
+                </a:solidFill>
+                <a:ea typeface="210 디딤고딕 Light"/>
+              </a:rPr>
+              <a:t>텔레그램</a:t>
+            </a:r>
+            <a:r>
+              <a:rPr lang="ko-KR" altLang="en-US" sz="2400" dirty="0">
+                <a:solidFill>
+                  <a:srgbClr val="40352D"/>
+                </a:solidFill>
+                <a:ea typeface="210 디딤고딕 Light"/>
+              </a:rPr>
+              <a:t> 연동</a:t>
+            </a:r>
+            <a:endParaRPr lang="en-US" altLang="ko-KR" sz="2400" dirty="0">
+              <a:solidFill>
+                <a:srgbClr val="40352D"/>
+              </a:solidFill>
+              <a:ea typeface="210 디딤고딕 Light"/>
+            </a:endParaRPr>
+          </a:p>
+          <a:p>
+            <a:pPr marL="457200" indent="-457200">
+              <a:spcBef>
+                <a:spcPct val="0"/>
+              </a:spcBef>
+              <a:buFontTx/>
+              <a:buChar char="-"/>
+            </a:pPr>
+            <a:r>
+              <a:rPr lang="en-US" altLang="ko-KR" sz="2400" dirty="0">
+                <a:solidFill>
+                  <a:srgbClr val="40352D"/>
+                </a:solidFill>
+                <a:ea typeface="210 디딤고딕 Light"/>
+              </a:rPr>
+              <a:t>C++ </a:t>
+            </a:r>
+            <a:r>
+              <a:rPr lang="ko-KR" altLang="en-US" sz="2400" dirty="0">
+                <a:solidFill>
+                  <a:srgbClr val="40352D"/>
+                </a:solidFill>
+                <a:ea typeface="210 디딤고딕 Light"/>
+              </a:rPr>
+              <a:t>연동</a:t>
+            </a:r>
+            <a:endParaRPr lang="en-US" altLang="ko-KR" sz="2400" dirty="0">
+              <a:solidFill>
+                <a:srgbClr val="40352D"/>
+              </a:solidFill>
+              <a:ea typeface="210 디딤고딕 Light"/>
+            </a:endParaRPr>
+          </a:p>
+          <a:p>
+            <a:pPr marL="457200" indent="-457200">
+              <a:spcBef>
+                <a:spcPct val="0"/>
+              </a:spcBef>
+              <a:buFontTx/>
+              <a:buChar char="-"/>
+            </a:pPr>
+            <a:r>
+              <a:rPr lang="ko-KR" altLang="en-US" sz="2400" dirty="0">
+                <a:solidFill>
+                  <a:srgbClr val="40352D"/>
+                </a:solidFill>
+                <a:ea typeface="210 디딤고딕 Light"/>
+              </a:rPr>
+              <a:t>이메일 전송</a:t>
+            </a:r>
+            <a:endParaRPr lang="en-US" altLang="ko-KR" sz="2400" dirty="0">
+              <a:solidFill>
+                <a:srgbClr val="40352D"/>
+              </a:solidFill>
+              <a:ea typeface="210 디딤고딕 Light"/>
+            </a:endParaRPr>
+          </a:p>
+          <a:p>
+            <a:pPr marL="457200" indent="-457200">
+              <a:spcBef>
+                <a:spcPct val="0"/>
+              </a:spcBef>
+              <a:buFontTx/>
+              <a:buChar char="-"/>
+            </a:pPr>
+            <a:r>
+              <a:rPr lang="ko-KR" altLang="en-US" sz="2400" dirty="0">
+                <a:solidFill>
+                  <a:srgbClr val="40352D"/>
+                </a:solidFill>
+                <a:ea typeface="210 디딤고딕 Light"/>
+              </a:rPr>
+              <a:t>검색기능 추가</a:t>
+            </a:r>
+            <a:endParaRPr lang="en-US" altLang="ko-KR" sz="2400" dirty="0">
+              <a:solidFill>
+                <a:srgbClr val="40352D"/>
+              </a:solidFill>
+              <a:ea typeface="210 디딤고딕 Light"/>
+            </a:endParaRPr>
+          </a:p>
+        </p:txBody>
+      </p:sp>
+      <p:sp>
+        <p:nvSpPr>
+          <p:cNvPr id="74" name="TextBox 60">
+            <a:extLst>
+              <a:ext uri="{FF2B5EF4-FFF2-40B4-BE49-F238E27FC236}">
+                <a16:creationId xmlns:a16="http://schemas.microsoft.com/office/drawing/2014/main" id="{580E0F02-0819-A66C-107C-F8779407EEA9}"/>
+              </a:ext>
+            </a:extLst>
+          </p:cNvPr>
+          <p:cNvSpPr txBox="1"/>
+          <p:nvPr/>
+        </p:nvSpPr>
+        <p:spPr>
+          <a:xfrm>
+            <a:off x="13853641" y="5123157"/>
+            <a:ext cx="2237231" cy="369332"/>
+          </a:xfrm>
+          <a:prstGeom prst="rect">
+            <a:avLst/>
+          </a:prstGeom>
+        </p:spPr>
+        <p:txBody>
+          <a:bodyPr wrap="square" lIns="0" tIns="0" rIns="0" bIns="0" rtlCol="0" anchor="t">
+            <a:spAutoFit/>
+          </a:bodyPr>
+          <a:lstStyle/>
+          <a:p>
+            <a:pPr>
+              <a:spcBef>
+                <a:spcPct val="0"/>
+              </a:spcBef>
+            </a:pPr>
+            <a:r>
+              <a:rPr lang="en-US" sz="2400">
+                <a:solidFill>
+                  <a:srgbClr val="40352D"/>
+                </a:solidFill>
+                <a:ea typeface="210 디딤고딕 Light"/>
+              </a:rPr>
+              <a:t>- </a:t>
+            </a:r>
+            <a:r>
+              <a:rPr lang="ko-KR" altLang="en-US" sz="2400" dirty="0">
+                <a:solidFill>
+                  <a:srgbClr val="40352D"/>
+                </a:solidFill>
+                <a:ea typeface="210 디딤고딕 Light"/>
+              </a:rPr>
+              <a:t>프로그램 완성</a:t>
+            </a:r>
+            <a:endParaRPr lang="en-US" sz="2400" dirty="0">
+              <a:solidFill>
+                <a:srgbClr val="40352D"/>
+              </a:solidFill>
+              <a:ea typeface="210 디딤고딕 Light"/>
+            </a:endParaRPr>
+          </a:p>
+        </p:txBody>
+      </p:sp>
     </p:spTree>
   </p:cSld>
   <p:clrMapOvr>
@@ -20416,997 +22168,16 @@
           </p:txBody>
         </p:sp>
       </p:grpSp>
-      <p:grpSp>
-        <p:nvGrpSpPr>
-          <p:cNvPr id="30" name="Group 30"/>
-          <p:cNvGrpSpPr/>
-          <p:nvPr/>
-        </p:nvGrpSpPr>
-        <p:grpSpPr>
-          <a:xfrm>
-            <a:off x="3366281" y="3830126"/>
-            <a:ext cx="11555438" cy="1313374"/>
-            <a:chOff x="0" y="0"/>
-            <a:chExt cx="5410502" cy="614950"/>
-          </a:xfrm>
-        </p:grpSpPr>
-        <p:sp>
-          <p:nvSpPr>
-            <p:cNvPr id="31" name="Freeform 31"/>
-            <p:cNvSpPr/>
-            <p:nvPr/>
-          </p:nvSpPr>
-          <p:spPr>
-            <a:xfrm>
-              <a:off x="0" y="0"/>
-              <a:ext cx="5410502" cy="614950"/>
-            </a:xfrm>
-            <a:custGeom>
-              <a:avLst/>
-              <a:gdLst/>
-              <a:ahLst/>
-              <a:cxnLst/>
-              <a:rect l="l" t="t" r="r" b="b"/>
-              <a:pathLst>
-                <a:path w="5410502" h="614950">
-                  <a:moveTo>
-                    <a:pt x="19429" y="0"/>
-                  </a:moveTo>
-                  <a:lnTo>
-                    <a:pt x="5391073" y="0"/>
-                  </a:lnTo>
-                  <a:cubicBezTo>
-                    <a:pt x="5401804" y="0"/>
-                    <a:pt x="5410502" y="8699"/>
-                    <a:pt x="5410502" y="19429"/>
-                  </a:cubicBezTo>
-                  <a:lnTo>
-                    <a:pt x="5410502" y="595520"/>
-                  </a:lnTo>
-                  <a:cubicBezTo>
-                    <a:pt x="5410502" y="606251"/>
-                    <a:pt x="5401804" y="614950"/>
-                    <a:pt x="5391073" y="614950"/>
-                  </a:cubicBezTo>
-                  <a:lnTo>
-                    <a:pt x="19429" y="614950"/>
-                  </a:lnTo>
-                  <a:cubicBezTo>
-                    <a:pt x="8699" y="614950"/>
-                    <a:pt x="0" y="606251"/>
-                    <a:pt x="0" y="595520"/>
-                  </a:cubicBezTo>
-                  <a:lnTo>
-                    <a:pt x="0" y="19429"/>
-                  </a:lnTo>
-                  <a:cubicBezTo>
-                    <a:pt x="0" y="8699"/>
-                    <a:pt x="8699" y="0"/>
-                    <a:pt x="19429" y="0"/>
-                  </a:cubicBezTo>
-                  <a:close/>
-                </a:path>
-              </a:pathLst>
-            </a:custGeom>
-            <a:solidFill>
-              <a:srgbClr val="000000">
-                <a:alpha val="0"/>
-              </a:srgbClr>
-            </a:solidFill>
-            <a:ln w="19050" cap="rnd">
-              <a:solidFill>
-                <a:srgbClr val="40352D"/>
-              </a:solidFill>
-              <a:prstDash val="solid"/>
-              <a:round/>
-            </a:ln>
-          </p:spPr>
-          <p:txBody>
-            <a:bodyPr/>
-            <a:lstStyle/>
-            <a:p>
-              <a:endParaRPr lang="ko-KR" altLang="en-US"/>
-            </a:p>
-          </p:txBody>
-        </p:sp>
-        <p:sp>
-          <p:nvSpPr>
-            <p:cNvPr id="32" name="TextBox 32"/>
-            <p:cNvSpPr txBox="1"/>
-            <p:nvPr/>
-          </p:nvSpPr>
-          <p:spPr>
-            <a:xfrm>
-              <a:off x="0" y="-19050"/>
-              <a:ext cx="5410502" cy="634000"/>
-            </a:xfrm>
-            <a:prstGeom prst="rect">
-              <a:avLst/>
-            </a:prstGeom>
-          </p:spPr>
-          <p:txBody>
-            <a:bodyPr lIns="28575" tIns="28575" rIns="28575" bIns="28575" rtlCol="0" anchor="ctr"/>
-            <a:lstStyle/>
-            <a:p>
-              <a:pPr marL="0" lvl="0" indent="0" algn="ctr">
-                <a:lnSpc>
-                  <a:spcPts val="1496"/>
-                </a:lnSpc>
-                <a:spcBef>
-                  <a:spcPct val="0"/>
-                </a:spcBef>
-              </a:pPr>
-              <a:endParaRPr/>
-            </a:p>
-          </p:txBody>
-        </p:sp>
-      </p:grpSp>
-      <p:grpSp>
-        <p:nvGrpSpPr>
-          <p:cNvPr id="33" name="Group 33"/>
-          <p:cNvGrpSpPr/>
-          <p:nvPr/>
-        </p:nvGrpSpPr>
-        <p:grpSpPr>
-          <a:xfrm>
-            <a:off x="3366281" y="5552766"/>
-            <a:ext cx="11555438" cy="1313374"/>
-            <a:chOff x="0" y="0"/>
-            <a:chExt cx="5410502" cy="614950"/>
-          </a:xfrm>
-        </p:grpSpPr>
-        <p:sp>
-          <p:nvSpPr>
-            <p:cNvPr id="34" name="Freeform 34"/>
-            <p:cNvSpPr/>
-            <p:nvPr/>
-          </p:nvSpPr>
-          <p:spPr>
-            <a:xfrm>
-              <a:off x="0" y="0"/>
-              <a:ext cx="5410502" cy="614950"/>
-            </a:xfrm>
-            <a:custGeom>
-              <a:avLst/>
-              <a:gdLst/>
-              <a:ahLst/>
-              <a:cxnLst/>
-              <a:rect l="l" t="t" r="r" b="b"/>
-              <a:pathLst>
-                <a:path w="5410502" h="614950">
-                  <a:moveTo>
-                    <a:pt x="19429" y="0"/>
-                  </a:moveTo>
-                  <a:lnTo>
-                    <a:pt x="5391073" y="0"/>
-                  </a:lnTo>
-                  <a:cubicBezTo>
-                    <a:pt x="5401804" y="0"/>
-                    <a:pt x="5410502" y="8699"/>
-                    <a:pt x="5410502" y="19429"/>
-                  </a:cubicBezTo>
-                  <a:lnTo>
-                    <a:pt x="5410502" y="595520"/>
-                  </a:lnTo>
-                  <a:cubicBezTo>
-                    <a:pt x="5410502" y="606251"/>
-                    <a:pt x="5401804" y="614950"/>
-                    <a:pt x="5391073" y="614950"/>
-                  </a:cubicBezTo>
-                  <a:lnTo>
-                    <a:pt x="19429" y="614950"/>
-                  </a:lnTo>
-                  <a:cubicBezTo>
-                    <a:pt x="8699" y="614950"/>
-                    <a:pt x="0" y="606251"/>
-                    <a:pt x="0" y="595520"/>
-                  </a:cubicBezTo>
-                  <a:lnTo>
-                    <a:pt x="0" y="19429"/>
-                  </a:lnTo>
-                  <a:cubicBezTo>
-                    <a:pt x="0" y="8699"/>
-                    <a:pt x="8699" y="0"/>
-                    <a:pt x="19429" y="0"/>
-                  </a:cubicBezTo>
-                  <a:close/>
-                </a:path>
-              </a:pathLst>
-            </a:custGeom>
-            <a:solidFill>
-              <a:srgbClr val="000000">
-                <a:alpha val="0"/>
-              </a:srgbClr>
-            </a:solidFill>
-            <a:ln w="19050" cap="rnd">
-              <a:solidFill>
-                <a:srgbClr val="40352D"/>
-              </a:solidFill>
-              <a:prstDash val="solid"/>
-              <a:round/>
-            </a:ln>
-          </p:spPr>
-          <p:txBody>
-            <a:bodyPr/>
-            <a:lstStyle/>
-            <a:p>
-              <a:endParaRPr lang="ko-KR" altLang="en-US"/>
-            </a:p>
-          </p:txBody>
-        </p:sp>
-        <p:sp>
-          <p:nvSpPr>
-            <p:cNvPr id="35" name="TextBox 35"/>
-            <p:cNvSpPr txBox="1"/>
-            <p:nvPr/>
-          </p:nvSpPr>
-          <p:spPr>
-            <a:xfrm>
-              <a:off x="0" y="-19050"/>
-              <a:ext cx="5410502" cy="634000"/>
-            </a:xfrm>
-            <a:prstGeom prst="rect">
-              <a:avLst/>
-            </a:prstGeom>
-          </p:spPr>
-          <p:txBody>
-            <a:bodyPr lIns="28575" tIns="28575" rIns="28575" bIns="28575" rtlCol="0" anchor="ctr"/>
-            <a:lstStyle/>
-            <a:p>
-              <a:pPr marL="0" lvl="0" indent="0" algn="ctr">
-                <a:lnSpc>
-                  <a:spcPts val="1496"/>
-                </a:lnSpc>
-                <a:spcBef>
-                  <a:spcPct val="0"/>
-                </a:spcBef>
-              </a:pPr>
-              <a:endParaRPr/>
-            </a:p>
-          </p:txBody>
-        </p:sp>
-      </p:grpSp>
-      <p:grpSp>
-        <p:nvGrpSpPr>
-          <p:cNvPr id="36" name="Group 36"/>
-          <p:cNvGrpSpPr/>
-          <p:nvPr/>
-        </p:nvGrpSpPr>
-        <p:grpSpPr>
-          <a:xfrm>
-            <a:off x="3366281" y="7275715"/>
-            <a:ext cx="11555438" cy="1313374"/>
-            <a:chOff x="0" y="0"/>
-            <a:chExt cx="5410502" cy="614950"/>
-          </a:xfrm>
-        </p:grpSpPr>
-        <p:sp>
-          <p:nvSpPr>
-            <p:cNvPr id="37" name="Freeform 37"/>
-            <p:cNvSpPr/>
-            <p:nvPr/>
-          </p:nvSpPr>
-          <p:spPr>
-            <a:xfrm>
-              <a:off x="0" y="0"/>
-              <a:ext cx="5410502" cy="614950"/>
-            </a:xfrm>
-            <a:custGeom>
-              <a:avLst/>
-              <a:gdLst/>
-              <a:ahLst/>
-              <a:cxnLst/>
-              <a:rect l="l" t="t" r="r" b="b"/>
-              <a:pathLst>
-                <a:path w="5410502" h="614950">
-                  <a:moveTo>
-                    <a:pt x="19429" y="0"/>
-                  </a:moveTo>
-                  <a:lnTo>
-                    <a:pt x="5391073" y="0"/>
-                  </a:lnTo>
-                  <a:cubicBezTo>
-                    <a:pt x="5401804" y="0"/>
-                    <a:pt x="5410502" y="8699"/>
-                    <a:pt x="5410502" y="19429"/>
-                  </a:cubicBezTo>
-                  <a:lnTo>
-                    <a:pt x="5410502" y="595520"/>
-                  </a:lnTo>
-                  <a:cubicBezTo>
-                    <a:pt x="5410502" y="606251"/>
-                    <a:pt x="5401804" y="614950"/>
-                    <a:pt x="5391073" y="614950"/>
-                  </a:cubicBezTo>
-                  <a:lnTo>
-                    <a:pt x="19429" y="614950"/>
-                  </a:lnTo>
-                  <a:cubicBezTo>
-                    <a:pt x="8699" y="614950"/>
-                    <a:pt x="0" y="606251"/>
-                    <a:pt x="0" y="595520"/>
-                  </a:cubicBezTo>
-                  <a:lnTo>
-                    <a:pt x="0" y="19429"/>
-                  </a:lnTo>
-                  <a:cubicBezTo>
-                    <a:pt x="0" y="8699"/>
-                    <a:pt x="8699" y="0"/>
-                    <a:pt x="19429" y="0"/>
-                  </a:cubicBezTo>
-                  <a:close/>
-                </a:path>
-              </a:pathLst>
-            </a:custGeom>
-            <a:solidFill>
-              <a:srgbClr val="000000">
-                <a:alpha val="0"/>
-              </a:srgbClr>
-            </a:solidFill>
-            <a:ln w="19050" cap="rnd">
-              <a:solidFill>
-                <a:srgbClr val="40352D"/>
-              </a:solidFill>
-              <a:prstDash val="solid"/>
-              <a:round/>
-            </a:ln>
-          </p:spPr>
-          <p:txBody>
-            <a:bodyPr/>
-            <a:lstStyle/>
-            <a:p>
-              <a:endParaRPr lang="ko-KR" altLang="en-US"/>
-            </a:p>
-          </p:txBody>
-        </p:sp>
-        <p:sp>
-          <p:nvSpPr>
-            <p:cNvPr id="38" name="TextBox 38"/>
-            <p:cNvSpPr txBox="1"/>
-            <p:nvPr/>
-          </p:nvSpPr>
-          <p:spPr>
-            <a:xfrm>
-              <a:off x="0" y="-19050"/>
-              <a:ext cx="5410502" cy="634000"/>
-            </a:xfrm>
-            <a:prstGeom prst="rect">
-              <a:avLst/>
-            </a:prstGeom>
-          </p:spPr>
-          <p:txBody>
-            <a:bodyPr lIns="28575" tIns="28575" rIns="28575" bIns="28575" rtlCol="0" anchor="ctr"/>
-            <a:lstStyle/>
-            <a:p>
-              <a:pPr marL="0" lvl="0" indent="0" algn="ctr">
-                <a:lnSpc>
-                  <a:spcPts val="1496"/>
-                </a:lnSpc>
-                <a:spcBef>
-                  <a:spcPct val="0"/>
-                </a:spcBef>
-              </a:pPr>
-              <a:endParaRPr/>
-            </a:p>
-          </p:txBody>
-        </p:sp>
-      </p:grpSp>
-      <p:grpSp>
-        <p:nvGrpSpPr>
-          <p:cNvPr id="39" name="Group 39"/>
-          <p:cNvGrpSpPr/>
-          <p:nvPr/>
-        </p:nvGrpSpPr>
-        <p:grpSpPr>
-          <a:xfrm>
-            <a:off x="3366281" y="3829817"/>
-            <a:ext cx="1613759" cy="1313374"/>
-            <a:chOff x="0" y="0"/>
-            <a:chExt cx="755596" cy="614950"/>
-          </a:xfrm>
-        </p:grpSpPr>
-        <p:sp>
-          <p:nvSpPr>
-            <p:cNvPr id="40" name="Freeform 40"/>
-            <p:cNvSpPr/>
-            <p:nvPr/>
-          </p:nvSpPr>
-          <p:spPr>
-            <a:xfrm>
-              <a:off x="0" y="0"/>
-              <a:ext cx="755596" cy="614950"/>
-            </a:xfrm>
-            <a:custGeom>
-              <a:avLst/>
-              <a:gdLst/>
-              <a:ahLst/>
-              <a:cxnLst/>
-              <a:rect l="l" t="t" r="r" b="b"/>
-              <a:pathLst>
-                <a:path w="755596" h="614950">
-                  <a:moveTo>
-                    <a:pt x="139126" y="0"/>
-                  </a:moveTo>
-                  <a:lnTo>
-                    <a:pt x="616470" y="0"/>
-                  </a:lnTo>
-                  <a:cubicBezTo>
-                    <a:pt x="653369" y="0"/>
-                    <a:pt x="688756" y="14658"/>
-                    <a:pt x="714847" y="40749"/>
-                  </a:cubicBezTo>
-                  <a:cubicBezTo>
-                    <a:pt x="740938" y="66840"/>
-                    <a:pt x="755596" y="102227"/>
-                    <a:pt x="755596" y="139126"/>
-                  </a:cubicBezTo>
-                  <a:lnTo>
-                    <a:pt x="755596" y="475824"/>
-                  </a:lnTo>
-                  <a:cubicBezTo>
-                    <a:pt x="755596" y="512722"/>
-                    <a:pt x="740938" y="548110"/>
-                    <a:pt x="714847" y="574201"/>
-                  </a:cubicBezTo>
-                  <a:cubicBezTo>
-                    <a:pt x="688756" y="600292"/>
-                    <a:pt x="653369" y="614950"/>
-                    <a:pt x="616470" y="614950"/>
-                  </a:cubicBezTo>
-                  <a:lnTo>
-                    <a:pt x="139126" y="614950"/>
-                  </a:lnTo>
-                  <a:cubicBezTo>
-                    <a:pt x="102227" y="614950"/>
-                    <a:pt x="66840" y="600292"/>
-                    <a:pt x="40749" y="574201"/>
-                  </a:cubicBezTo>
-                  <a:cubicBezTo>
-                    <a:pt x="14658" y="548110"/>
-                    <a:pt x="0" y="512722"/>
-                    <a:pt x="0" y="475824"/>
-                  </a:cubicBezTo>
-                  <a:lnTo>
-                    <a:pt x="0" y="139126"/>
-                  </a:lnTo>
-                  <a:cubicBezTo>
-                    <a:pt x="0" y="102227"/>
-                    <a:pt x="14658" y="66840"/>
-                    <a:pt x="40749" y="40749"/>
-                  </a:cubicBezTo>
-                  <a:cubicBezTo>
-                    <a:pt x="66840" y="14658"/>
-                    <a:pt x="102227" y="0"/>
-                    <a:pt x="139126" y="0"/>
-                  </a:cubicBezTo>
-                  <a:close/>
-                </a:path>
-              </a:pathLst>
-            </a:custGeom>
-            <a:solidFill>
-              <a:srgbClr val="C9DFDD"/>
-            </a:solidFill>
-            <a:ln w="19050" cap="rnd">
-              <a:solidFill>
-                <a:srgbClr val="40352D"/>
-              </a:solidFill>
-              <a:prstDash val="solid"/>
-              <a:round/>
-            </a:ln>
-          </p:spPr>
-          <p:txBody>
-            <a:bodyPr/>
-            <a:lstStyle/>
-            <a:p>
-              <a:endParaRPr lang="ko-KR" altLang="en-US"/>
-            </a:p>
-          </p:txBody>
-        </p:sp>
-        <p:sp>
-          <p:nvSpPr>
-            <p:cNvPr id="41" name="TextBox 41"/>
-            <p:cNvSpPr txBox="1"/>
-            <p:nvPr/>
-          </p:nvSpPr>
-          <p:spPr>
-            <a:xfrm>
-              <a:off x="0" y="-19050"/>
-              <a:ext cx="755596" cy="634000"/>
-            </a:xfrm>
-            <a:prstGeom prst="rect">
-              <a:avLst/>
-            </a:prstGeom>
-          </p:spPr>
-          <p:txBody>
-            <a:bodyPr lIns="28575" tIns="28575" rIns="28575" bIns="28575" rtlCol="0" anchor="ctr"/>
-            <a:lstStyle/>
-            <a:p>
-              <a:pPr marL="0" lvl="0" indent="0" algn="ctr">
-                <a:lnSpc>
-                  <a:spcPts val="1496"/>
-                </a:lnSpc>
-                <a:spcBef>
-                  <a:spcPct val="0"/>
-                </a:spcBef>
-              </a:pPr>
-              <a:endParaRPr/>
-            </a:p>
-          </p:txBody>
-        </p:sp>
-      </p:grpSp>
-      <p:grpSp>
-        <p:nvGrpSpPr>
-          <p:cNvPr id="42" name="Group 42"/>
-          <p:cNvGrpSpPr/>
-          <p:nvPr/>
-        </p:nvGrpSpPr>
-        <p:grpSpPr>
-          <a:xfrm>
-            <a:off x="3366281" y="5552921"/>
-            <a:ext cx="1613759" cy="1313374"/>
-            <a:chOff x="0" y="0"/>
-            <a:chExt cx="755596" cy="614950"/>
-          </a:xfrm>
-        </p:grpSpPr>
-        <p:sp>
-          <p:nvSpPr>
-            <p:cNvPr id="43" name="Freeform 43"/>
-            <p:cNvSpPr/>
-            <p:nvPr/>
-          </p:nvSpPr>
-          <p:spPr>
-            <a:xfrm>
-              <a:off x="0" y="0"/>
-              <a:ext cx="755596" cy="614950"/>
-            </a:xfrm>
-            <a:custGeom>
-              <a:avLst/>
-              <a:gdLst/>
-              <a:ahLst/>
-              <a:cxnLst/>
-              <a:rect l="l" t="t" r="r" b="b"/>
-              <a:pathLst>
-                <a:path w="755596" h="614950">
-                  <a:moveTo>
-                    <a:pt x="139126" y="0"/>
-                  </a:moveTo>
-                  <a:lnTo>
-                    <a:pt x="616470" y="0"/>
-                  </a:lnTo>
-                  <a:cubicBezTo>
-                    <a:pt x="653369" y="0"/>
-                    <a:pt x="688756" y="14658"/>
-                    <a:pt x="714847" y="40749"/>
-                  </a:cubicBezTo>
-                  <a:cubicBezTo>
-                    <a:pt x="740938" y="66840"/>
-                    <a:pt x="755596" y="102227"/>
-                    <a:pt x="755596" y="139126"/>
-                  </a:cubicBezTo>
-                  <a:lnTo>
-                    <a:pt x="755596" y="475824"/>
-                  </a:lnTo>
-                  <a:cubicBezTo>
-                    <a:pt x="755596" y="512722"/>
-                    <a:pt x="740938" y="548110"/>
-                    <a:pt x="714847" y="574201"/>
-                  </a:cubicBezTo>
-                  <a:cubicBezTo>
-                    <a:pt x="688756" y="600292"/>
-                    <a:pt x="653369" y="614950"/>
-                    <a:pt x="616470" y="614950"/>
-                  </a:cubicBezTo>
-                  <a:lnTo>
-                    <a:pt x="139126" y="614950"/>
-                  </a:lnTo>
-                  <a:cubicBezTo>
-                    <a:pt x="102227" y="614950"/>
-                    <a:pt x="66840" y="600292"/>
-                    <a:pt x="40749" y="574201"/>
-                  </a:cubicBezTo>
-                  <a:cubicBezTo>
-                    <a:pt x="14658" y="548110"/>
-                    <a:pt x="0" y="512722"/>
-                    <a:pt x="0" y="475824"/>
-                  </a:cubicBezTo>
-                  <a:lnTo>
-                    <a:pt x="0" y="139126"/>
-                  </a:lnTo>
-                  <a:cubicBezTo>
-                    <a:pt x="0" y="102227"/>
-                    <a:pt x="14658" y="66840"/>
-                    <a:pt x="40749" y="40749"/>
-                  </a:cubicBezTo>
-                  <a:cubicBezTo>
-                    <a:pt x="66840" y="14658"/>
-                    <a:pt x="102227" y="0"/>
-                    <a:pt x="139126" y="0"/>
-                  </a:cubicBezTo>
-                  <a:close/>
-                </a:path>
-              </a:pathLst>
-            </a:custGeom>
-            <a:solidFill>
-              <a:srgbClr val="C9DFDD"/>
-            </a:solidFill>
-            <a:ln w="19050" cap="rnd">
-              <a:solidFill>
-                <a:srgbClr val="40352D"/>
-              </a:solidFill>
-              <a:prstDash val="solid"/>
-              <a:round/>
-            </a:ln>
-          </p:spPr>
-          <p:txBody>
-            <a:bodyPr/>
-            <a:lstStyle/>
-            <a:p>
-              <a:endParaRPr lang="ko-KR" altLang="en-US"/>
-            </a:p>
-          </p:txBody>
-        </p:sp>
-        <p:sp>
-          <p:nvSpPr>
-            <p:cNvPr id="44" name="TextBox 44"/>
-            <p:cNvSpPr txBox="1"/>
-            <p:nvPr/>
-          </p:nvSpPr>
-          <p:spPr>
-            <a:xfrm>
-              <a:off x="0" y="-19050"/>
-              <a:ext cx="755596" cy="634000"/>
-            </a:xfrm>
-            <a:prstGeom prst="rect">
-              <a:avLst/>
-            </a:prstGeom>
-          </p:spPr>
-          <p:txBody>
-            <a:bodyPr lIns="28575" tIns="28575" rIns="28575" bIns="28575" rtlCol="0" anchor="ctr"/>
-            <a:lstStyle/>
-            <a:p>
-              <a:pPr marL="0" lvl="0" indent="0" algn="ctr">
-                <a:lnSpc>
-                  <a:spcPts val="1496"/>
-                </a:lnSpc>
-                <a:spcBef>
-                  <a:spcPct val="0"/>
-                </a:spcBef>
-              </a:pPr>
-              <a:endParaRPr/>
-            </a:p>
-          </p:txBody>
-        </p:sp>
-      </p:grpSp>
-      <p:grpSp>
-        <p:nvGrpSpPr>
-          <p:cNvPr id="45" name="Group 45"/>
-          <p:cNvGrpSpPr/>
-          <p:nvPr/>
-        </p:nvGrpSpPr>
-        <p:grpSpPr>
-          <a:xfrm>
-            <a:off x="3366281" y="7275715"/>
-            <a:ext cx="1613759" cy="1313374"/>
-            <a:chOff x="0" y="0"/>
-            <a:chExt cx="755596" cy="614950"/>
-          </a:xfrm>
-        </p:grpSpPr>
-        <p:sp>
-          <p:nvSpPr>
-            <p:cNvPr id="46" name="Freeform 46"/>
-            <p:cNvSpPr/>
-            <p:nvPr/>
-          </p:nvSpPr>
-          <p:spPr>
-            <a:xfrm>
-              <a:off x="0" y="0"/>
-              <a:ext cx="755596" cy="614950"/>
-            </a:xfrm>
-            <a:custGeom>
-              <a:avLst/>
-              <a:gdLst/>
-              <a:ahLst/>
-              <a:cxnLst/>
-              <a:rect l="l" t="t" r="r" b="b"/>
-              <a:pathLst>
-                <a:path w="755596" h="614950">
-                  <a:moveTo>
-                    <a:pt x="139126" y="0"/>
-                  </a:moveTo>
-                  <a:lnTo>
-                    <a:pt x="616470" y="0"/>
-                  </a:lnTo>
-                  <a:cubicBezTo>
-                    <a:pt x="653369" y="0"/>
-                    <a:pt x="688756" y="14658"/>
-                    <a:pt x="714847" y="40749"/>
-                  </a:cubicBezTo>
-                  <a:cubicBezTo>
-                    <a:pt x="740938" y="66840"/>
-                    <a:pt x="755596" y="102227"/>
-                    <a:pt x="755596" y="139126"/>
-                  </a:cubicBezTo>
-                  <a:lnTo>
-                    <a:pt x="755596" y="475824"/>
-                  </a:lnTo>
-                  <a:cubicBezTo>
-                    <a:pt x="755596" y="512722"/>
-                    <a:pt x="740938" y="548110"/>
-                    <a:pt x="714847" y="574201"/>
-                  </a:cubicBezTo>
-                  <a:cubicBezTo>
-                    <a:pt x="688756" y="600292"/>
-                    <a:pt x="653369" y="614950"/>
-                    <a:pt x="616470" y="614950"/>
-                  </a:cubicBezTo>
-                  <a:lnTo>
-                    <a:pt x="139126" y="614950"/>
-                  </a:lnTo>
-                  <a:cubicBezTo>
-                    <a:pt x="102227" y="614950"/>
-                    <a:pt x="66840" y="600292"/>
-                    <a:pt x="40749" y="574201"/>
-                  </a:cubicBezTo>
-                  <a:cubicBezTo>
-                    <a:pt x="14658" y="548110"/>
-                    <a:pt x="0" y="512722"/>
-                    <a:pt x="0" y="475824"/>
-                  </a:cubicBezTo>
-                  <a:lnTo>
-                    <a:pt x="0" y="139126"/>
-                  </a:lnTo>
-                  <a:cubicBezTo>
-                    <a:pt x="0" y="102227"/>
-                    <a:pt x="14658" y="66840"/>
-                    <a:pt x="40749" y="40749"/>
-                  </a:cubicBezTo>
-                  <a:cubicBezTo>
-                    <a:pt x="66840" y="14658"/>
-                    <a:pt x="102227" y="0"/>
-                    <a:pt x="139126" y="0"/>
-                  </a:cubicBezTo>
-                  <a:close/>
-                </a:path>
-              </a:pathLst>
-            </a:custGeom>
-            <a:solidFill>
-              <a:srgbClr val="C9DFDD"/>
-            </a:solidFill>
-            <a:ln w="19050" cap="rnd">
-              <a:solidFill>
-                <a:srgbClr val="40352D"/>
-              </a:solidFill>
-              <a:prstDash val="solid"/>
-              <a:round/>
-            </a:ln>
-          </p:spPr>
-          <p:txBody>
-            <a:bodyPr/>
-            <a:lstStyle/>
-            <a:p>
-              <a:endParaRPr lang="ko-KR" altLang="en-US"/>
-            </a:p>
-          </p:txBody>
-        </p:sp>
-        <p:sp>
-          <p:nvSpPr>
-            <p:cNvPr id="47" name="TextBox 47"/>
-            <p:cNvSpPr txBox="1"/>
-            <p:nvPr/>
-          </p:nvSpPr>
-          <p:spPr>
-            <a:xfrm>
-              <a:off x="0" y="-19050"/>
-              <a:ext cx="755596" cy="634000"/>
-            </a:xfrm>
-            <a:prstGeom prst="rect">
-              <a:avLst/>
-            </a:prstGeom>
-          </p:spPr>
-          <p:txBody>
-            <a:bodyPr lIns="28575" tIns="28575" rIns="28575" bIns="28575" rtlCol="0" anchor="ctr"/>
-            <a:lstStyle/>
-            <a:p>
-              <a:pPr marL="0" lvl="0" indent="0" algn="ctr">
-                <a:lnSpc>
-                  <a:spcPts val="1496"/>
-                </a:lnSpc>
-                <a:spcBef>
-                  <a:spcPct val="0"/>
-                </a:spcBef>
-              </a:pPr>
-              <a:endParaRPr/>
-            </a:p>
-          </p:txBody>
-        </p:sp>
-      </p:grpSp>
       <p:sp>
         <p:nvSpPr>
-          <p:cNvPr id="48" name="Freeform 48"/>
-          <p:cNvSpPr/>
-          <p:nvPr/>
-        </p:nvSpPr>
-        <p:spPr>
-          <a:xfrm>
-            <a:off x="3783831" y="5820124"/>
-            <a:ext cx="778658" cy="778658"/>
-          </a:xfrm>
-          <a:custGeom>
-            <a:avLst/>
-            <a:gdLst/>
-            <a:ahLst/>
-            <a:cxnLst/>
-            <a:rect l="l" t="t" r="r" b="b"/>
-            <a:pathLst>
-              <a:path w="778658" h="778658">
-                <a:moveTo>
-                  <a:pt x="0" y="0"/>
-                </a:moveTo>
-                <a:lnTo>
-                  <a:pt x="778658" y="0"/>
-                </a:lnTo>
-                <a:lnTo>
-                  <a:pt x="778658" y="778658"/>
-                </a:lnTo>
-                <a:lnTo>
-                  <a:pt x="0" y="778658"/>
-                </a:lnTo>
-                <a:lnTo>
-                  <a:pt x="0" y="0"/>
-                </a:lnTo>
-                <a:close/>
-              </a:path>
-            </a:pathLst>
-          </a:custGeom>
-          <a:blipFill>
-            <a:blip r:embed="rId4">
-              <a:extLst>
-                <a:ext uri="{96DAC541-7B7A-43D3-8B79-37D633B846F1}">
-                  <asvg:svgBlip xmlns:asvg="http://schemas.microsoft.com/office/drawing/2016/SVG/main" r:embed="rId5"/>
-                </a:ext>
-              </a:extLst>
-            </a:blip>
-            <a:stretch>
-              <a:fillRect/>
-            </a:stretch>
-          </a:blipFill>
-        </p:spPr>
-        <p:txBody>
-          <a:bodyPr/>
-          <a:lstStyle/>
-          <a:p>
-            <a:endParaRPr lang="ko-KR" altLang="en-US"/>
-          </a:p>
-        </p:txBody>
-      </p:sp>
-      <p:sp>
-        <p:nvSpPr>
-          <p:cNvPr id="49" name="Freeform 49"/>
-          <p:cNvSpPr/>
-          <p:nvPr/>
-        </p:nvSpPr>
-        <p:spPr>
-          <a:xfrm>
-            <a:off x="3728911" y="7488153"/>
-            <a:ext cx="888499" cy="888499"/>
-          </a:xfrm>
-          <a:custGeom>
-            <a:avLst/>
-            <a:gdLst/>
-            <a:ahLst/>
-            <a:cxnLst/>
-            <a:rect l="l" t="t" r="r" b="b"/>
-            <a:pathLst>
-              <a:path w="888499" h="888499">
-                <a:moveTo>
-                  <a:pt x="0" y="0"/>
-                </a:moveTo>
-                <a:lnTo>
-                  <a:pt x="888499" y="0"/>
-                </a:lnTo>
-                <a:lnTo>
-                  <a:pt x="888499" y="888499"/>
-                </a:lnTo>
-                <a:lnTo>
-                  <a:pt x="0" y="888499"/>
-                </a:lnTo>
-                <a:lnTo>
-                  <a:pt x="0" y="0"/>
-                </a:lnTo>
-                <a:close/>
-              </a:path>
-            </a:pathLst>
-          </a:custGeom>
-          <a:blipFill>
-            <a:blip r:embed="rId6">
-              <a:extLst>
-                <a:ext uri="{96DAC541-7B7A-43D3-8B79-37D633B846F1}">
-                  <asvg:svgBlip xmlns:asvg="http://schemas.microsoft.com/office/drawing/2016/SVG/main" r:embed="rId7"/>
-                </a:ext>
-              </a:extLst>
-            </a:blip>
-            <a:stretch>
-              <a:fillRect/>
-            </a:stretch>
-          </a:blipFill>
-        </p:spPr>
-        <p:txBody>
-          <a:bodyPr/>
-          <a:lstStyle/>
-          <a:p>
-            <a:endParaRPr lang="ko-KR" altLang="en-US"/>
-          </a:p>
-        </p:txBody>
-      </p:sp>
-      <p:sp>
-        <p:nvSpPr>
-          <p:cNvPr id="50" name="Freeform 50"/>
-          <p:cNvSpPr/>
-          <p:nvPr/>
-        </p:nvSpPr>
-        <p:spPr>
-          <a:xfrm>
-            <a:off x="3743154" y="4038889"/>
-            <a:ext cx="860014" cy="895848"/>
-          </a:xfrm>
-          <a:custGeom>
-            <a:avLst/>
-            <a:gdLst/>
-            <a:ahLst/>
-            <a:cxnLst/>
-            <a:rect l="l" t="t" r="r" b="b"/>
-            <a:pathLst>
-              <a:path w="860014" h="895848">
-                <a:moveTo>
-                  <a:pt x="0" y="0"/>
-                </a:moveTo>
-                <a:lnTo>
-                  <a:pt x="860013" y="0"/>
-                </a:lnTo>
-                <a:lnTo>
-                  <a:pt x="860013" y="895848"/>
-                </a:lnTo>
-                <a:lnTo>
-                  <a:pt x="0" y="895848"/>
-                </a:lnTo>
-                <a:lnTo>
-                  <a:pt x="0" y="0"/>
-                </a:lnTo>
-                <a:close/>
-              </a:path>
-            </a:pathLst>
-          </a:custGeom>
-          <a:blipFill>
-            <a:blip r:embed="rId8">
-              <a:extLst>
-                <a:ext uri="{96DAC541-7B7A-43D3-8B79-37D633B846F1}">
-                  <asvg:svgBlip xmlns:asvg="http://schemas.microsoft.com/office/drawing/2016/SVG/main" r:embed="rId9"/>
-                </a:ext>
-              </a:extLst>
-            </a:blip>
-            <a:stretch>
-              <a:fillRect/>
-            </a:stretch>
-          </a:blipFill>
-        </p:spPr>
-        <p:txBody>
-          <a:bodyPr/>
-          <a:lstStyle/>
-          <a:p>
-            <a:endParaRPr lang="ko-KR" altLang="en-US"/>
-          </a:p>
-        </p:txBody>
-      </p:sp>
-      <p:sp>
-        <p:nvSpPr>
-          <p:cNvPr id="51" name="TextBox 51"/>
+          <p:cNvPr id="30" name="TextBox 30"/>
           <p:cNvSpPr txBox="1"/>
           <p:nvPr/>
         </p:nvSpPr>
         <p:spPr>
           <a:xfrm>
             <a:off x="2622476" y="1910150"/>
-            <a:ext cx="9687034" cy="1343025"/>
+            <a:ext cx="7399557" cy="1359346"/>
           </a:xfrm>
           <a:prstGeom prst="rect">
             <a:avLst/>
@@ -21424,140 +22195,71 @@
               </a:lnSpc>
             </a:pPr>
             <a:r>
-              <a:rPr lang="en-US" sz="8845">
+              <a:rPr lang="ko-KR" altLang="en-US" sz="8845" dirty="0">
                 <a:solidFill>
                   <a:srgbClr val="40352D"/>
                 </a:solidFill>
                 <a:ea typeface="Tlab 라곰 Bold"/>
               </a:rPr>
-              <a:t>프로젝트 발전 방향</a:t>
+              <a:t>깃 </a:t>
             </a:r>
+            <a:r>
+              <a:rPr lang="ko-KR" altLang="en-US" sz="8845" dirty="0" err="1">
+                <a:solidFill>
+                  <a:srgbClr val="40352D"/>
+                </a:solidFill>
+                <a:ea typeface="Tlab 라곰 Bold"/>
+              </a:rPr>
+              <a:t>커밋</a:t>
+            </a:r>
+            <a:r>
+              <a:rPr lang="ko-KR" altLang="en-US" sz="8845" dirty="0">
+                <a:solidFill>
+                  <a:srgbClr val="40352D"/>
+                </a:solidFill>
+                <a:ea typeface="Tlab 라곰 Bold"/>
+              </a:rPr>
+              <a:t> 통계</a:t>
+            </a:r>
+            <a:endParaRPr lang="en-US" sz="8845" dirty="0">
+              <a:solidFill>
+                <a:srgbClr val="40352D"/>
+              </a:solidFill>
+              <a:ea typeface="Tlab 라곰 Bold"/>
+            </a:endParaRPr>
           </a:p>
         </p:txBody>
       </p:sp>
-      <p:sp>
-        <p:nvSpPr>
-          <p:cNvPr id="52" name="TextBox 52"/>
-          <p:cNvSpPr txBox="1"/>
+      <p:pic>
+        <p:nvPicPr>
+          <p:cNvPr id="34" name="그림 33">
+            <a:extLst>
+              <a:ext uri="{FF2B5EF4-FFF2-40B4-BE49-F238E27FC236}">
+                <a16:creationId xmlns:a16="http://schemas.microsoft.com/office/drawing/2014/main" id="{A9561277-9905-F30F-480C-CFFF098D4F72}"/>
+              </a:ext>
+            </a:extLst>
+          </p:cNvPr>
+          <p:cNvPicPr>
+            <a:picLocks noChangeAspect="1"/>
+          </p:cNvPicPr>
           <p:nvPr/>
-        </p:nvSpPr>
+        </p:nvPicPr>
+        <p:blipFill>
+          <a:blip r:embed="rId4"/>
+          <a:stretch>
+            <a:fillRect/>
+          </a:stretch>
+        </p:blipFill>
         <p:spPr>
           <a:xfrm>
-            <a:off x="5369060" y="4178774"/>
-            <a:ext cx="9552659" cy="520827"/>
+            <a:off x="4628446" y="3594267"/>
+            <a:ext cx="9039225" cy="5363490"/>
           </a:xfrm>
           <a:prstGeom prst="rect">
             <a:avLst/>
           </a:prstGeom>
         </p:spPr>
-        <p:txBody>
-          <a:bodyPr lIns="0" tIns="0" rIns="0" bIns="0" rtlCol="0" anchor="t">
-            <a:spAutoFit/>
-          </a:bodyPr>
-          <a:lstStyle/>
-          <a:p>
-            <a:pPr algn="just">
-              <a:lnSpc>
-                <a:spcPts val="4283"/>
-              </a:lnSpc>
-              <a:spcBef>
-                <a:spcPct val="0"/>
-              </a:spcBef>
-            </a:pPr>
-            <a:r>
-              <a:rPr lang="en-US" sz="2799">
-                <a:solidFill>
-                  <a:srgbClr val="40352D"/>
-                </a:solidFill>
-                <a:ea typeface="210 디딤고딕 Light"/>
-              </a:rPr>
-              <a:t>고객 중심의 마케팅 전략 강화하여 장기적인 관계 구축</a:t>
-            </a:r>
-          </a:p>
-        </p:txBody>
-      </p:sp>
-      <p:sp>
-        <p:nvSpPr>
-          <p:cNvPr id="53" name="TextBox 53"/>
-          <p:cNvSpPr txBox="1"/>
-          <p:nvPr/>
-        </p:nvSpPr>
-        <p:spPr>
-          <a:xfrm>
-            <a:off x="5369060" y="5901415"/>
-            <a:ext cx="9552659" cy="520827"/>
-          </a:xfrm>
-          <a:prstGeom prst="rect">
-            <a:avLst/>
-          </a:prstGeom>
-        </p:spPr>
-        <p:txBody>
-          <a:bodyPr lIns="0" tIns="0" rIns="0" bIns="0" rtlCol="0" anchor="t">
-            <a:spAutoFit/>
-          </a:bodyPr>
-          <a:lstStyle/>
-          <a:p>
-            <a:pPr algn="just">
-              <a:lnSpc>
-                <a:spcPts val="4283"/>
-              </a:lnSpc>
-              <a:spcBef>
-                <a:spcPct val="0"/>
-              </a:spcBef>
-            </a:pPr>
-            <a:r>
-              <a:rPr lang="en-US" sz="2799">
-                <a:solidFill>
-                  <a:srgbClr val="40352D"/>
-                </a:solidFill>
-                <a:ea typeface="210 디딤고딕 Light"/>
-              </a:rPr>
-              <a:t>새로운 기술의 적극적인 활용을 통한 혁신적인 프로젝트 실행</a:t>
-            </a:r>
-          </a:p>
-        </p:txBody>
-      </p:sp>
-      <p:sp>
-        <p:nvSpPr>
-          <p:cNvPr id="54" name="TextBox 54"/>
-          <p:cNvSpPr txBox="1"/>
-          <p:nvPr/>
-        </p:nvSpPr>
-        <p:spPr>
-          <a:xfrm>
-            <a:off x="5369060" y="7624364"/>
-            <a:ext cx="9552659" cy="520827"/>
-          </a:xfrm>
-          <a:prstGeom prst="rect">
-            <a:avLst/>
-          </a:prstGeom>
-        </p:spPr>
-        <p:txBody>
-          <a:bodyPr lIns="0" tIns="0" rIns="0" bIns="0" rtlCol="0" anchor="t">
-            <a:spAutoFit/>
-          </a:bodyPr>
-          <a:lstStyle/>
-          <a:p>
-            <a:pPr algn="just">
-              <a:lnSpc>
-                <a:spcPts val="4283"/>
-              </a:lnSpc>
-              <a:spcBef>
-                <a:spcPct val="0"/>
-              </a:spcBef>
-            </a:pPr>
-            <a:r>
-              <a:rPr lang="en-US" sz="2799">
-                <a:solidFill>
-                  <a:srgbClr val="40352D"/>
-                </a:solidFill>
-                <a:ea typeface="210 디딤고딕 Light"/>
-              </a:rPr>
-              <a:t>기업 가치와 영향력을 통한 지속 가능한 마케팅 실행</a:t>
-            </a:r>
-          </a:p>
-        </p:txBody>
-      </p:sp>
+      </p:pic>
     </p:spTree>
   </p:cSld>
   <p:clrMapOvr>
@@ -23252,351 +23954,16 @@
           </p:txBody>
         </p:sp>
       </p:grpSp>
-      <p:grpSp>
-        <p:nvGrpSpPr>
-          <p:cNvPr id="30" name="Group 30"/>
-          <p:cNvGrpSpPr/>
-          <p:nvPr/>
-        </p:nvGrpSpPr>
-        <p:grpSpPr>
-          <a:xfrm>
-            <a:off x="5746289" y="2317812"/>
-            <a:ext cx="6795423" cy="852248"/>
-            <a:chOff x="0" y="0"/>
-            <a:chExt cx="3181762" cy="399040"/>
-          </a:xfrm>
-        </p:grpSpPr>
-        <p:sp>
-          <p:nvSpPr>
-            <p:cNvPr id="31" name="Freeform 31"/>
-            <p:cNvSpPr/>
-            <p:nvPr/>
-          </p:nvSpPr>
-          <p:spPr>
-            <a:xfrm>
-              <a:off x="0" y="0"/>
-              <a:ext cx="3181762" cy="399040"/>
-            </a:xfrm>
-            <a:custGeom>
-              <a:avLst/>
-              <a:gdLst/>
-              <a:ahLst/>
-              <a:cxnLst/>
-              <a:rect l="l" t="t" r="r" b="b"/>
-              <a:pathLst>
-                <a:path w="3181762" h="399040">
-                  <a:moveTo>
-                    <a:pt x="33039" y="0"/>
-                  </a:moveTo>
-                  <a:lnTo>
-                    <a:pt x="3148723" y="0"/>
-                  </a:lnTo>
-                  <a:cubicBezTo>
-                    <a:pt x="3157485" y="0"/>
-                    <a:pt x="3165889" y="3481"/>
-                    <a:pt x="3172085" y="9677"/>
-                  </a:cubicBezTo>
-                  <a:cubicBezTo>
-                    <a:pt x="3178281" y="15873"/>
-                    <a:pt x="3181762" y="24277"/>
-                    <a:pt x="3181762" y="33039"/>
-                  </a:cubicBezTo>
-                  <a:lnTo>
-                    <a:pt x="3181762" y="366001"/>
-                  </a:lnTo>
-                  <a:cubicBezTo>
-                    <a:pt x="3181762" y="384248"/>
-                    <a:pt x="3166970" y="399040"/>
-                    <a:pt x="3148723" y="399040"/>
-                  </a:cubicBezTo>
-                  <a:lnTo>
-                    <a:pt x="33039" y="399040"/>
-                  </a:lnTo>
-                  <a:cubicBezTo>
-                    <a:pt x="14792" y="399040"/>
-                    <a:pt x="0" y="384248"/>
-                    <a:pt x="0" y="366001"/>
-                  </a:cubicBezTo>
-                  <a:lnTo>
-                    <a:pt x="0" y="33039"/>
-                  </a:lnTo>
-                  <a:cubicBezTo>
-                    <a:pt x="0" y="24277"/>
-                    <a:pt x="3481" y="15873"/>
-                    <a:pt x="9677" y="9677"/>
-                  </a:cubicBezTo>
-                  <a:cubicBezTo>
-                    <a:pt x="15873" y="3481"/>
-                    <a:pt x="24277" y="0"/>
-                    <a:pt x="33039" y="0"/>
-                  </a:cubicBezTo>
-                  <a:close/>
-                </a:path>
-              </a:pathLst>
-            </a:custGeom>
-            <a:solidFill>
-              <a:srgbClr val="C9DFDD"/>
-            </a:solidFill>
-            <a:ln w="19050" cap="rnd">
-              <a:solidFill>
-                <a:srgbClr val="40352D"/>
-              </a:solidFill>
-              <a:prstDash val="solid"/>
-              <a:round/>
-            </a:ln>
-          </p:spPr>
-          <p:txBody>
-            <a:bodyPr/>
-            <a:lstStyle/>
-            <a:p>
-              <a:endParaRPr lang="ko-KR" altLang="en-US"/>
-            </a:p>
-          </p:txBody>
-        </p:sp>
-        <p:sp>
-          <p:nvSpPr>
-            <p:cNvPr id="32" name="TextBox 32"/>
-            <p:cNvSpPr txBox="1"/>
-            <p:nvPr/>
-          </p:nvSpPr>
-          <p:spPr>
-            <a:xfrm>
-              <a:off x="0" y="-19050"/>
-              <a:ext cx="3181762" cy="418090"/>
-            </a:xfrm>
-            <a:prstGeom prst="rect">
-              <a:avLst/>
-            </a:prstGeom>
-          </p:spPr>
-          <p:txBody>
-            <a:bodyPr lIns="28575" tIns="28575" rIns="28575" bIns="28575" rtlCol="0" anchor="ctr"/>
-            <a:lstStyle/>
-            <a:p>
-              <a:pPr marL="0" lvl="0" indent="0" algn="ctr">
-                <a:lnSpc>
-                  <a:spcPts val="1496"/>
-                </a:lnSpc>
-                <a:spcBef>
-                  <a:spcPct val="0"/>
-                </a:spcBef>
-              </a:pPr>
-              <a:endParaRPr/>
-            </a:p>
-          </p:txBody>
-        </p:sp>
-      </p:grpSp>
-      <p:grpSp>
-        <p:nvGrpSpPr>
-          <p:cNvPr id="33" name="Group 33"/>
-          <p:cNvGrpSpPr/>
-          <p:nvPr/>
-        </p:nvGrpSpPr>
-        <p:grpSpPr>
-          <a:xfrm>
-            <a:off x="12127253" y="2692670"/>
-            <a:ext cx="102532" cy="102532"/>
-            <a:chOff x="0" y="0"/>
-            <a:chExt cx="812800" cy="812800"/>
-          </a:xfrm>
-        </p:grpSpPr>
-        <p:sp>
-          <p:nvSpPr>
-            <p:cNvPr id="34" name="Freeform 34"/>
-            <p:cNvSpPr/>
-            <p:nvPr/>
-          </p:nvSpPr>
-          <p:spPr>
-            <a:xfrm>
-              <a:off x="0" y="0"/>
-              <a:ext cx="812800" cy="812800"/>
-            </a:xfrm>
-            <a:custGeom>
-              <a:avLst/>
-              <a:gdLst/>
-              <a:ahLst/>
-              <a:cxnLst/>
-              <a:rect l="l" t="t" r="r" b="b"/>
-              <a:pathLst>
-                <a:path w="812800" h="812800">
-                  <a:moveTo>
-                    <a:pt x="406400" y="0"/>
-                  </a:moveTo>
-                  <a:cubicBezTo>
-                    <a:pt x="181951" y="0"/>
-                    <a:pt x="0" y="181951"/>
-                    <a:pt x="0" y="406400"/>
-                  </a:cubicBezTo>
-                  <a:cubicBezTo>
-                    <a:pt x="0" y="630849"/>
-                    <a:pt x="181951" y="812800"/>
-                    <a:pt x="406400" y="812800"/>
-                  </a:cubicBezTo>
-                  <a:cubicBezTo>
-                    <a:pt x="630849" y="812800"/>
-                    <a:pt x="812800" y="630849"/>
-                    <a:pt x="812800" y="406400"/>
-                  </a:cubicBezTo>
-                  <a:cubicBezTo>
-                    <a:pt x="812800" y="181951"/>
-                    <a:pt x="630849" y="0"/>
-                    <a:pt x="406400" y="0"/>
-                  </a:cubicBezTo>
-                  <a:close/>
-                </a:path>
-              </a:pathLst>
-            </a:custGeom>
-            <a:solidFill>
-              <a:srgbClr val="40352D"/>
-            </a:solidFill>
-          </p:spPr>
-          <p:txBody>
-            <a:bodyPr/>
-            <a:lstStyle/>
-            <a:p>
-              <a:endParaRPr lang="ko-KR" altLang="en-US"/>
-            </a:p>
-          </p:txBody>
-        </p:sp>
-        <p:sp>
-          <p:nvSpPr>
-            <p:cNvPr id="35" name="TextBox 35"/>
-            <p:cNvSpPr txBox="1"/>
-            <p:nvPr/>
-          </p:nvSpPr>
-          <p:spPr>
-            <a:xfrm>
-              <a:off x="76200" y="47625"/>
-              <a:ext cx="660400" cy="688975"/>
-            </a:xfrm>
-            <a:prstGeom prst="rect">
-              <a:avLst/>
-            </a:prstGeom>
-          </p:spPr>
-          <p:txBody>
-            <a:bodyPr lIns="50800" tIns="50800" rIns="50800" bIns="50800" rtlCol="0" anchor="ctr"/>
-            <a:lstStyle/>
-            <a:p>
-              <a:pPr algn="ctr">
-                <a:lnSpc>
-                  <a:spcPts val="2524"/>
-                </a:lnSpc>
-              </a:pPr>
-              <a:endParaRPr/>
-            </a:p>
-          </p:txBody>
-        </p:sp>
-      </p:grpSp>
-      <p:grpSp>
-        <p:nvGrpSpPr>
-          <p:cNvPr id="36" name="Group 36"/>
-          <p:cNvGrpSpPr/>
-          <p:nvPr/>
-        </p:nvGrpSpPr>
-        <p:grpSpPr>
-          <a:xfrm>
-            <a:off x="6058215" y="2692670"/>
-            <a:ext cx="102532" cy="102532"/>
-            <a:chOff x="0" y="0"/>
-            <a:chExt cx="812800" cy="812800"/>
-          </a:xfrm>
-        </p:grpSpPr>
-        <p:sp>
-          <p:nvSpPr>
-            <p:cNvPr id="37" name="Freeform 37"/>
-            <p:cNvSpPr/>
-            <p:nvPr/>
-          </p:nvSpPr>
-          <p:spPr>
-            <a:xfrm>
-              <a:off x="0" y="0"/>
-              <a:ext cx="812800" cy="812800"/>
-            </a:xfrm>
-            <a:custGeom>
-              <a:avLst/>
-              <a:gdLst/>
-              <a:ahLst/>
-              <a:cxnLst/>
-              <a:rect l="l" t="t" r="r" b="b"/>
-              <a:pathLst>
-                <a:path w="812800" h="812800">
-                  <a:moveTo>
-                    <a:pt x="406400" y="0"/>
-                  </a:moveTo>
-                  <a:cubicBezTo>
-                    <a:pt x="181951" y="0"/>
-                    <a:pt x="0" y="181951"/>
-                    <a:pt x="0" y="406400"/>
-                  </a:cubicBezTo>
-                  <a:cubicBezTo>
-                    <a:pt x="0" y="630849"/>
-                    <a:pt x="181951" y="812800"/>
-                    <a:pt x="406400" y="812800"/>
-                  </a:cubicBezTo>
-                  <a:cubicBezTo>
-                    <a:pt x="630849" y="812800"/>
-                    <a:pt x="812800" y="630849"/>
-                    <a:pt x="812800" y="406400"/>
-                  </a:cubicBezTo>
-                  <a:cubicBezTo>
-                    <a:pt x="812800" y="181951"/>
-                    <a:pt x="630849" y="0"/>
-                    <a:pt x="406400" y="0"/>
-                  </a:cubicBezTo>
-                  <a:close/>
-                </a:path>
-              </a:pathLst>
-            </a:custGeom>
-            <a:solidFill>
-              <a:srgbClr val="40352D"/>
-            </a:solidFill>
-          </p:spPr>
-          <p:txBody>
-            <a:bodyPr/>
-            <a:lstStyle/>
-            <a:p>
-              <a:endParaRPr lang="ko-KR" altLang="en-US"/>
-            </a:p>
-          </p:txBody>
-        </p:sp>
-        <p:sp>
-          <p:nvSpPr>
-            <p:cNvPr id="38" name="TextBox 38"/>
-            <p:cNvSpPr txBox="1"/>
-            <p:nvPr/>
-          </p:nvSpPr>
-          <p:spPr>
-            <a:xfrm>
-              <a:off x="76200" y="47625"/>
-              <a:ext cx="660400" cy="688975"/>
-            </a:xfrm>
-            <a:prstGeom prst="rect">
-              <a:avLst/>
-            </a:prstGeom>
-          </p:spPr>
-          <p:txBody>
-            <a:bodyPr lIns="50800" tIns="50800" rIns="50800" bIns="50800" rtlCol="0" anchor="ctr"/>
-            <a:lstStyle/>
-            <a:p>
-              <a:pPr algn="ctr">
-                <a:lnSpc>
-                  <a:spcPts val="2524"/>
-                </a:lnSpc>
-              </a:pPr>
-              <a:endParaRPr/>
-            </a:p>
-          </p:txBody>
-        </p:sp>
-      </p:grpSp>
       <p:sp>
         <p:nvSpPr>
-          <p:cNvPr id="39" name="TextBox 39"/>
+          <p:cNvPr id="51" name="TextBox 51"/>
           <p:cNvSpPr txBox="1"/>
           <p:nvPr/>
         </p:nvSpPr>
         <p:spPr>
           <a:xfrm>
-            <a:off x="6465547" y="2367251"/>
-            <a:ext cx="5356906" cy="604647"/>
+            <a:off x="2622476" y="1910150"/>
+            <a:ext cx="9687034" cy="1359346"/>
           </a:xfrm>
           <a:prstGeom prst="rect">
             <a:avLst/>
@@ -23608,2216 +23975,26 @@
           </a:bodyPr>
           <a:lstStyle/>
           <a:p>
-            <a:pPr algn="ctr">
+            <a:pPr algn="l">
               <a:lnSpc>
-                <a:spcPts val="5049"/>
+                <a:spcPts val="10614"/>
               </a:lnSpc>
-              <a:spcBef>
-                <a:spcPct val="0"/>
-              </a:spcBef>
             </a:pPr>
             <a:r>
-              <a:rPr lang="en-US" sz="3300">
-                <a:solidFill>
-                  <a:srgbClr val="40352D"/>
-                </a:solidFill>
-                <a:latin typeface="Tlab 라곰 Bold"/>
-              </a:rPr>
-              <a:t>Q &amp; A</a:t>
-            </a:r>
-          </a:p>
-        </p:txBody>
-      </p:sp>
-      <p:sp>
-        <p:nvSpPr>
-          <p:cNvPr id="40" name="TextBox 40"/>
-          <p:cNvSpPr txBox="1"/>
-          <p:nvPr/>
-        </p:nvSpPr>
-        <p:spPr>
-          <a:xfrm>
-            <a:off x="4889277" y="7386638"/>
-            <a:ext cx="8525624" cy="529209"/>
-          </a:xfrm>
-          <a:prstGeom prst="rect">
-            <a:avLst/>
-          </a:prstGeom>
-        </p:spPr>
-        <p:txBody>
-          <a:bodyPr lIns="0" tIns="0" rIns="0" bIns="0" rtlCol="0" anchor="t">
-            <a:spAutoFit/>
-          </a:bodyPr>
-          <a:lstStyle/>
-          <a:p>
-            <a:pPr marL="0" lvl="0" indent="0" algn="ctr">
-              <a:lnSpc>
-                <a:spcPts val="4367"/>
-              </a:lnSpc>
-              <a:spcBef>
-                <a:spcPct val="0"/>
-              </a:spcBef>
-            </a:pPr>
-            <a:r>
-              <a:rPr lang="en-US" sz="2799" u="none" strike="noStrike">
-                <a:solidFill>
-                  <a:srgbClr val="40352D"/>
-                </a:solidFill>
-                <a:ea typeface="210 디딤고딕 Light"/>
-              </a:rPr>
-              <a:t>프로젝트에 대해 궁금한 점은 질문해주세요</a:t>
-            </a:r>
-          </a:p>
-        </p:txBody>
-      </p:sp>
-      <p:sp>
-        <p:nvSpPr>
-          <p:cNvPr id="41" name="TextBox 41"/>
-          <p:cNvSpPr txBox="1"/>
-          <p:nvPr/>
-        </p:nvSpPr>
-        <p:spPr>
-          <a:xfrm>
-            <a:off x="3460321" y="4257675"/>
-            <a:ext cx="11383536" cy="1332858"/>
-          </a:xfrm>
-          <a:prstGeom prst="rect">
-            <a:avLst/>
-          </a:prstGeom>
-        </p:spPr>
-        <p:txBody>
-          <a:bodyPr lIns="0" tIns="0" rIns="0" bIns="0" rtlCol="0" anchor="t">
-            <a:spAutoFit/>
-          </a:bodyPr>
-          <a:lstStyle/>
-          <a:p>
-            <a:pPr marL="0" lvl="0" indent="0" algn="ctr">
-              <a:lnSpc>
-                <a:spcPts val="10099"/>
-              </a:lnSpc>
-              <a:spcBef>
-                <a:spcPct val="0"/>
-              </a:spcBef>
-            </a:pPr>
-            <a:r>
-              <a:rPr lang="en-US" sz="10099">
+              <a:rPr lang="ko-KR" altLang="en-US" sz="8845" dirty="0">
                 <a:solidFill>
                   <a:srgbClr val="40352D"/>
                 </a:solidFill>
                 <a:ea typeface="Tlab 라곰 Bold"/>
               </a:rPr>
-              <a:t>질문과 답변</a:t>
+              <a:t>프로그램 시연</a:t>
             </a:r>
-          </a:p>
-        </p:txBody>
-      </p:sp>
-    </p:spTree>
-  </p:cSld>
-  <p:clrMapOvr>
-    <a:masterClrMapping/>
-  </p:clrMapOvr>
-</p:sld>
-</file>
-
-<file path=ppt/slides/slide9.xml><?xml version="1.0" encoding="utf-8"?>
-<p:sld xmlns:a="http://schemas.openxmlformats.org/drawingml/2006/main" xmlns:r="http://schemas.openxmlformats.org/officeDocument/2006/relationships" xmlns:p="http://schemas.openxmlformats.org/presentationml/2006/main">
-  <p:cSld>
-    <p:spTree>
-      <p:nvGrpSpPr>
-        <p:cNvPr id="1" name=""/>
-        <p:cNvGrpSpPr/>
-        <p:nvPr/>
-      </p:nvGrpSpPr>
-      <p:grpSpPr>
-        <a:xfrm>
-          <a:off x="0" y="0"/>
-          <a:ext cx="0" cy="0"/>
-          <a:chOff x="0" y="0"/>
-          <a:chExt cx="0" cy="0"/>
-        </a:xfrm>
-      </p:grpSpPr>
-      <p:grpSp>
-        <p:nvGrpSpPr>
-          <p:cNvPr id="2" name="Group 2"/>
-          <p:cNvGrpSpPr/>
-          <p:nvPr/>
-        </p:nvGrpSpPr>
-        <p:grpSpPr>
-          <a:xfrm>
-            <a:off x="-54895" y="-986755"/>
-            <a:ext cx="18397789" cy="12260510"/>
-            <a:chOff x="0" y="0"/>
-            <a:chExt cx="24530386" cy="16347346"/>
-          </a:xfrm>
-        </p:grpSpPr>
-        <p:sp>
-          <p:nvSpPr>
-            <p:cNvPr id="3" name="Freeform 3"/>
-            <p:cNvSpPr/>
-            <p:nvPr/>
-          </p:nvSpPr>
-          <p:spPr>
-            <a:xfrm>
-              <a:off x="0" y="0"/>
-              <a:ext cx="4097420" cy="4097420"/>
-            </a:xfrm>
-            <a:custGeom>
-              <a:avLst/>
-              <a:gdLst/>
-              <a:ahLst/>
-              <a:cxnLst/>
-              <a:rect l="l" t="t" r="r" b="b"/>
-              <a:pathLst>
-                <a:path w="4097420" h="4097420">
-                  <a:moveTo>
-                    <a:pt x="0" y="0"/>
-                  </a:moveTo>
-                  <a:lnTo>
-                    <a:pt x="4097420" y="0"/>
-                  </a:lnTo>
-                  <a:lnTo>
-                    <a:pt x="4097420" y="4097420"/>
-                  </a:lnTo>
-                  <a:lnTo>
-                    <a:pt x="0" y="4097420"/>
-                  </a:lnTo>
-                  <a:lnTo>
-                    <a:pt x="0" y="0"/>
-                  </a:lnTo>
-                  <a:close/>
-                </a:path>
-              </a:pathLst>
-            </a:custGeom>
-            <a:blipFill>
-              <a:blip r:embed="rId2">
-                <a:extLst>
-                  <a:ext uri="{96DAC541-7B7A-43D3-8B79-37D633B846F1}">
-                    <asvg:svgBlip xmlns:asvg="http://schemas.microsoft.com/office/drawing/2016/SVG/main" r:embed="rId3"/>
-                  </a:ext>
-                </a:extLst>
-              </a:blip>
-              <a:stretch>
-                <a:fillRect/>
-              </a:stretch>
-            </a:blipFill>
-          </p:spPr>
-          <p:txBody>
-            <a:bodyPr/>
-            <a:lstStyle/>
-            <a:p>
-              <a:endParaRPr lang="ko-KR" altLang="en-US"/>
-            </a:p>
-          </p:txBody>
-        </p:sp>
-        <p:sp>
-          <p:nvSpPr>
-            <p:cNvPr id="4" name="Freeform 4"/>
-            <p:cNvSpPr/>
-            <p:nvPr/>
-          </p:nvSpPr>
-          <p:spPr>
-            <a:xfrm>
-              <a:off x="8173186" y="0"/>
-              <a:ext cx="4097420" cy="4097420"/>
-            </a:xfrm>
-            <a:custGeom>
-              <a:avLst/>
-              <a:gdLst/>
-              <a:ahLst/>
-              <a:cxnLst/>
-              <a:rect l="l" t="t" r="r" b="b"/>
-              <a:pathLst>
-                <a:path w="4097420" h="4097420">
-                  <a:moveTo>
-                    <a:pt x="0" y="0"/>
-                  </a:moveTo>
-                  <a:lnTo>
-                    <a:pt x="4097420" y="0"/>
-                  </a:lnTo>
-                  <a:lnTo>
-                    <a:pt x="4097420" y="4097420"/>
-                  </a:lnTo>
-                  <a:lnTo>
-                    <a:pt x="0" y="4097420"/>
-                  </a:lnTo>
-                  <a:lnTo>
-                    <a:pt x="0" y="0"/>
-                  </a:lnTo>
-                  <a:close/>
-                </a:path>
-              </a:pathLst>
-            </a:custGeom>
-            <a:blipFill>
-              <a:blip r:embed="rId2">
-                <a:extLst>
-                  <a:ext uri="{96DAC541-7B7A-43D3-8B79-37D633B846F1}">
-                    <asvg:svgBlip xmlns:asvg="http://schemas.microsoft.com/office/drawing/2016/SVG/main" r:embed="rId3"/>
-                  </a:ext>
-                </a:extLst>
-              </a:blip>
-              <a:stretch>
-                <a:fillRect/>
-              </a:stretch>
-            </a:blipFill>
-            <a:ln cap="sq">
-              <a:noFill/>
-              <a:prstDash val="solid"/>
-              <a:miter/>
-            </a:ln>
-          </p:spPr>
-          <p:txBody>
-            <a:bodyPr/>
-            <a:lstStyle/>
-            <a:p>
-              <a:endParaRPr lang="ko-KR" altLang="en-US"/>
-            </a:p>
-          </p:txBody>
-        </p:sp>
-        <p:sp>
-          <p:nvSpPr>
-            <p:cNvPr id="5" name="Freeform 5"/>
-            <p:cNvSpPr/>
-            <p:nvPr/>
-          </p:nvSpPr>
-          <p:spPr>
-            <a:xfrm>
-              <a:off x="16346373" y="0"/>
-              <a:ext cx="4097420" cy="4097420"/>
-            </a:xfrm>
-            <a:custGeom>
-              <a:avLst/>
-              <a:gdLst/>
-              <a:ahLst/>
-              <a:cxnLst/>
-              <a:rect l="l" t="t" r="r" b="b"/>
-              <a:pathLst>
-                <a:path w="4097420" h="4097420">
-                  <a:moveTo>
-                    <a:pt x="0" y="0"/>
-                  </a:moveTo>
-                  <a:lnTo>
-                    <a:pt x="4097420" y="0"/>
-                  </a:lnTo>
-                  <a:lnTo>
-                    <a:pt x="4097420" y="4097420"/>
-                  </a:lnTo>
-                  <a:lnTo>
-                    <a:pt x="0" y="4097420"/>
-                  </a:lnTo>
-                  <a:lnTo>
-                    <a:pt x="0" y="0"/>
-                  </a:lnTo>
-                  <a:close/>
-                </a:path>
-              </a:pathLst>
-            </a:custGeom>
-            <a:blipFill>
-              <a:blip r:embed="rId2">
-                <a:extLst>
-                  <a:ext uri="{96DAC541-7B7A-43D3-8B79-37D633B846F1}">
-                    <asvg:svgBlip xmlns:asvg="http://schemas.microsoft.com/office/drawing/2016/SVG/main" r:embed="rId3"/>
-                  </a:ext>
-                </a:extLst>
-              </a:blip>
-              <a:stretch>
-                <a:fillRect/>
-              </a:stretch>
-            </a:blipFill>
-            <a:ln cap="sq">
-              <a:noFill/>
-              <a:prstDash val="solid"/>
-              <a:miter/>
-            </a:ln>
-          </p:spPr>
-          <p:txBody>
-            <a:bodyPr/>
-            <a:lstStyle/>
-            <a:p>
-              <a:endParaRPr lang="ko-KR" altLang="en-US"/>
-            </a:p>
-          </p:txBody>
-        </p:sp>
-        <p:sp>
-          <p:nvSpPr>
-            <p:cNvPr id="6" name="Freeform 6"/>
-            <p:cNvSpPr/>
-            <p:nvPr/>
-          </p:nvSpPr>
-          <p:spPr>
-            <a:xfrm>
-              <a:off x="4086593" y="0"/>
-              <a:ext cx="4097420" cy="4097420"/>
-            </a:xfrm>
-            <a:custGeom>
-              <a:avLst/>
-              <a:gdLst/>
-              <a:ahLst/>
-              <a:cxnLst/>
-              <a:rect l="l" t="t" r="r" b="b"/>
-              <a:pathLst>
-                <a:path w="4097420" h="4097420">
-                  <a:moveTo>
-                    <a:pt x="0" y="0"/>
-                  </a:moveTo>
-                  <a:lnTo>
-                    <a:pt x="4097420" y="0"/>
-                  </a:lnTo>
-                  <a:lnTo>
-                    <a:pt x="4097420" y="4097420"/>
-                  </a:lnTo>
-                  <a:lnTo>
-                    <a:pt x="0" y="4097420"/>
-                  </a:lnTo>
-                  <a:lnTo>
-                    <a:pt x="0" y="0"/>
-                  </a:lnTo>
-                  <a:close/>
-                </a:path>
-              </a:pathLst>
-            </a:custGeom>
-            <a:blipFill>
-              <a:blip r:embed="rId2">
-                <a:extLst>
-                  <a:ext uri="{96DAC541-7B7A-43D3-8B79-37D633B846F1}">
-                    <asvg:svgBlip xmlns:asvg="http://schemas.microsoft.com/office/drawing/2016/SVG/main" r:embed="rId3"/>
-                  </a:ext>
-                </a:extLst>
-              </a:blip>
-              <a:stretch>
-                <a:fillRect/>
-              </a:stretch>
-            </a:blipFill>
-            <a:ln cap="sq">
-              <a:noFill/>
-              <a:prstDash val="solid"/>
-              <a:miter/>
-            </a:ln>
-          </p:spPr>
-          <p:txBody>
-            <a:bodyPr/>
-            <a:lstStyle/>
-            <a:p>
-              <a:endParaRPr lang="ko-KR" altLang="en-US"/>
-            </a:p>
-          </p:txBody>
-        </p:sp>
-        <p:sp>
-          <p:nvSpPr>
-            <p:cNvPr id="7" name="Freeform 7"/>
-            <p:cNvSpPr/>
-            <p:nvPr/>
-          </p:nvSpPr>
-          <p:spPr>
-            <a:xfrm>
-              <a:off x="12259779" y="0"/>
-              <a:ext cx="4097420" cy="4097420"/>
-            </a:xfrm>
-            <a:custGeom>
-              <a:avLst/>
-              <a:gdLst/>
-              <a:ahLst/>
-              <a:cxnLst/>
-              <a:rect l="l" t="t" r="r" b="b"/>
-              <a:pathLst>
-                <a:path w="4097420" h="4097420">
-                  <a:moveTo>
-                    <a:pt x="0" y="0"/>
-                  </a:moveTo>
-                  <a:lnTo>
-                    <a:pt x="4097420" y="0"/>
-                  </a:lnTo>
-                  <a:lnTo>
-                    <a:pt x="4097420" y="4097420"/>
-                  </a:lnTo>
-                  <a:lnTo>
-                    <a:pt x="0" y="4097420"/>
-                  </a:lnTo>
-                  <a:lnTo>
-                    <a:pt x="0" y="0"/>
-                  </a:lnTo>
-                  <a:close/>
-                </a:path>
-              </a:pathLst>
-            </a:custGeom>
-            <a:blipFill>
-              <a:blip r:embed="rId2">
-                <a:extLst>
-                  <a:ext uri="{96DAC541-7B7A-43D3-8B79-37D633B846F1}">
-                    <asvg:svgBlip xmlns:asvg="http://schemas.microsoft.com/office/drawing/2016/SVG/main" r:embed="rId3"/>
-                  </a:ext>
-                </a:extLst>
-              </a:blip>
-              <a:stretch>
-                <a:fillRect/>
-              </a:stretch>
-            </a:blipFill>
-            <a:ln cap="sq">
-              <a:noFill/>
-              <a:prstDash val="solid"/>
-              <a:miter/>
-            </a:ln>
-          </p:spPr>
-          <p:txBody>
-            <a:bodyPr/>
-            <a:lstStyle/>
-            <a:p>
-              <a:endParaRPr lang="ko-KR" altLang="en-US"/>
-            </a:p>
-          </p:txBody>
-        </p:sp>
-        <p:sp>
-          <p:nvSpPr>
-            <p:cNvPr id="8" name="Freeform 8"/>
-            <p:cNvSpPr/>
-            <p:nvPr/>
-          </p:nvSpPr>
-          <p:spPr>
-            <a:xfrm>
-              <a:off x="20432966" y="0"/>
-              <a:ext cx="4097420" cy="4097420"/>
-            </a:xfrm>
-            <a:custGeom>
-              <a:avLst/>
-              <a:gdLst/>
-              <a:ahLst/>
-              <a:cxnLst/>
-              <a:rect l="l" t="t" r="r" b="b"/>
-              <a:pathLst>
-                <a:path w="4097420" h="4097420">
-                  <a:moveTo>
-                    <a:pt x="0" y="0"/>
-                  </a:moveTo>
-                  <a:lnTo>
-                    <a:pt x="4097420" y="0"/>
-                  </a:lnTo>
-                  <a:lnTo>
-                    <a:pt x="4097420" y="4097420"/>
-                  </a:lnTo>
-                  <a:lnTo>
-                    <a:pt x="0" y="4097420"/>
-                  </a:lnTo>
-                  <a:lnTo>
-                    <a:pt x="0" y="0"/>
-                  </a:lnTo>
-                  <a:close/>
-                </a:path>
-              </a:pathLst>
-            </a:custGeom>
-            <a:blipFill>
-              <a:blip r:embed="rId2">
-                <a:extLst>
-                  <a:ext uri="{96DAC541-7B7A-43D3-8B79-37D633B846F1}">
-                    <asvg:svgBlip xmlns:asvg="http://schemas.microsoft.com/office/drawing/2016/SVG/main" r:embed="rId3"/>
-                  </a:ext>
-                </a:extLst>
-              </a:blip>
-              <a:stretch>
-                <a:fillRect/>
-              </a:stretch>
-            </a:blipFill>
-            <a:ln cap="sq">
-              <a:noFill/>
-              <a:prstDash val="solid"/>
-              <a:miter/>
-            </a:ln>
-          </p:spPr>
-          <p:txBody>
-            <a:bodyPr/>
-            <a:lstStyle/>
-            <a:p>
-              <a:endParaRPr lang="ko-KR" altLang="en-US"/>
-            </a:p>
-          </p:txBody>
-        </p:sp>
-        <p:sp>
-          <p:nvSpPr>
-            <p:cNvPr id="9" name="Freeform 9"/>
-            <p:cNvSpPr/>
-            <p:nvPr/>
-          </p:nvSpPr>
-          <p:spPr>
-            <a:xfrm>
-              <a:off x="0" y="4076253"/>
-              <a:ext cx="4097420" cy="4097420"/>
-            </a:xfrm>
-            <a:custGeom>
-              <a:avLst/>
-              <a:gdLst/>
-              <a:ahLst/>
-              <a:cxnLst/>
-              <a:rect l="l" t="t" r="r" b="b"/>
-              <a:pathLst>
-                <a:path w="4097420" h="4097420">
-                  <a:moveTo>
-                    <a:pt x="0" y="0"/>
-                  </a:moveTo>
-                  <a:lnTo>
-                    <a:pt x="4097420" y="0"/>
-                  </a:lnTo>
-                  <a:lnTo>
-                    <a:pt x="4097420" y="4097420"/>
-                  </a:lnTo>
-                  <a:lnTo>
-                    <a:pt x="0" y="4097420"/>
-                  </a:lnTo>
-                  <a:lnTo>
-                    <a:pt x="0" y="0"/>
-                  </a:lnTo>
-                  <a:close/>
-                </a:path>
-              </a:pathLst>
-            </a:custGeom>
-            <a:blipFill>
-              <a:blip r:embed="rId2">
-                <a:extLst>
-                  <a:ext uri="{96DAC541-7B7A-43D3-8B79-37D633B846F1}">
-                    <asvg:svgBlip xmlns:asvg="http://schemas.microsoft.com/office/drawing/2016/SVG/main" r:embed="rId3"/>
-                  </a:ext>
-                </a:extLst>
-              </a:blip>
-              <a:stretch>
-                <a:fillRect/>
-              </a:stretch>
-            </a:blipFill>
-            <a:ln cap="sq">
-              <a:noFill/>
-              <a:prstDash val="solid"/>
-              <a:miter/>
-            </a:ln>
-          </p:spPr>
-          <p:txBody>
-            <a:bodyPr/>
-            <a:lstStyle/>
-            <a:p>
-              <a:endParaRPr lang="ko-KR" altLang="en-US"/>
-            </a:p>
-          </p:txBody>
-        </p:sp>
-        <p:sp>
-          <p:nvSpPr>
-            <p:cNvPr id="10" name="Freeform 10"/>
-            <p:cNvSpPr/>
-            <p:nvPr/>
-          </p:nvSpPr>
-          <p:spPr>
-            <a:xfrm>
-              <a:off x="8173186" y="4076253"/>
-              <a:ext cx="4097420" cy="4097420"/>
-            </a:xfrm>
-            <a:custGeom>
-              <a:avLst/>
-              <a:gdLst/>
-              <a:ahLst/>
-              <a:cxnLst/>
-              <a:rect l="l" t="t" r="r" b="b"/>
-              <a:pathLst>
-                <a:path w="4097420" h="4097420">
-                  <a:moveTo>
-                    <a:pt x="0" y="0"/>
-                  </a:moveTo>
-                  <a:lnTo>
-                    <a:pt x="4097420" y="0"/>
-                  </a:lnTo>
-                  <a:lnTo>
-                    <a:pt x="4097420" y="4097420"/>
-                  </a:lnTo>
-                  <a:lnTo>
-                    <a:pt x="0" y="4097420"/>
-                  </a:lnTo>
-                  <a:lnTo>
-                    <a:pt x="0" y="0"/>
-                  </a:lnTo>
-                  <a:close/>
-                </a:path>
-              </a:pathLst>
-            </a:custGeom>
-            <a:blipFill>
-              <a:blip r:embed="rId2">
-                <a:extLst>
-                  <a:ext uri="{96DAC541-7B7A-43D3-8B79-37D633B846F1}">
-                    <asvg:svgBlip xmlns:asvg="http://schemas.microsoft.com/office/drawing/2016/SVG/main" r:embed="rId3"/>
-                  </a:ext>
-                </a:extLst>
-              </a:blip>
-              <a:stretch>
-                <a:fillRect/>
-              </a:stretch>
-            </a:blipFill>
-            <a:ln cap="sq">
-              <a:noFill/>
-              <a:prstDash val="solid"/>
-              <a:miter/>
-            </a:ln>
-          </p:spPr>
-          <p:txBody>
-            <a:bodyPr/>
-            <a:lstStyle/>
-            <a:p>
-              <a:endParaRPr lang="ko-KR" altLang="en-US"/>
-            </a:p>
-          </p:txBody>
-        </p:sp>
-        <p:sp>
-          <p:nvSpPr>
-            <p:cNvPr id="11" name="Freeform 11"/>
-            <p:cNvSpPr/>
-            <p:nvPr/>
-          </p:nvSpPr>
-          <p:spPr>
-            <a:xfrm>
-              <a:off x="16346373" y="4076253"/>
-              <a:ext cx="4097420" cy="4097420"/>
-            </a:xfrm>
-            <a:custGeom>
-              <a:avLst/>
-              <a:gdLst/>
-              <a:ahLst/>
-              <a:cxnLst/>
-              <a:rect l="l" t="t" r="r" b="b"/>
-              <a:pathLst>
-                <a:path w="4097420" h="4097420">
-                  <a:moveTo>
-                    <a:pt x="0" y="0"/>
-                  </a:moveTo>
-                  <a:lnTo>
-                    <a:pt x="4097420" y="0"/>
-                  </a:lnTo>
-                  <a:lnTo>
-                    <a:pt x="4097420" y="4097420"/>
-                  </a:lnTo>
-                  <a:lnTo>
-                    <a:pt x="0" y="4097420"/>
-                  </a:lnTo>
-                  <a:lnTo>
-                    <a:pt x="0" y="0"/>
-                  </a:lnTo>
-                  <a:close/>
-                </a:path>
-              </a:pathLst>
-            </a:custGeom>
-            <a:blipFill>
-              <a:blip r:embed="rId2">
-                <a:extLst>
-                  <a:ext uri="{96DAC541-7B7A-43D3-8B79-37D633B846F1}">
-                    <asvg:svgBlip xmlns:asvg="http://schemas.microsoft.com/office/drawing/2016/SVG/main" r:embed="rId3"/>
-                  </a:ext>
-                </a:extLst>
-              </a:blip>
-              <a:stretch>
-                <a:fillRect/>
-              </a:stretch>
-            </a:blipFill>
-            <a:ln cap="sq">
-              <a:noFill/>
-              <a:prstDash val="solid"/>
-              <a:miter/>
-            </a:ln>
-          </p:spPr>
-          <p:txBody>
-            <a:bodyPr/>
-            <a:lstStyle/>
-            <a:p>
-              <a:endParaRPr lang="ko-KR" altLang="en-US"/>
-            </a:p>
-          </p:txBody>
-        </p:sp>
-        <p:sp>
-          <p:nvSpPr>
-            <p:cNvPr id="12" name="Freeform 12"/>
-            <p:cNvSpPr/>
-            <p:nvPr/>
-          </p:nvSpPr>
-          <p:spPr>
-            <a:xfrm>
-              <a:off x="4086593" y="4076253"/>
-              <a:ext cx="4097420" cy="4097420"/>
-            </a:xfrm>
-            <a:custGeom>
-              <a:avLst/>
-              <a:gdLst/>
-              <a:ahLst/>
-              <a:cxnLst/>
-              <a:rect l="l" t="t" r="r" b="b"/>
-              <a:pathLst>
-                <a:path w="4097420" h="4097420">
-                  <a:moveTo>
-                    <a:pt x="0" y="0"/>
-                  </a:moveTo>
-                  <a:lnTo>
-                    <a:pt x="4097420" y="0"/>
-                  </a:lnTo>
-                  <a:lnTo>
-                    <a:pt x="4097420" y="4097420"/>
-                  </a:lnTo>
-                  <a:lnTo>
-                    <a:pt x="0" y="4097420"/>
-                  </a:lnTo>
-                  <a:lnTo>
-                    <a:pt x="0" y="0"/>
-                  </a:lnTo>
-                  <a:close/>
-                </a:path>
-              </a:pathLst>
-            </a:custGeom>
-            <a:blipFill>
-              <a:blip r:embed="rId2">
-                <a:extLst>
-                  <a:ext uri="{96DAC541-7B7A-43D3-8B79-37D633B846F1}">
-                    <asvg:svgBlip xmlns:asvg="http://schemas.microsoft.com/office/drawing/2016/SVG/main" r:embed="rId3"/>
-                  </a:ext>
-                </a:extLst>
-              </a:blip>
-              <a:stretch>
-                <a:fillRect/>
-              </a:stretch>
-            </a:blipFill>
-            <a:ln cap="sq">
-              <a:noFill/>
-              <a:prstDash val="solid"/>
-              <a:miter/>
-            </a:ln>
-          </p:spPr>
-          <p:txBody>
-            <a:bodyPr/>
-            <a:lstStyle/>
-            <a:p>
-              <a:endParaRPr lang="ko-KR" altLang="en-US"/>
-            </a:p>
-          </p:txBody>
-        </p:sp>
-        <p:sp>
-          <p:nvSpPr>
-            <p:cNvPr id="13" name="Freeform 13"/>
-            <p:cNvSpPr/>
-            <p:nvPr/>
-          </p:nvSpPr>
-          <p:spPr>
-            <a:xfrm>
-              <a:off x="12259779" y="4076253"/>
-              <a:ext cx="4097420" cy="4097420"/>
-            </a:xfrm>
-            <a:custGeom>
-              <a:avLst/>
-              <a:gdLst/>
-              <a:ahLst/>
-              <a:cxnLst/>
-              <a:rect l="l" t="t" r="r" b="b"/>
-              <a:pathLst>
-                <a:path w="4097420" h="4097420">
-                  <a:moveTo>
-                    <a:pt x="0" y="0"/>
-                  </a:moveTo>
-                  <a:lnTo>
-                    <a:pt x="4097420" y="0"/>
-                  </a:lnTo>
-                  <a:lnTo>
-                    <a:pt x="4097420" y="4097420"/>
-                  </a:lnTo>
-                  <a:lnTo>
-                    <a:pt x="0" y="4097420"/>
-                  </a:lnTo>
-                  <a:lnTo>
-                    <a:pt x="0" y="0"/>
-                  </a:lnTo>
-                  <a:close/>
-                </a:path>
-              </a:pathLst>
-            </a:custGeom>
-            <a:blipFill>
-              <a:blip r:embed="rId2">
-                <a:extLst>
-                  <a:ext uri="{96DAC541-7B7A-43D3-8B79-37D633B846F1}">
-                    <asvg:svgBlip xmlns:asvg="http://schemas.microsoft.com/office/drawing/2016/SVG/main" r:embed="rId3"/>
-                  </a:ext>
-                </a:extLst>
-              </a:blip>
-              <a:stretch>
-                <a:fillRect/>
-              </a:stretch>
-            </a:blipFill>
-            <a:ln cap="sq">
-              <a:noFill/>
-              <a:prstDash val="solid"/>
-              <a:miter/>
-            </a:ln>
-          </p:spPr>
-          <p:txBody>
-            <a:bodyPr/>
-            <a:lstStyle/>
-            <a:p>
-              <a:endParaRPr lang="ko-KR" altLang="en-US"/>
-            </a:p>
-          </p:txBody>
-        </p:sp>
-        <p:sp>
-          <p:nvSpPr>
-            <p:cNvPr id="14" name="Freeform 14"/>
-            <p:cNvSpPr/>
-            <p:nvPr/>
-          </p:nvSpPr>
-          <p:spPr>
-            <a:xfrm>
-              <a:off x="20432966" y="4076253"/>
-              <a:ext cx="4097420" cy="4097420"/>
-            </a:xfrm>
-            <a:custGeom>
-              <a:avLst/>
-              <a:gdLst/>
-              <a:ahLst/>
-              <a:cxnLst/>
-              <a:rect l="l" t="t" r="r" b="b"/>
-              <a:pathLst>
-                <a:path w="4097420" h="4097420">
-                  <a:moveTo>
-                    <a:pt x="0" y="0"/>
-                  </a:moveTo>
-                  <a:lnTo>
-                    <a:pt x="4097420" y="0"/>
-                  </a:lnTo>
-                  <a:lnTo>
-                    <a:pt x="4097420" y="4097420"/>
-                  </a:lnTo>
-                  <a:lnTo>
-                    <a:pt x="0" y="4097420"/>
-                  </a:lnTo>
-                  <a:lnTo>
-                    <a:pt x="0" y="0"/>
-                  </a:lnTo>
-                  <a:close/>
-                </a:path>
-              </a:pathLst>
-            </a:custGeom>
-            <a:blipFill>
-              <a:blip r:embed="rId2">
-                <a:extLst>
-                  <a:ext uri="{96DAC541-7B7A-43D3-8B79-37D633B846F1}">
-                    <asvg:svgBlip xmlns:asvg="http://schemas.microsoft.com/office/drawing/2016/SVG/main" r:embed="rId3"/>
-                  </a:ext>
-                </a:extLst>
-              </a:blip>
-              <a:stretch>
-                <a:fillRect/>
-              </a:stretch>
-            </a:blipFill>
-            <a:ln cap="sq">
-              <a:noFill/>
-              <a:prstDash val="solid"/>
-              <a:miter/>
-            </a:ln>
-          </p:spPr>
-          <p:txBody>
-            <a:bodyPr/>
-            <a:lstStyle/>
-            <a:p>
-              <a:endParaRPr lang="ko-KR" altLang="en-US"/>
-            </a:p>
-          </p:txBody>
-        </p:sp>
-        <p:sp>
-          <p:nvSpPr>
-            <p:cNvPr id="15" name="Freeform 15"/>
-            <p:cNvSpPr/>
-            <p:nvPr/>
-          </p:nvSpPr>
-          <p:spPr>
-            <a:xfrm>
-              <a:off x="0" y="8152507"/>
-              <a:ext cx="4097420" cy="4097420"/>
-            </a:xfrm>
-            <a:custGeom>
-              <a:avLst/>
-              <a:gdLst/>
-              <a:ahLst/>
-              <a:cxnLst/>
-              <a:rect l="l" t="t" r="r" b="b"/>
-              <a:pathLst>
-                <a:path w="4097420" h="4097420">
-                  <a:moveTo>
-                    <a:pt x="0" y="0"/>
-                  </a:moveTo>
-                  <a:lnTo>
-                    <a:pt x="4097420" y="0"/>
-                  </a:lnTo>
-                  <a:lnTo>
-                    <a:pt x="4097420" y="4097420"/>
-                  </a:lnTo>
-                  <a:lnTo>
-                    <a:pt x="0" y="4097420"/>
-                  </a:lnTo>
-                  <a:lnTo>
-                    <a:pt x="0" y="0"/>
-                  </a:lnTo>
-                  <a:close/>
-                </a:path>
-              </a:pathLst>
-            </a:custGeom>
-            <a:blipFill>
-              <a:blip r:embed="rId2">
-                <a:extLst>
-                  <a:ext uri="{96DAC541-7B7A-43D3-8B79-37D633B846F1}">
-                    <asvg:svgBlip xmlns:asvg="http://schemas.microsoft.com/office/drawing/2016/SVG/main" r:embed="rId3"/>
-                  </a:ext>
-                </a:extLst>
-              </a:blip>
-              <a:stretch>
-                <a:fillRect/>
-              </a:stretch>
-            </a:blipFill>
-            <a:ln cap="sq">
-              <a:noFill/>
-              <a:prstDash val="solid"/>
-              <a:miter/>
-            </a:ln>
-          </p:spPr>
-          <p:txBody>
-            <a:bodyPr/>
-            <a:lstStyle/>
-            <a:p>
-              <a:endParaRPr lang="ko-KR" altLang="en-US"/>
-            </a:p>
-          </p:txBody>
-        </p:sp>
-        <p:sp>
-          <p:nvSpPr>
-            <p:cNvPr id="16" name="Freeform 16"/>
-            <p:cNvSpPr/>
-            <p:nvPr/>
-          </p:nvSpPr>
-          <p:spPr>
-            <a:xfrm>
-              <a:off x="8173186" y="8152507"/>
-              <a:ext cx="4097420" cy="4097420"/>
-            </a:xfrm>
-            <a:custGeom>
-              <a:avLst/>
-              <a:gdLst/>
-              <a:ahLst/>
-              <a:cxnLst/>
-              <a:rect l="l" t="t" r="r" b="b"/>
-              <a:pathLst>
-                <a:path w="4097420" h="4097420">
-                  <a:moveTo>
-                    <a:pt x="0" y="0"/>
-                  </a:moveTo>
-                  <a:lnTo>
-                    <a:pt x="4097420" y="0"/>
-                  </a:lnTo>
-                  <a:lnTo>
-                    <a:pt x="4097420" y="4097420"/>
-                  </a:lnTo>
-                  <a:lnTo>
-                    <a:pt x="0" y="4097420"/>
-                  </a:lnTo>
-                  <a:lnTo>
-                    <a:pt x="0" y="0"/>
-                  </a:lnTo>
-                  <a:close/>
-                </a:path>
-              </a:pathLst>
-            </a:custGeom>
-            <a:blipFill>
-              <a:blip r:embed="rId2">
-                <a:extLst>
-                  <a:ext uri="{96DAC541-7B7A-43D3-8B79-37D633B846F1}">
-                    <asvg:svgBlip xmlns:asvg="http://schemas.microsoft.com/office/drawing/2016/SVG/main" r:embed="rId3"/>
-                  </a:ext>
-                </a:extLst>
-              </a:blip>
-              <a:stretch>
-                <a:fillRect/>
-              </a:stretch>
-            </a:blipFill>
-            <a:ln cap="sq">
-              <a:noFill/>
-              <a:prstDash val="solid"/>
-              <a:miter/>
-            </a:ln>
-          </p:spPr>
-          <p:txBody>
-            <a:bodyPr/>
-            <a:lstStyle/>
-            <a:p>
-              <a:endParaRPr lang="ko-KR" altLang="en-US"/>
-            </a:p>
-          </p:txBody>
-        </p:sp>
-        <p:sp>
-          <p:nvSpPr>
-            <p:cNvPr id="17" name="Freeform 17"/>
-            <p:cNvSpPr/>
-            <p:nvPr/>
-          </p:nvSpPr>
-          <p:spPr>
-            <a:xfrm>
-              <a:off x="16346373" y="8152507"/>
-              <a:ext cx="4097420" cy="4097420"/>
-            </a:xfrm>
-            <a:custGeom>
-              <a:avLst/>
-              <a:gdLst/>
-              <a:ahLst/>
-              <a:cxnLst/>
-              <a:rect l="l" t="t" r="r" b="b"/>
-              <a:pathLst>
-                <a:path w="4097420" h="4097420">
-                  <a:moveTo>
-                    <a:pt x="0" y="0"/>
-                  </a:moveTo>
-                  <a:lnTo>
-                    <a:pt x="4097420" y="0"/>
-                  </a:lnTo>
-                  <a:lnTo>
-                    <a:pt x="4097420" y="4097420"/>
-                  </a:lnTo>
-                  <a:lnTo>
-                    <a:pt x="0" y="4097420"/>
-                  </a:lnTo>
-                  <a:lnTo>
-                    <a:pt x="0" y="0"/>
-                  </a:lnTo>
-                  <a:close/>
-                </a:path>
-              </a:pathLst>
-            </a:custGeom>
-            <a:blipFill>
-              <a:blip r:embed="rId2">
-                <a:extLst>
-                  <a:ext uri="{96DAC541-7B7A-43D3-8B79-37D633B846F1}">
-                    <asvg:svgBlip xmlns:asvg="http://schemas.microsoft.com/office/drawing/2016/SVG/main" r:embed="rId3"/>
-                  </a:ext>
-                </a:extLst>
-              </a:blip>
-              <a:stretch>
-                <a:fillRect/>
-              </a:stretch>
-            </a:blipFill>
-            <a:ln cap="sq">
-              <a:noFill/>
-              <a:prstDash val="solid"/>
-              <a:miter/>
-            </a:ln>
-          </p:spPr>
-          <p:txBody>
-            <a:bodyPr/>
-            <a:lstStyle/>
-            <a:p>
-              <a:endParaRPr lang="ko-KR" altLang="en-US"/>
-            </a:p>
-          </p:txBody>
-        </p:sp>
-        <p:sp>
-          <p:nvSpPr>
-            <p:cNvPr id="18" name="Freeform 18"/>
-            <p:cNvSpPr/>
-            <p:nvPr/>
-          </p:nvSpPr>
-          <p:spPr>
-            <a:xfrm>
-              <a:off x="4086593" y="8152507"/>
-              <a:ext cx="4097420" cy="4097420"/>
-            </a:xfrm>
-            <a:custGeom>
-              <a:avLst/>
-              <a:gdLst/>
-              <a:ahLst/>
-              <a:cxnLst/>
-              <a:rect l="l" t="t" r="r" b="b"/>
-              <a:pathLst>
-                <a:path w="4097420" h="4097420">
-                  <a:moveTo>
-                    <a:pt x="0" y="0"/>
-                  </a:moveTo>
-                  <a:lnTo>
-                    <a:pt x="4097420" y="0"/>
-                  </a:lnTo>
-                  <a:lnTo>
-                    <a:pt x="4097420" y="4097420"/>
-                  </a:lnTo>
-                  <a:lnTo>
-                    <a:pt x="0" y="4097420"/>
-                  </a:lnTo>
-                  <a:lnTo>
-                    <a:pt x="0" y="0"/>
-                  </a:lnTo>
-                  <a:close/>
-                </a:path>
-              </a:pathLst>
-            </a:custGeom>
-            <a:blipFill>
-              <a:blip r:embed="rId2">
-                <a:extLst>
-                  <a:ext uri="{96DAC541-7B7A-43D3-8B79-37D633B846F1}">
-                    <asvg:svgBlip xmlns:asvg="http://schemas.microsoft.com/office/drawing/2016/SVG/main" r:embed="rId3"/>
-                  </a:ext>
-                </a:extLst>
-              </a:blip>
-              <a:stretch>
-                <a:fillRect/>
-              </a:stretch>
-            </a:blipFill>
-            <a:ln cap="sq">
-              <a:noFill/>
-              <a:prstDash val="solid"/>
-              <a:miter/>
-            </a:ln>
-          </p:spPr>
-          <p:txBody>
-            <a:bodyPr/>
-            <a:lstStyle/>
-            <a:p>
-              <a:endParaRPr lang="ko-KR" altLang="en-US"/>
-            </a:p>
-          </p:txBody>
-        </p:sp>
-        <p:sp>
-          <p:nvSpPr>
-            <p:cNvPr id="19" name="Freeform 19"/>
-            <p:cNvSpPr/>
-            <p:nvPr/>
-          </p:nvSpPr>
-          <p:spPr>
-            <a:xfrm>
-              <a:off x="12259779" y="8152507"/>
-              <a:ext cx="4097420" cy="4097420"/>
-            </a:xfrm>
-            <a:custGeom>
-              <a:avLst/>
-              <a:gdLst/>
-              <a:ahLst/>
-              <a:cxnLst/>
-              <a:rect l="l" t="t" r="r" b="b"/>
-              <a:pathLst>
-                <a:path w="4097420" h="4097420">
-                  <a:moveTo>
-                    <a:pt x="0" y="0"/>
-                  </a:moveTo>
-                  <a:lnTo>
-                    <a:pt x="4097420" y="0"/>
-                  </a:lnTo>
-                  <a:lnTo>
-                    <a:pt x="4097420" y="4097420"/>
-                  </a:lnTo>
-                  <a:lnTo>
-                    <a:pt x="0" y="4097420"/>
-                  </a:lnTo>
-                  <a:lnTo>
-                    <a:pt x="0" y="0"/>
-                  </a:lnTo>
-                  <a:close/>
-                </a:path>
-              </a:pathLst>
-            </a:custGeom>
-            <a:blipFill>
-              <a:blip r:embed="rId2">
-                <a:extLst>
-                  <a:ext uri="{96DAC541-7B7A-43D3-8B79-37D633B846F1}">
-                    <asvg:svgBlip xmlns:asvg="http://schemas.microsoft.com/office/drawing/2016/SVG/main" r:embed="rId3"/>
-                  </a:ext>
-                </a:extLst>
-              </a:blip>
-              <a:stretch>
-                <a:fillRect/>
-              </a:stretch>
-            </a:blipFill>
-            <a:ln cap="sq">
-              <a:noFill/>
-              <a:prstDash val="solid"/>
-              <a:miter/>
-            </a:ln>
-          </p:spPr>
-          <p:txBody>
-            <a:bodyPr/>
-            <a:lstStyle/>
-            <a:p>
-              <a:endParaRPr lang="ko-KR" altLang="en-US"/>
-            </a:p>
-          </p:txBody>
-        </p:sp>
-        <p:sp>
-          <p:nvSpPr>
-            <p:cNvPr id="20" name="Freeform 20"/>
-            <p:cNvSpPr/>
-            <p:nvPr/>
-          </p:nvSpPr>
-          <p:spPr>
-            <a:xfrm>
-              <a:off x="20432966" y="8152507"/>
-              <a:ext cx="4097420" cy="4097420"/>
-            </a:xfrm>
-            <a:custGeom>
-              <a:avLst/>
-              <a:gdLst/>
-              <a:ahLst/>
-              <a:cxnLst/>
-              <a:rect l="l" t="t" r="r" b="b"/>
-              <a:pathLst>
-                <a:path w="4097420" h="4097420">
-                  <a:moveTo>
-                    <a:pt x="0" y="0"/>
-                  </a:moveTo>
-                  <a:lnTo>
-                    <a:pt x="4097420" y="0"/>
-                  </a:lnTo>
-                  <a:lnTo>
-                    <a:pt x="4097420" y="4097420"/>
-                  </a:lnTo>
-                  <a:lnTo>
-                    <a:pt x="0" y="4097420"/>
-                  </a:lnTo>
-                  <a:lnTo>
-                    <a:pt x="0" y="0"/>
-                  </a:lnTo>
-                  <a:close/>
-                </a:path>
-              </a:pathLst>
-            </a:custGeom>
-            <a:blipFill>
-              <a:blip r:embed="rId2">
-                <a:extLst>
-                  <a:ext uri="{96DAC541-7B7A-43D3-8B79-37D633B846F1}">
-                    <asvg:svgBlip xmlns:asvg="http://schemas.microsoft.com/office/drawing/2016/SVG/main" r:embed="rId3"/>
-                  </a:ext>
-                </a:extLst>
-              </a:blip>
-              <a:stretch>
-                <a:fillRect/>
-              </a:stretch>
-            </a:blipFill>
-            <a:ln cap="sq">
-              <a:noFill/>
-              <a:prstDash val="solid"/>
-              <a:miter/>
-            </a:ln>
-          </p:spPr>
-          <p:txBody>
-            <a:bodyPr/>
-            <a:lstStyle/>
-            <a:p>
-              <a:endParaRPr lang="ko-KR" altLang="en-US"/>
-            </a:p>
-          </p:txBody>
-        </p:sp>
-        <p:sp>
-          <p:nvSpPr>
-            <p:cNvPr id="21" name="Freeform 21"/>
-            <p:cNvSpPr/>
-            <p:nvPr/>
-          </p:nvSpPr>
-          <p:spPr>
-            <a:xfrm>
-              <a:off x="0" y="12249927"/>
-              <a:ext cx="4097420" cy="4097420"/>
-            </a:xfrm>
-            <a:custGeom>
-              <a:avLst/>
-              <a:gdLst/>
-              <a:ahLst/>
-              <a:cxnLst/>
-              <a:rect l="l" t="t" r="r" b="b"/>
-              <a:pathLst>
-                <a:path w="4097420" h="4097420">
-                  <a:moveTo>
-                    <a:pt x="0" y="0"/>
-                  </a:moveTo>
-                  <a:lnTo>
-                    <a:pt x="4097420" y="0"/>
-                  </a:lnTo>
-                  <a:lnTo>
-                    <a:pt x="4097420" y="4097419"/>
-                  </a:lnTo>
-                  <a:lnTo>
-                    <a:pt x="0" y="4097419"/>
-                  </a:lnTo>
-                  <a:lnTo>
-                    <a:pt x="0" y="0"/>
-                  </a:lnTo>
-                  <a:close/>
-                </a:path>
-              </a:pathLst>
-            </a:custGeom>
-            <a:blipFill>
-              <a:blip r:embed="rId2">
-                <a:extLst>
-                  <a:ext uri="{96DAC541-7B7A-43D3-8B79-37D633B846F1}">
-                    <asvg:svgBlip xmlns:asvg="http://schemas.microsoft.com/office/drawing/2016/SVG/main" r:embed="rId3"/>
-                  </a:ext>
-                </a:extLst>
-              </a:blip>
-              <a:stretch>
-                <a:fillRect/>
-              </a:stretch>
-            </a:blipFill>
-            <a:ln cap="sq">
-              <a:noFill/>
-              <a:prstDash val="solid"/>
-              <a:miter/>
-            </a:ln>
-          </p:spPr>
-          <p:txBody>
-            <a:bodyPr/>
-            <a:lstStyle/>
-            <a:p>
-              <a:endParaRPr lang="ko-KR" altLang="en-US"/>
-            </a:p>
-          </p:txBody>
-        </p:sp>
-        <p:sp>
-          <p:nvSpPr>
-            <p:cNvPr id="22" name="Freeform 22"/>
-            <p:cNvSpPr/>
-            <p:nvPr/>
-          </p:nvSpPr>
-          <p:spPr>
-            <a:xfrm>
-              <a:off x="8173186" y="12249927"/>
-              <a:ext cx="4097420" cy="4097420"/>
-            </a:xfrm>
-            <a:custGeom>
-              <a:avLst/>
-              <a:gdLst/>
-              <a:ahLst/>
-              <a:cxnLst/>
-              <a:rect l="l" t="t" r="r" b="b"/>
-              <a:pathLst>
-                <a:path w="4097420" h="4097420">
-                  <a:moveTo>
-                    <a:pt x="0" y="0"/>
-                  </a:moveTo>
-                  <a:lnTo>
-                    <a:pt x="4097420" y="0"/>
-                  </a:lnTo>
-                  <a:lnTo>
-                    <a:pt x="4097420" y="4097419"/>
-                  </a:lnTo>
-                  <a:lnTo>
-                    <a:pt x="0" y="4097419"/>
-                  </a:lnTo>
-                  <a:lnTo>
-                    <a:pt x="0" y="0"/>
-                  </a:lnTo>
-                  <a:close/>
-                </a:path>
-              </a:pathLst>
-            </a:custGeom>
-            <a:blipFill>
-              <a:blip r:embed="rId2">
-                <a:extLst>
-                  <a:ext uri="{96DAC541-7B7A-43D3-8B79-37D633B846F1}">
-                    <asvg:svgBlip xmlns:asvg="http://schemas.microsoft.com/office/drawing/2016/SVG/main" r:embed="rId3"/>
-                  </a:ext>
-                </a:extLst>
-              </a:blip>
-              <a:stretch>
-                <a:fillRect/>
-              </a:stretch>
-            </a:blipFill>
-            <a:ln cap="sq">
-              <a:noFill/>
-              <a:prstDash val="solid"/>
-              <a:miter/>
-            </a:ln>
-          </p:spPr>
-          <p:txBody>
-            <a:bodyPr/>
-            <a:lstStyle/>
-            <a:p>
-              <a:endParaRPr lang="ko-KR" altLang="en-US"/>
-            </a:p>
-          </p:txBody>
-        </p:sp>
-        <p:sp>
-          <p:nvSpPr>
-            <p:cNvPr id="23" name="Freeform 23"/>
-            <p:cNvSpPr/>
-            <p:nvPr/>
-          </p:nvSpPr>
-          <p:spPr>
-            <a:xfrm>
-              <a:off x="16346373" y="12249927"/>
-              <a:ext cx="4097420" cy="4097420"/>
-            </a:xfrm>
-            <a:custGeom>
-              <a:avLst/>
-              <a:gdLst/>
-              <a:ahLst/>
-              <a:cxnLst/>
-              <a:rect l="l" t="t" r="r" b="b"/>
-              <a:pathLst>
-                <a:path w="4097420" h="4097420">
-                  <a:moveTo>
-                    <a:pt x="0" y="0"/>
-                  </a:moveTo>
-                  <a:lnTo>
-                    <a:pt x="4097420" y="0"/>
-                  </a:lnTo>
-                  <a:lnTo>
-                    <a:pt x="4097420" y="4097419"/>
-                  </a:lnTo>
-                  <a:lnTo>
-                    <a:pt x="0" y="4097419"/>
-                  </a:lnTo>
-                  <a:lnTo>
-                    <a:pt x="0" y="0"/>
-                  </a:lnTo>
-                  <a:close/>
-                </a:path>
-              </a:pathLst>
-            </a:custGeom>
-            <a:blipFill>
-              <a:blip r:embed="rId2">
-                <a:extLst>
-                  <a:ext uri="{96DAC541-7B7A-43D3-8B79-37D633B846F1}">
-                    <asvg:svgBlip xmlns:asvg="http://schemas.microsoft.com/office/drawing/2016/SVG/main" r:embed="rId3"/>
-                  </a:ext>
-                </a:extLst>
-              </a:blip>
-              <a:stretch>
-                <a:fillRect/>
-              </a:stretch>
-            </a:blipFill>
-            <a:ln cap="sq">
-              <a:noFill/>
-              <a:prstDash val="solid"/>
-              <a:miter/>
-            </a:ln>
-          </p:spPr>
-          <p:txBody>
-            <a:bodyPr/>
-            <a:lstStyle/>
-            <a:p>
-              <a:endParaRPr lang="ko-KR" altLang="en-US"/>
-            </a:p>
-          </p:txBody>
-        </p:sp>
-        <p:sp>
-          <p:nvSpPr>
-            <p:cNvPr id="24" name="Freeform 24"/>
-            <p:cNvSpPr/>
-            <p:nvPr/>
-          </p:nvSpPr>
-          <p:spPr>
-            <a:xfrm>
-              <a:off x="4086593" y="12249927"/>
-              <a:ext cx="4097420" cy="4097420"/>
-            </a:xfrm>
-            <a:custGeom>
-              <a:avLst/>
-              <a:gdLst/>
-              <a:ahLst/>
-              <a:cxnLst/>
-              <a:rect l="l" t="t" r="r" b="b"/>
-              <a:pathLst>
-                <a:path w="4097420" h="4097420">
-                  <a:moveTo>
-                    <a:pt x="0" y="0"/>
-                  </a:moveTo>
-                  <a:lnTo>
-                    <a:pt x="4097420" y="0"/>
-                  </a:lnTo>
-                  <a:lnTo>
-                    <a:pt x="4097420" y="4097419"/>
-                  </a:lnTo>
-                  <a:lnTo>
-                    <a:pt x="0" y="4097419"/>
-                  </a:lnTo>
-                  <a:lnTo>
-                    <a:pt x="0" y="0"/>
-                  </a:lnTo>
-                  <a:close/>
-                </a:path>
-              </a:pathLst>
-            </a:custGeom>
-            <a:blipFill>
-              <a:blip r:embed="rId2">
-                <a:extLst>
-                  <a:ext uri="{96DAC541-7B7A-43D3-8B79-37D633B846F1}">
-                    <asvg:svgBlip xmlns:asvg="http://schemas.microsoft.com/office/drawing/2016/SVG/main" r:embed="rId3"/>
-                  </a:ext>
-                </a:extLst>
-              </a:blip>
-              <a:stretch>
-                <a:fillRect/>
-              </a:stretch>
-            </a:blipFill>
-            <a:ln cap="sq">
-              <a:noFill/>
-              <a:prstDash val="solid"/>
-              <a:miter/>
-            </a:ln>
-          </p:spPr>
-          <p:txBody>
-            <a:bodyPr/>
-            <a:lstStyle/>
-            <a:p>
-              <a:endParaRPr lang="ko-KR" altLang="en-US"/>
-            </a:p>
-          </p:txBody>
-        </p:sp>
-        <p:sp>
-          <p:nvSpPr>
-            <p:cNvPr id="25" name="Freeform 25"/>
-            <p:cNvSpPr/>
-            <p:nvPr/>
-          </p:nvSpPr>
-          <p:spPr>
-            <a:xfrm>
-              <a:off x="12259779" y="12249927"/>
-              <a:ext cx="4097420" cy="4097420"/>
-            </a:xfrm>
-            <a:custGeom>
-              <a:avLst/>
-              <a:gdLst/>
-              <a:ahLst/>
-              <a:cxnLst/>
-              <a:rect l="l" t="t" r="r" b="b"/>
-              <a:pathLst>
-                <a:path w="4097420" h="4097420">
-                  <a:moveTo>
-                    <a:pt x="0" y="0"/>
-                  </a:moveTo>
-                  <a:lnTo>
-                    <a:pt x="4097420" y="0"/>
-                  </a:lnTo>
-                  <a:lnTo>
-                    <a:pt x="4097420" y="4097419"/>
-                  </a:lnTo>
-                  <a:lnTo>
-                    <a:pt x="0" y="4097419"/>
-                  </a:lnTo>
-                  <a:lnTo>
-                    <a:pt x="0" y="0"/>
-                  </a:lnTo>
-                  <a:close/>
-                </a:path>
-              </a:pathLst>
-            </a:custGeom>
-            <a:blipFill>
-              <a:blip r:embed="rId2">
-                <a:extLst>
-                  <a:ext uri="{96DAC541-7B7A-43D3-8B79-37D633B846F1}">
-                    <asvg:svgBlip xmlns:asvg="http://schemas.microsoft.com/office/drawing/2016/SVG/main" r:embed="rId3"/>
-                  </a:ext>
-                </a:extLst>
-              </a:blip>
-              <a:stretch>
-                <a:fillRect/>
-              </a:stretch>
-            </a:blipFill>
-            <a:ln cap="sq">
-              <a:noFill/>
-              <a:prstDash val="solid"/>
-              <a:miter/>
-            </a:ln>
-          </p:spPr>
-          <p:txBody>
-            <a:bodyPr/>
-            <a:lstStyle/>
-            <a:p>
-              <a:endParaRPr lang="ko-KR" altLang="en-US"/>
-            </a:p>
-          </p:txBody>
-        </p:sp>
-        <p:sp>
-          <p:nvSpPr>
-            <p:cNvPr id="26" name="Freeform 26"/>
-            <p:cNvSpPr/>
-            <p:nvPr/>
-          </p:nvSpPr>
-          <p:spPr>
-            <a:xfrm>
-              <a:off x="20432966" y="12249927"/>
-              <a:ext cx="4097420" cy="4097420"/>
-            </a:xfrm>
-            <a:custGeom>
-              <a:avLst/>
-              <a:gdLst/>
-              <a:ahLst/>
-              <a:cxnLst/>
-              <a:rect l="l" t="t" r="r" b="b"/>
-              <a:pathLst>
-                <a:path w="4097420" h="4097420">
-                  <a:moveTo>
-                    <a:pt x="0" y="0"/>
-                  </a:moveTo>
-                  <a:lnTo>
-                    <a:pt x="4097420" y="0"/>
-                  </a:lnTo>
-                  <a:lnTo>
-                    <a:pt x="4097420" y="4097419"/>
-                  </a:lnTo>
-                  <a:lnTo>
-                    <a:pt x="0" y="4097419"/>
-                  </a:lnTo>
-                  <a:lnTo>
-                    <a:pt x="0" y="0"/>
-                  </a:lnTo>
-                  <a:close/>
-                </a:path>
-              </a:pathLst>
-            </a:custGeom>
-            <a:blipFill>
-              <a:blip r:embed="rId2">
-                <a:extLst>
-                  <a:ext uri="{96DAC541-7B7A-43D3-8B79-37D633B846F1}">
-                    <asvg:svgBlip xmlns:asvg="http://schemas.microsoft.com/office/drawing/2016/SVG/main" r:embed="rId3"/>
-                  </a:ext>
-                </a:extLst>
-              </a:blip>
-              <a:stretch>
-                <a:fillRect/>
-              </a:stretch>
-            </a:blipFill>
-            <a:ln cap="sq">
-              <a:noFill/>
-              <a:prstDash val="solid"/>
-              <a:miter/>
-            </a:ln>
-          </p:spPr>
-          <p:txBody>
-            <a:bodyPr/>
-            <a:lstStyle/>
-            <a:p>
-              <a:endParaRPr lang="ko-KR" altLang="en-US"/>
-            </a:p>
-          </p:txBody>
-        </p:sp>
-      </p:grpSp>
-      <p:grpSp>
-        <p:nvGrpSpPr>
-          <p:cNvPr id="27" name="Group 27"/>
-          <p:cNvGrpSpPr/>
-          <p:nvPr/>
-        </p:nvGrpSpPr>
-        <p:grpSpPr>
-          <a:xfrm>
-            <a:off x="1028700" y="936185"/>
-            <a:ext cx="16230600" cy="8414630"/>
-            <a:chOff x="0" y="0"/>
-            <a:chExt cx="7599513" cy="3939909"/>
-          </a:xfrm>
-        </p:grpSpPr>
-        <p:sp>
-          <p:nvSpPr>
-            <p:cNvPr id="28" name="Freeform 28"/>
-            <p:cNvSpPr/>
-            <p:nvPr/>
-          </p:nvSpPr>
-          <p:spPr>
-            <a:xfrm>
-              <a:off x="0" y="0"/>
-              <a:ext cx="7599513" cy="3939909"/>
-            </a:xfrm>
-            <a:custGeom>
-              <a:avLst/>
-              <a:gdLst/>
-              <a:ahLst/>
-              <a:cxnLst/>
-              <a:rect l="l" t="t" r="r" b="b"/>
-              <a:pathLst>
-                <a:path w="7599513" h="3939909">
-                  <a:moveTo>
-                    <a:pt x="13833" y="0"/>
-                  </a:moveTo>
-                  <a:lnTo>
-                    <a:pt x="7585680" y="0"/>
-                  </a:lnTo>
-                  <a:cubicBezTo>
-                    <a:pt x="7593319" y="0"/>
-                    <a:pt x="7599513" y="6193"/>
-                    <a:pt x="7599513" y="13833"/>
-                  </a:cubicBezTo>
-                  <a:lnTo>
-                    <a:pt x="7599513" y="3926076"/>
-                  </a:lnTo>
-                  <a:cubicBezTo>
-                    <a:pt x="7599513" y="3933716"/>
-                    <a:pt x="7593319" y="3939909"/>
-                    <a:pt x="7585680" y="3939909"/>
-                  </a:cubicBezTo>
-                  <a:lnTo>
-                    <a:pt x="13833" y="3939909"/>
-                  </a:lnTo>
-                  <a:cubicBezTo>
-                    <a:pt x="6193" y="3939909"/>
-                    <a:pt x="0" y="3933716"/>
-                    <a:pt x="0" y="3926076"/>
-                  </a:cubicBezTo>
-                  <a:lnTo>
-                    <a:pt x="0" y="13833"/>
-                  </a:lnTo>
-                  <a:cubicBezTo>
-                    <a:pt x="0" y="6193"/>
-                    <a:pt x="6193" y="0"/>
-                    <a:pt x="13833" y="0"/>
-                  </a:cubicBezTo>
-                  <a:close/>
-                </a:path>
-              </a:pathLst>
-            </a:custGeom>
-            <a:solidFill>
-              <a:srgbClr val="FDF7F2"/>
-            </a:solidFill>
-            <a:ln w="28575" cap="rnd">
+            <a:endParaRPr lang="en-US" sz="8845" dirty="0">
               <a:solidFill>
                 <a:srgbClr val="40352D"/>
               </a:solidFill>
-              <a:prstDash val="solid"/>
-              <a:round/>
-            </a:ln>
-          </p:spPr>
-          <p:txBody>
-            <a:bodyPr/>
-            <a:lstStyle/>
-            <a:p>
-              <a:endParaRPr lang="ko-KR" altLang="en-US"/>
-            </a:p>
-          </p:txBody>
-        </p:sp>
-        <p:sp>
-          <p:nvSpPr>
-            <p:cNvPr id="29" name="TextBox 29"/>
-            <p:cNvSpPr txBox="1"/>
-            <p:nvPr/>
-          </p:nvSpPr>
-          <p:spPr>
-            <a:xfrm>
-              <a:off x="0" y="-19050"/>
-              <a:ext cx="7599513" cy="3958959"/>
-            </a:xfrm>
-            <a:prstGeom prst="rect">
-              <a:avLst/>
-            </a:prstGeom>
-          </p:spPr>
-          <p:txBody>
-            <a:bodyPr lIns="28575" tIns="28575" rIns="28575" bIns="28575" rtlCol="0" anchor="ctr"/>
-            <a:lstStyle/>
-            <a:p>
-              <a:pPr marL="0" lvl="0" indent="0" algn="ctr">
-                <a:lnSpc>
-                  <a:spcPts val="1496"/>
-                </a:lnSpc>
-                <a:spcBef>
-                  <a:spcPct val="0"/>
-                </a:spcBef>
-              </a:pPr>
-              <a:endParaRPr/>
-            </a:p>
-          </p:txBody>
-        </p:sp>
-      </p:grpSp>
-      <p:grpSp>
-        <p:nvGrpSpPr>
-          <p:cNvPr id="30" name="Group 30"/>
-          <p:cNvGrpSpPr/>
-          <p:nvPr/>
-        </p:nvGrpSpPr>
-        <p:grpSpPr>
-          <a:xfrm>
-            <a:off x="5746289" y="2317812"/>
-            <a:ext cx="6795423" cy="852248"/>
-            <a:chOff x="0" y="0"/>
-            <a:chExt cx="3181762" cy="399040"/>
-          </a:xfrm>
-        </p:grpSpPr>
-        <p:sp>
-          <p:nvSpPr>
-            <p:cNvPr id="31" name="Freeform 31"/>
-            <p:cNvSpPr/>
-            <p:nvPr/>
-          </p:nvSpPr>
-          <p:spPr>
-            <a:xfrm>
-              <a:off x="0" y="0"/>
-              <a:ext cx="3181762" cy="399040"/>
-            </a:xfrm>
-            <a:custGeom>
-              <a:avLst/>
-              <a:gdLst/>
-              <a:ahLst/>
-              <a:cxnLst/>
-              <a:rect l="l" t="t" r="r" b="b"/>
-              <a:pathLst>
-                <a:path w="3181762" h="399040">
-                  <a:moveTo>
-                    <a:pt x="33039" y="0"/>
-                  </a:moveTo>
-                  <a:lnTo>
-                    <a:pt x="3148723" y="0"/>
-                  </a:lnTo>
-                  <a:cubicBezTo>
-                    <a:pt x="3157485" y="0"/>
-                    <a:pt x="3165889" y="3481"/>
-                    <a:pt x="3172085" y="9677"/>
-                  </a:cubicBezTo>
-                  <a:cubicBezTo>
-                    <a:pt x="3178281" y="15873"/>
-                    <a:pt x="3181762" y="24277"/>
-                    <a:pt x="3181762" y="33039"/>
-                  </a:cubicBezTo>
-                  <a:lnTo>
-                    <a:pt x="3181762" y="366001"/>
-                  </a:lnTo>
-                  <a:cubicBezTo>
-                    <a:pt x="3181762" y="384248"/>
-                    <a:pt x="3166970" y="399040"/>
-                    <a:pt x="3148723" y="399040"/>
-                  </a:cubicBezTo>
-                  <a:lnTo>
-                    <a:pt x="33039" y="399040"/>
-                  </a:lnTo>
-                  <a:cubicBezTo>
-                    <a:pt x="14792" y="399040"/>
-                    <a:pt x="0" y="384248"/>
-                    <a:pt x="0" y="366001"/>
-                  </a:cubicBezTo>
-                  <a:lnTo>
-                    <a:pt x="0" y="33039"/>
-                  </a:lnTo>
-                  <a:cubicBezTo>
-                    <a:pt x="0" y="24277"/>
-                    <a:pt x="3481" y="15873"/>
-                    <a:pt x="9677" y="9677"/>
-                  </a:cubicBezTo>
-                  <a:cubicBezTo>
-                    <a:pt x="15873" y="3481"/>
-                    <a:pt x="24277" y="0"/>
-                    <a:pt x="33039" y="0"/>
-                  </a:cubicBezTo>
-                  <a:close/>
-                </a:path>
-              </a:pathLst>
-            </a:custGeom>
-            <a:solidFill>
-              <a:srgbClr val="C9DFDD"/>
-            </a:solidFill>
-            <a:ln w="19050" cap="rnd">
-              <a:solidFill>
-                <a:srgbClr val="40352D"/>
-              </a:solidFill>
-              <a:prstDash val="solid"/>
-              <a:round/>
-            </a:ln>
-          </p:spPr>
-          <p:txBody>
-            <a:bodyPr/>
-            <a:lstStyle/>
-            <a:p>
-              <a:endParaRPr lang="ko-KR" altLang="en-US"/>
-            </a:p>
-          </p:txBody>
-        </p:sp>
-        <p:sp>
-          <p:nvSpPr>
-            <p:cNvPr id="32" name="TextBox 32"/>
-            <p:cNvSpPr txBox="1"/>
-            <p:nvPr/>
-          </p:nvSpPr>
-          <p:spPr>
-            <a:xfrm>
-              <a:off x="0" y="-19050"/>
-              <a:ext cx="3181762" cy="418090"/>
-            </a:xfrm>
-            <a:prstGeom prst="rect">
-              <a:avLst/>
-            </a:prstGeom>
-          </p:spPr>
-          <p:txBody>
-            <a:bodyPr lIns="28575" tIns="28575" rIns="28575" bIns="28575" rtlCol="0" anchor="ctr"/>
-            <a:lstStyle/>
-            <a:p>
-              <a:pPr marL="0" lvl="0" indent="0" algn="ctr">
-                <a:lnSpc>
-                  <a:spcPts val="1496"/>
-                </a:lnSpc>
-                <a:spcBef>
-                  <a:spcPct val="0"/>
-                </a:spcBef>
-              </a:pPr>
-              <a:endParaRPr/>
-            </a:p>
-          </p:txBody>
-        </p:sp>
-      </p:grpSp>
-      <p:grpSp>
-        <p:nvGrpSpPr>
-          <p:cNvPr id="33" name="Group 33"/>
-          <p:cNvGrpSpPr/>
-          <p:nvPr/>
-        </p:nvGrpSpPr>
-        <p:grpSpPr>
-          <a:xfrm>
-            <a:off x="12127253" y="2692670"/>
-            <a:ext cx="102532" cy="102532"/>
-            <a:chOff x="0" y="0"/>
-            <a:chExt cx="812800" cy="812800"/>
-          </a:xfrm>
-        </p:grpSpPr>
-        <p:sp>
-          <p:nvSpPr>
-            <p:cNvPr id="34" name="Freeform 34"/>
-            <p:cNvSpPr/>
-            <p:nvPr/>
-          </p:nvSpPr>
-          <p:spPr>
-            <a:xfrm>
-              <a:off x="0" y="0"/>
-              <a:ext cx="812800" cy="812800"/>
-            </a:xfrm>
-            <a:custGeom>
-              <a:avLst/>
-              <a:gdLst/>
-              <a:ahLst/>
-              <a:cxnLst/>
-              <a:rect l="l" t="t" r="r" b="b"/>
-              <a:pathLst>
-                <a:path w="812800" h="812800">
-                  <a:moveTo>
-                    <a:pt x="406400" y="0"/>
-                  </a:moveTo>
-                  <a:cubicBezTo>
-                    <a:pt x="181951" y="0"/>
-                    <a:pt x="0" y="181951"/>
-                    <a:pt x="0" y="406400"/>
-                  </a:cubicBezTo>
-                  <a:cubicBezTo>
-                    <a:pt x="0" y="630849"/>
-                    <a:pt x="181951" y="812800"/>
-                    <a:pt x="406400" y="812800"/>
-                  </a:cubicBezTo>
-                  <a:cubicBezTo>
-                    <a:pt x="630849" y="812800"/>
-                    <a:pt x="812800" y="630849"/>
-                    <a:pt x="812800" y="406400"/>
-                  </a:cubicBezTo>
-                  <a:cubicBezTo>
-                    <a:pt x="812800" y="181951"/>
-                    <a:pt x="630849" y="0"/>
-                    <a:pt x="406400" y="0"/>
-                  </a:cubicBezTo>
-                  <a:close/>
-                </a:path>
-              </a:pathLst>
-            </a:custGeom>
-            <a:solidFill>
-              <a:srgbClr val="40352D"/>
-            </a:solidFill>
-          </p:spPr>
-          <p:txBody>
-            <a:bodyPr/>
-            <a:lstStyle/>
-            <a:p>
-              <a:endParaRPr lang="ko-KR" altLang="en-US"/>
-            </a:p>
-          </p:txBody>
-        </p:sp>
-        <p:sp>
-          <p:nvSpPr>
-            <p:cNvPr id="35" name="TextBox 35"/>
-            <p:cNvSpPr txBox="1"/>
-            <p:nvPr/>
-          </p:nvSpPr>
-          <p:spPr>
-            <a:xfrm>
-              <a:off x="76200" y="47625"/>
-              <a:ext cx="660400" cy="688975"/>
-            </a:xfrm>
-            <a:prstGeom prst="rect">
-              <a:avLst/>
-            </a:prstGeom>
-          </p:spPr>
-          <p:txBody>
-            <a:bodyPr lIns="50800" tIns="50800" rIns="50800" bIns="50800" rtlCol="0" anchor="ctr"/>
-            <a:lstStyle/>
-            <a:p>
-              <a:pPr algn="ctr">
-                <a:lnSpc>
-                  <a:spcPts val="2524"/>
-                </a:lnSpc>
-              </a:pPr>
-              <a:endParaRPr/>
-            </a:p>
-          </p:txBody>
-        </p:sp>
-      </p:grpSp>
-      <p:grpSp>
-        <p:nvGrpSpPr>
-          <p:cNvPr id="36" name="Group 36"/>
-          <p:cNvGrpSpPr/>
-          <p:nvPr/>
-        </p:nvGrpSpPr>
-        <p:grpSpPr>
-          <a:xfrm>
-            <a:off x="6058215" y="2692670"/>
-            <a:ext cx="102532" cy="102532"/>
-            <a:chOff x="0" y="0"/>
-            <a:chExt cx="812800" cy="812800"/>
-          </a:xfrm>
-        </p:grpSpPr>
-        <p:sp>
-          <p:nvSpPr>
-            <p:cNvPr id="37" name="Freeform 37"/>
-            <p:cNvSpPr/>
-            <p:nvPr/>
-          </p:nvSpPr>
-          <p:spPr>
-            <a:xfrm>
-              <a:off x="0" y="0"/>
-              <a:ext cx="812800" cy="812800"/>
-            </a:xfrm>
-            <a:custGeom>
-              <a:avLst/>
-              <a:gdLst/>
-              <a:ahLst/>
-              <a:cxnLst/>
-              <a:rect l="l" t="t" r="r" b="b"/>
-              <a:pathLst>
-                <a:path w="812800" h="812800">
-                  <a:moveTo>
-                    <a:pt x="406400" y="0"/>
-                  </a:moveTo>
-                  <a:cubicBezTo>
-                    <a:pt x="181951" y="0"/>
-                    <a:pt x="0" y="181951"/>
-                    <a:pt x="0" y="406400"/>
-                  </a:cubicBezTo>
-                  <a:cubicBezTo>
-                    <a:pt x="0" y="630849"/>
-                    <a:pt x="181951" y="812800"/>
-                    <a:pt x="406400" y="812800"/>
-                  </a:cubicBezTo>
-                  <a:cubicBezTo>
-                    <a:pt x="630849" y="812800"/>
-                    <a:pt x="812800" y="630849"/>
-                    <a:pt x="812800" y="406400"/>
-                  </a:cubicBezTo>
-                  <a:cubicBezTo>
-                    <a:pt x="812800" y="181951"/>
-                    <a:pt x="630849" y="0"/>
-                    <a:pt x="406400" y="0"/>
-                  </a:cubicBezTo>
-                  <a:close/>
-                </a:path>
-              </a:pathLst>
-            </a:custGeom>
-            <a:solidFill>
-              <a:srgbClr val="40352D"/>
-            </a:solidFill>
-          </p:spPr>
-          <p:txBody>
-            <a:bodyPr/>
-            <a:lstStyle/>
-            <a:p>
-              <a:endParaRPr lang="ko-KR" altLang="en-US"/>
-            </a:p>
-          </p:txBody>
-        </p:sp>
-        <p:sp>
-          <p:nvSpPr>
-            <p:cNvPr id="38" name="TextBox 38"/>
-            <p:cNvSpPr txBox="1"/>
-            <p:nvPr/>
-          </p:nvSpPr>
-          <p:spPr>
-            <a:xfrm>
-              <a:off x="76200" y="47625"/>
-              <a:ext cx="660400" cy="688975"/>
-            </a:xfrm>
-            <a:prstGeom prst="rect">
-              <a:avLst/>
-            </a:prstGeom>
-          </p:spPr>
-          <p:txBody>
-            <a:bodyPr lIns="50800" tIns="50800" rIns="50800" bIns="50800" rtlCol="0" anchor="ctr"/>
-            <a:lstStyle/>
-            <a:p>
-              <a:pPr algn="ctr">
-                <a:lnSpc>
-                  <a:spcPts val="2524"/>
-                </a:lnSpc>
-              </a:pPr>
-              <a:endParaRPr/>
-            </a:p>
-          </p:txBody>
-        </p:sp>
-      </p:grpSp>
-      <p:sp>
-        <p:nvSpPr>
-          <p:cNvPr id="39" name="TextBox 39"/>
-          <p:cNvSpPr txBox="1"/>
-          <p:nvPr/>
-        </p:nvSpPr>
-        <p:spPr>
-          <a:xfrm>
-            <a:off x="6465547" y="2367251"/>
-            <a:ext cx="5356906" cy="604647"/>
-          </a:xfrm>
-          <a:prstGeom prst="rect">
-            <a:avLst/>
-          </a:prstGeom>
-        </p:spPr>
-        <p:txBody>
-          <a:bodyPr lIns="0" tIns="0" rIns="0" bIns="0" rtlCol="0" anchor="t">
-            <a:spAutoFit/>
-          </a:bodyPr>
-          <a:lstStyle/>
-          <a:p>
-            <a:pPr algn="ctr">
-              <a:lnSpc>
-                <a:spcPts val="5049"/>
-              </a:lnSpc>
-              <a:spcBef>
-                <a:spcPct val="0"/>
-              </a:spcBef>
-            </a:pPr>
-            <a:r>
-              <a:rPr lang="en-US" sz="3300">
-                <a:solidFill>
-                  <a:srgbClr val="40352D"/>
-                </a:solidFill>
-                <a:latin typeface="Tlab 라곰 Bold"/>
-              </a:rPr>
-              <a:t>THANK YOU</a:t>
-            </a:r>
-          </a:p>
-        </p:txBody>
-      </p:sp>
-      <p:sp>
-        <p:nvSpPr>
-          <p:cNvPr id="40" name="TextBox 40"/>
-          <p:cNvSpPr txBox="1"/>
-          <p:nvPr/>
-        </p:nvSpPr>
-        <p:spPr>
-          <a:xfrm>
-            <a:off x="3460321" y="4257675"/>
-            <a:ext cx="11383536" cy="1332858"/>
-          </a:xfrm>
-          <a:prstGeom prst="rect">
-            <a:avLst/>
-          </a:prstGeom>
-        </p:spPr>
-        <p:txBody>
-          <a:bodyPr lIns="0" tIns="0" rIns="0" bIns="0" rtlCol="0" anchor="t">
-            <a:spAutoFit/>
-          </a:bodyPr>
-          <a:lstStyle/>
-          <a:p>
-            <a:pPr marL="0" lvl="0" indent="0" algn="ctr">
-              <a:lnSpc>
-                <a:spcPts val="10099"/>
-              </a:lnSpc>
-              <a:spcBef>
-                <a:spcPct val="0"/>
-              </a:spcBef>
-            </a:pPr>
-            <a:r>
-              <a:rPr lang="en-US" sz="10099" u="none" strike="noStrike">
-                <a:solidFill>
-                  <a:srgbClr val="40352D"/>
-                </a:solidFill>
-                <a:ea typeface="Tlab 라곰 Bold"/>
-              </a:rPr>
-              <a:t>감사합니다</a:t>
-            </a:r>
+              <a:ea typeface="Tlab 라곰 Bold"/>
+            </a:endParaRPr>
           </a:p>
         </p:txBody>
       </p:sp>
